--- a/Portfolio Task D.pptx
+++ b/Portfolio Task D.pptx
@@ -5,13 +5,24 @@
     <p:sldMasterId id="2147483694" r:id="rId1"/>
   </p:sldMasterIdLst>
   <p:notesMasterIdLst>
-    <p:notesMasterId r:id="rId6"/>
+    <p:notesMasterId r:id="rId17"/>
   </p:notesMasterIdLst>
   <p:sldIdLst>
     <p:sldId id="256" r:id="rId2"/>
-    <p:sldId id="257" r:id="rId3"/>
-    <p:sldId id="258" r:id="rId4"/>
-    <p:sldId id="259" r:id="rId5"/>
+    <p:sldId id="268" r:id="rId3"/>
+    <p:sldId id="269" r:id="rId4"/>
+    <p:sldId id="270" r:id="rId5"/>
+    <p:sldId id="272" r:id="rId6"/>
+    <p:sldId id="257" r:id="rId7"/>
+    <p:sldId id="260" r:id="rId8"/>
+    <p:sldId id="264" r:id="rId9"/>
+    <p:sldId id="265" r:id="rId10"/>
+    <p:sldId id="266" r:id="rId11"/>
+    <p:sldId id="259" r:id="rId12"/>
+    <p:sldId id="261" r:id="rId13"/>
+    <p:sldId id="263" r:id="rId14"/>
+    <p:sldId id="267" r:id="rId15"/>
+    <p:sldId id="271" r:id="rId16"/>
   </p:sldIdLst>
   <p:sldSz cx="12192000" cy="6858000"/>
   <p:notesSz cx="6858000" cy="9144000"/>
@@ -110,6 +121,11 @@
       </a:defRPr>
     </a:lvl9pPr>
   </p:defaultTextStyle>
+  <p:extLst>
+    <p:ext uri="{EFAFB233-063F-42B5-8137-9DF3F51BA10A}">
+      <p15:sldGuideLst xmlns:p15="http://schemas.microsoft.com/office/powerpoint/2012/main"/>
+    </p:ext>
+  </p:extLst>
 </p:presentation>
 </file>
 
@@ -195,7 +211,7 @@
           <a:p>
             <a:fld id="{7D772FDF-6300-40C6-AB64-9F237E75098E}" type="datetimeFigureOut">
               <a:rPr lang="en-GB" smtClean="0"/>
-              <a:t>01/12/2015</a:t>
+              <a:t>02/12/2015</a:t>
             </a:fld>
             <a:endParaRPr lang="en-GB"/>
           </a:p>
@@ -509,25 +525,309 @@
           <a:p>
             <a:r>
               <a:rPr lang="en-GB" dirty="0" smtClean="0"/>
-              <a:t>First talk how the</a:t>
+              <a:t>Introduce yourself</a:t>
+            </a:r>
+          </a:p>
+          <a:p>
+            <a:r>
+              <a:rPr lang="en-GB" dirty="0" smtClean="0"/>
+              <a:t>Introduce</a:t>
             </a:r>
             <a:r>
               <a:rPr lang="en-GB" baseline="0" dirty="0" smtClean="0"/>
-              <a:t> tool reuses </a:t>
-            </a:r>
-            <a:r>
-              <a:rPr lang="en-GB" baseline="0" dirty="0" err="1" smtClean="0"/>
-              <a:t>Dafny</a:t>
+              <a:t> todays topic</a:t>
+            </a:r>
+            <a:endParaRPr lang="en-GB" dirty="0"/>
+          </a:p>
+        </p:txBody>
+      </p:sp>
+      <p:sp>
+        <p:nvSpPr>
+          <p:cNvPr id="4" name="Slide Number Placeholder 3"/>
+          <p:cNvSpPr>
+            <a:spLocks noGrp="1"/>
+          </p:cNvSpPr>
+          <p:nvPr>
+            <p:ph type="sldNum" sz="quarter" idx="10"/>
+          </p:nvPr>
+        </p:nvSpPr>
+        <p:spPr/>
+        <p:txBody>
+          <a:bodyPr/>
+          <a:lstStyle/>
+          <a:p>
+            <a:fld id="{FE4F8E1B-215C-4C79-B174-B7E0EE61E1F2}" type="slidenum">
+              <a:rPr lang="en-GB" smtClean="0"/>
+              <a:t>1</a:t>
+            </a:fld>
+            <a:endParaRPr lang="en-GB"/>
+          </a:p>
+        </p:txBody>
+      </p:sp>
+    </p:spTree>
+    <p:extLst>
+      <p:ext uri="{BB962C8B-B14F-4D97-AF65-F5344CB8AC3E}">
+        <p14:creationId xmlns:p14="http://schemas.microsoft.com/office/powerpoint/2010/main" val="579721961"/>
+      </p:ext>
+    </p:extLst>
+  </p:cSld>
+  <p:clrMapOvr>
+    <a:masterClrMapping/>
+  </p:clrMapOvr>
+</p:notes>
+</file>
+
+<file path=ppt/notesSlides/notesSlide2.xml><?xml version="1.0" encoding="utf-8"?>
+<p:notes xmlns:a="http://schemas.openxmlformats.org/drawingml/2006/main" xmlns:r="http://schemas.openxmlformats.org/officeDocument/2006/relationships" xmlns:p="http://schemas.openxmlformats.org/presentationml/2006/main">
+  <p:cSld>
+    <p:spTree>
+      <p:nvGrpSpPr>
+        <p:cNvPr id="1" name=""/>
+        <p:cNvGrpSpPr/>
+        <p:nvPr/>
+      </p:nvGrpSpPr>
+      <p:grpSpPr>
+        <a:xfrm>
+          <a:off x="0" y="0"/>
+          <a:ext cx="0" cy="0"/>
+          <a:chOff x="0" y="0"/>
+          <a:chExt cx="0" cy="0"/>
+        </a:xfrm>
+      </p:grpSpPr>
+      <p:sp>
+        <p:nvSpPr>
+          <p:cNvPr id="2" name="Slide Image Placeholder 1"/>
+          <p:cNvSpPr>
+            <a:spLocks noGrp="1" noRot="1" noChangeAspect="1"/>
+          </p:cNvSpPr>
+          <p:nvPr>
+            <p:ph type="sldImg"/>
+          </p:nvPr>
+        </p:nvSpPr>
+        <p:spPr/>
+      </p:sp>
+      <p:sp>
+        <p:nvSpPr>
+          <p:cNvPr id="3" name="Notes Placeholder 2"/>
+          <p:cNvSpPr>
+            <a:spLocks noGrp="1"/>
+          </p:cNvSpPr>
+          <p:nvPr>
+            <p:ph type="body" idx="1"/>
+          </p:nvPr>
+        </p:nvSpPr>
+        <p:spPr/>
+        <p:txBody>
+          <a:bodyPr/>
+          <a:lstStyle/>
+          <a:p>
+            <a:r>
+              <a:rPr lang="en-GB" dirty="0" smtClean="0"/>
+              <a:t>Why</a:t>
             </a:r>
             <a:r>
               <a:rPr lang="en-GB" baseline="0" dirty="0" smtClean="0"/>
-              <a:t> language to implement the required stuff</a:t>
-            </a:r>
-          </a:p>
-          <a:p>
-            <a:r>
-              <a:rPr lang="en-GB" baseline="0" dirty="0" smtClean="0"/>
-              <a:t>Secondly talk that the tool is implemented as a small kernel of trusted abstractions</a:t>
+              <a:t> program verification matters?</a:t>
+            </a:r>
+            <a:endParaRPr lang="en-GB" dirty="0"/>
+          </a:p>
+        </p:txBody>
+      </p:sp>
+      <p:sp>
+        <p:nvSpPr>
+          <p:cNvPr id="4" name="Slide Number Placeholder 3"/>
+          <p:cNvSpPr>
+            <a:spLocks noGrp="1"/>
+          </p:cNvSpPr>
+          <p:nvPr>
+            <p:ph type="sldNum" sz="quarter" idx="10"/>
+          </p:nvPr>
+        </p:nvSpPr>
+        <p:spPr/>
+        <p:txBody>
+          <a:bodyPr/>
+          <a:lstStyle/>
+          <a:p>
+            <a:fld id="{FE4F8E1B-215C-4C79-B174-B7E0EE61E1F2}" type="slidenum">
+              <a:rPr lang="en-GB" smtClean="0"/>
+              <a:t>2</a:t>
+            </a:fld>
+            <a:endParaRPr lang="en-GB"/>
+          </a:p>
+        </p:txBody>
+      </p:sp>
+    </p:spTree>
+    <p:extLst>
+      <p:ext uri="{BB962C8B-B14F-4D97-AF65-F5344CB8AC3E}">
+        <p14:creationId xmlns:p14="http://schemas.microsoft.com/office/powerpoint/2010/main" val="3220057384"/>
+      </p:ext>
+    </p:extLst>
+  </p:cSld>
+  <p:clrMapOvr>
+    <a:masterClrMapping/>
+  </p:clrMapOvr>
+</p:notes>
+</file>
+
+<file path=ppt/notesSlides/notesSlide3.xml><?xml version="1.0" encoding="utf-8"?>
+<p:notes xmlns:a="http://schemas.openxmlformats.org/drawingml/2006/main" xmlns:r="http://schemas.openxmlformats.org/officeDocument/2006/relationships" xmlns:p="http://schemas.openxmlformats.org/presentationml/2006/main">
+  <p:cSld>
+    <p:spTree>
+      <p:nvGrpSpPr>
+        <p:cNvPr id="1" name=""/>
+        <p:cNvGrpSpPr/>
+        <p:nvPr/>
+      </p:nvGrpSpPr>
+      <p:grpSpPr>
+        <a:xfrm>
+          <a:off x="0" y="0"/>
+          <a:ext cx="0" cy="0"/>
+          <a:chOff x="0" y="0"/>
+          <a:chExt cx="0" cy="0"/>
+        </a:xfrm>
+      </p:grpSpPr>
+      <p:sp>
+        <p:nvSpPr>
+          <p:cNvPr id="2" name="Slide Image Placeholder 1"/>
+          <p:cNvSpPr>
+            <a:spLocks noGrp="1" noRot="1" noChangeAspect="1"/>
+          </p:cNvSpPr>
+          <p:nvPr>
+            <p:ph type="sldImg"/>
+          </p:nvPr>
+        </p:nvSpPr>
+        <p:spPr/>
+      </p:sp>
+      <p:sp>
+        <p:nvSpPr>
+          <p:cNvPr id="3" name="Notes Placeholder 2"/>
+          <p:cNvSpPr>
+            <a:spLocks noGrp="1"/>
+          </p:cNvSpPr>
+          <p:nvPr>
+            <p:ph type="body" idx="1"/>
+          </p:nvPr>
+        </p:nvSpPr>
+        <p:spPr/>
+        <p:txBody>
+          <a:bodyPr/>
+          <a:lstStyle/>
+          <a:p>
+            <a:r>
+              <a:rPr lang="en-GB" sz="1200" kern="1200" dirty="0" smtClean="0">
+                <a:solidFill>
+                  <a:schemeClr val="tx1"/>
+                </a:solidFill>
+                <a:effectLst/>
+                <a:latin typeface="+mn-lt"/>
+                <a:ea typeface="+mn-ea"/>
+                <a:cs typeface="+mn-cs"/>
+              </a:rPr>
+              <a:t>Worse still, omissions and defects introduced early within the</a:t>
+            </a:r>
+          </a:p>
+          <a:p>
+            <a:r>
+              <a:rPr lang="en-GB" sz="1200" kern="1200" dirty="0" smtClean="0">
+                <a:solidFill>
+                  <a:schemeClr val="tx1"/>
+                </a:solidFill>
+                <a:effectLst/>
+                <a:latin typeface="+mn-lt"/>
+                <a:ea typeface="+mn-ea"/>
+                <a:cs typeface="+mn-cs"/>
+              </a:rPr>
+              <a:t>development life-cycle are the most expensive to rectify if they</a:t>
+            </a:r>
+          </a:p>
+          <a:p>
+            <a:r>
+              <a:rPr lang="en-GB" sz="1200" kern="1200" dirty="0" smtClean="0">
+                <a:solidFill>
+                  <a:schemeClr val="tx1"/>
+                </a:solidFill>
+                <a:effectLst/>
+                <a:latin typeface="+mn-lt"/>
+                <a:ea typeface="+mn-ea"/>
+                <a:cs typeface="+mn-cs"/>
+              </a:rPr>
+              <a:t>go undetected until testing and beyond ..</a:t>
+            </a:r>
+          </a:p>
+          <a:p>
+            <a:r>
+              <a:rPr lang="en-GB" sz="1200" kern="1200" dirty="0" smtClean="0">
+                <a:solidFill>
+                  <a:schemeClr val="tx1"/>
+                </a:solidFill>
+                <a:effectLst/>
+                <a:latin typeface="+mn-lt"/>
+                <a:ea typeface="+mn-ea"/>
+                <a:cs typeface="+mn-cs"/>
+              </a:rPr>
+              <a:t>Late life-cycle fixes are generally costly,</a:t>
+            </a:r>
+            <a:r>
+              <a:rPr lang="en-GB" sz="1200" kern="1200" baseline="0" dirty="0" smtClean="0">
+                <a:solidFill>
+                  <a:schemeClr val="tx1"/>
+                </a:solidFill>
+                <a:effectLst/>
+                <a:latin typeface="+mn-lt"/>
+                <a:ea typeface="+mn-ea"/>
+                <a:cs typeface="+mn-cs"/>
+              </a:rPr>
+              <a:t> </a:t>
+            </a:r>
+            <a:r>
+              <a:rPr lang="en-GB" sz="1200" kern="1200" dirty="0" smtClean="0">
+                <a:solidFill>
+                  <a:schemeClr val="tx1"/>
+                </a:solidFill>
+                <a:effectLst/>
+                <a:latin typeface="+mn-lt"/>
+                <a:ea typeface="+mn-ea"/>
+                <a:cs typeface="+mn-cs"/>
+              </a:rPr>
+              <a:t>i.e.</a:t>
+            </a:r>
+            <a:r>
+              <a:rPr lang="en-GB" sz="1200" kern="1200" baseline="0" dirty="0" smtClean="0">
+                <a:solidFill>
+                  <a:schemeClr val="tx1"/>
+                </a:solidFill>
+                <a:effectLst/>
+                <a:latin typeface="+mn-lt"/>
+                <a:ea typeface="+mn-ea"/>
+                <a:cs typeface="+mn-cs"/>
+              </a:rPr>
+              <a:t> </a:t>
+            </a:r>
+            <a:r>
+              <a:rPr lang="en-GB" sz="1200" kern="1200" dirty="0" smtClean="0">
+                <a:solidFill>
+                  <a:schemeClr val="tx1"/>
+                </a:solidFill>
+                <a:effectLst/>
+                <a:latin typeface="+mn-lt"/>
+                <a:ea typeface="+mn-ea"/>
+                <a:cs typeface="+mn-cs"/>
+              </a:rPr>
+              <a:t>can range from 40% to</a:t>
+            </a:r>
+          </a:p>
+          <a:p>
+            <a:r>
+              <a:rPr lang="en-GB" sz="1200" kern="1200" dirty="0" smtClean="0">
+                <a:solidFill>
+                  <a:schemeClr val="tx1"/>
+                </a:solidFill>
+                <a:effectLst/>
+                <a:latin typeface="+mn-lt"/>
+                <a:ea typeface="+mn-ea"/>
+                <a:cs typeface="+mn-cs"/>
+              </a:rPr>
+              <a:t>100% more expensive than corrections in the early phases</a:t>
             </a:r>
           </a:p>
           <a:p>
@@ -561,7 +861,706 @@
     </p:spTree>
     <p:extLst>
       <p:ext uri="{BB962C8B-B14F-4D97-AF65-F5344CB8AC3E}">
-        <p14:creationId xmlns:p14="http://schemas.microsoft.com/office/powerpoint/2010/main" val="1796555598"/>
+        <p14:creationId xmlns:p14="http://schemas.microsoft.com/office/powerpoint/2010/main" val="2862890390"/>
+      </p:ext>
+    </p:extLst>
+  </p:cSld>
+  <p:clrMapOvr>
+    <a:masterClrMapping/>
+  </p:clrMapOvr>
+</p:notes>
+</file>
+
+<file path=ppt/notesSlides/notesSlide4.xml><?xml version="1.0" encoding="utf-8"?>
+<p:notes xmlns:a="http://schemas.openxmlformats.org/drawingml/2006/main" xmlns:r="http://schemas.openxmlformats.org/officeDocument/2006/relationships" xmlns:p="http://schemas.openxmlformats.org/presentationml/2006/main">
+  <p:cSld>
+    <p:spTree>
+      <p:nvGrpSpPr>
+        <p:cNvPr id="1" name=""/>
+        <p:cNvGrpSpPr/>
+        <p:nvPr/>
+      </p:nvGrpSpPr>
+      <p:grpSpPr>
+        <a:xfrm>
+          <a:off x="0" y="0"/>
+          <a:ext cx="0" cy="0"/>
+          <a:chOff x="0" y="0"/>
+          <a:chExt cx="0" cy="0"/>
+        </a:xfrm>
+      </p:grpSpPr>
+      <p:sp>
+        <p:nvSpPr>
+          <p:cNvPr id="2" name="Slide Image Placeholder 1"/>
+          <p:cNvSpPr>
+            <a:spLocks noGrp="1" noRot="1" noChangeAspect="1"/>
+          </p:cNvSpPr>
+          <p:nvPr>
+            <p:ph type="sldImg"/>
+          </p:nvPr>
+        </p:nvSpPr>
+        <p:spPr/>
+      </p:sp>
+      <p:sp>
+        <p:nvSpPr>
+          <p:cNvPr id="3" name="Notes Placeholder 2"/>
+          <p:cNvSpPr>
+            <a:spLocks noGrp="1"/>
+          </p:cNvSpPr>
+          <p:nvPr>
+            <p:ph type="body" idx="1"/>
+          </p:nvPr>
+        </p:nvSpPr>
+        <p:spPr/>
+        <p:txBody>
+          <a:bodyPr/>
+          <a:lstStyle/>
+          <a:p>
+            <a:r>
+              <a:rPr lang="en-GB" sz="1200" dirty="0" smtClean="0"/>
+              <a:t> used in US and Canadian hospitals during the 1980's. </a:t>
+            </a:r>
+          </a:p>
+          <a:p>
+            <a:endParaRPr lang="en-GB" dirty="0" smtClean="0"/>
+          </a:p>
+          <a:p>
+            <a:r>
+              <a:rPr lang="en-GB" dirty="0" smtClean="0"/>
+              <a:t>The accidents occurred when the high-power electron beam was activated instead of the intended low power beam, and without the beam spreader plate rotated into place. Previous models had hardware interlocks in place to prevent this, but Therac-25 had removed them, depending instead on software interlocks for safety. The software interlock could fail due to a </a:t>
+            </a:r>
+            <a:r>
+              <a:rPr lang="en-GB" dirty="0" smtClean="0">
+                <a:hlinkClick r:id="rId3" tooltip="Race condition"/>
+              </a:rPr>
+              <a:t>race condition</a:t>
+            </a:r>
+            <a:r>
+              <a:rPr lang="en-GB" dirty="0" smtClean="0"/>
+              <a:t>. The defect was as follows: a one-byte counter in a testing routine frequently overflowed; if an operator provided manual input to the machine at the precise moment that this counter overflowed, the interlock would fail</a:t>
+            </a:r>
+          </a:p>
+          <a:p>
+            <a:endParaRPr lang="en-GB" dirty="0" smtClean="0"/>
+          </a:p>
+          <a:p>
+            <a:r>
+              <a:rPr lang="en-GB" dirty="0" smtClean="0"/>
+              <a:t>The greater horizontal acceleration caused a data conversion from a </a:t>
+            </a:r>
+            <a:r>
+              <a:rPr lang="en-GB" dirty="0" smtClean="0">
+                <a:hlinkClick r:id="rId4" tooltip="64-bit"/>
+              </a:rPr>
+              <a:t>64-bit</a:t>
+            </a:r>
+            <a:r>
+              <a:rPr lang="en-GB" dirty="0" smtClean="0"/>
+              <a:t> </a:t>
+            </a:r>
+            <a:r>
+              <a:rPr lang="en-GB" dirty="0" smtClean="0">
+                <a:hlinkClick r:id="rId5" tooltip="Floating point"/>
+              </a:rPr>
+              <a:t>floating point</a:t>
+            </a:r>
+            <a:r>
+              <a:rPr lang="en-GB" dirty="0" smtClean="0"/>
+              <a:t> number to a </a:t>
+            </a:r>
+            <a:r>
+              <a:rPr lang="en-GB" dirty="0" smtClean="0">
+                <a:hlinkClick r:id="rId6" tooltip="16-bit"/>
+              </a:rPr>
+              <a:t>16-bit</a:t>
+            </a:r>
+            <a:r>
+              <a:rPr lang="en-GB" dirty="0" smtClean="0"/>
+              <a:t> </a:t>
+            </a:r>
+            <a:r>
+              <a:rPr lang="en-GB" dirty="0" smtClean="0">
+                <a:hlinkClick r:id="rId7" tooltip="Signedness"/>
+              </a:rPr>
+              <a:t>signed</a:t>
+            </a:r>
+            <a:r>
+              <a:rPr lang="en-GB" dirty="0" smtClean="0"/>
+              <a:t> </a:t>
+            </a:r>
+            <a:r>
+              <a:rPr lang="en-GB" dirty="0" smtClean="0">
+                <a:hlinkClick r:id="rId8" tooltip="Integer (computer science)"/>
+              </a:rPr>
+              <a:t>integer</a:t>
+            </a:r>
+            <a:r>
+              <a:rPr lang="en-GB" dirty="0" smtClean="0"/>
+              <a:t> value to </a:t>
+            </a:r>
+            <a:r>
+              <a:rPr lang="en-GB" dirty="0" smtClean="0">
+                <a:hlinkClick r:id="rId9" tooltip="Arithmetic overflow"/>
+              </a:rPr>
+              <a:t>overflow</a:t>
+            </a:r>
+            <a:r>
+              <a:rPr lang="en-GB" dirty="0" smtClean="0"/>
+              <a:t> and cause a </a:t>
+            </a:r>
+            <a:r>
+              <a:rPr lang="en-GB" dirty="0" smtClean="0">
+                <a:hlinkClick r:id="rId10" tooltip="Hardware exception"/>
+              </a:rPr>
+              <a:t>hardware exception</a:t>
+            </a:r>
+            <a:r>
+              <a:rPr lang="en-GB" dirty="0" smtClean="0"/>
+              <a:t>. Efficiency considerations had omitted range checks for this particular variable, though conversions of other variables in the code were protected. The exception halted the reference platforms, resulting in the destruction of the flight.</a:t>
+            </a:r>
+            <a:endParaRPr lang="en-GB" dirty="0"/>
+          </a:p>
+        </p:txBody>
+      </p:sp>
+      <p:sp>
+        <p:nvSpPr>
+          <p:cNvPr id="4" name="Slide Number Placeholder 3"/>
+          <p:cNvSpPr>
+            <a:spLocks noGrp="1"/>
+          </p:cNvSpPr>
+          <p:nvPr>
+            <p:ph type="sldNum" sz="quarter" idx="10"/>
+          </p:nvPr>
+        </p:nvSpPr>
+        <p:spPr/>
+        <p:txBody>
+          <a:bodyPr/>
+          <a:lstStyle/>
+          <a:p>
+            <a:fld id="{FE4F8E1B-215C-4C79-B174-B7E0EE61E1F2}" type="slidenum">
+              <a:rPr lang="en-GB" smtClean="0"/>
+              <a:t>4</a:t>
+            </a:fld>
+            <a:endParaRPr lang="en-GB"/>
+          </a:p>
+        </p:txBody>
+      </p:sp>
+    </p:spTree>
+    <p:extLst>
+      <p:ext uri="{BB962C8B-B14F-4D97-AF65-F5344CB8AC3E}">
+        <p14:creationId xmlns:p14="http://schemas.microsoft.com/office/powerpoint/2010/main" val="2690521657"/>
+      </p:ext>
+    </p:extLst>
+  </p:cSld>
+  <p:clrMapOvr>
+    <a:masterClrMapping/>
+  </p:clrMapOvr>
+</p:notes>
+</file>
+
+<file path=ppt/notesSlides/notesSlide5.xml><?xml version="1.0" encoding="utf-8"?>
+<p:notes xmlns:a="http://schemas.openxmlformats.org/drawingml/2006/main" xmlns:r="http://schemas.openxmlformats.org/officeDocument/2006/relationships" xmlns:p="http://schemas.openxmlformats.org/presentationml/2006/main">
+  <p:cSld>
+    <p:spTree>
+      <p:nvGrpSpPr>
+        <p:cNvPr id="1" name=""/>
+        <p:cNvGrpSpPr/>
+        <p:nvPr/>
+      </p:nvGrpSpPr>
+      <p:grpSpPr>
+        <a:xfrm>
+          <a:off x="0" y="0"/>
+          <a:ext cx="0" cy="0"/>
+          <a:chOff x="0" y="0"/>
+          <a:chExt cx="0" cy="0"/>
+        </a:xfrm>
+      </p:grpSpPr>
+      <p:sp>
+        <p:nvSpPr>
+          <p:cNvPr id="2" name="Slide Image Placeholder 1"/>
+          <p:cNvSpPr>
+            <a:spLocks noGrp="1" noRot="1" noChangeAspect="1"/>
+          </p:cNvSpPr>
+          <p:nvPr>
+            <p:ph type="sldImg"/>
+          </p:nvPr>
+        </p:nvSpPr>
+        <p:spPr/>
+      </p:sp>
+      <p:sp>
+        <p:nvSpPr>
+          <p:cNvPr id="3" name="Notes Placeholder 2"/>
+          <p:cNvSpPr>
+            <a:spLocks noGrp="1"/>
+          </p:cNvSpPr>
+          <p:nvPr>
+            <p:ph type="body" idx="1"/>
+          </p:nvPr>
+        </p:nvSpPr>
+        <p:spPr/>
+        <p:txBody>
+          <a:bodyPr/>
+          <a:lstStyle/>
+          <a:p>
+            <a:endParaRPr lang="en-GB" dirty="0"/>
+          </a:p>
+        </p:txBody>
+      </p:sp>
+      <p:sp>
+        <p:nvSpPr>
+          <p:cNvPr id="4" name="Slide Number Placeholder 3"/>
+          <p:cNvSpPr>
+            <a:spLocks noGrp="1"/>
+          </p:cNvSpPr>
+          <p:nvPr>
+            <p:ph type="sldNum" sz="quarter" idx="10"/>
+          </p:nvPr>
+        </p:nvSpPr>
+        <p:spPr/>
+        <p:txBody>
+          <a:bodyPr/>
+          <a:lstStyle/>
+          <a:p>
+            <a:fld id="{FE4F8E1B-215C-4C79-B174-B7E0EE61E1F2}" type="slidenum">
+              <a:rPr lang="en-GB" smtClean="0"/>
+              <a:t>5</a:t>
+            </a:fld>
+            <a:endParaRPr lang="en-GB"/>
+          </a:p>
+        </p:txBody>
+      </p:sp>
+    </p:spTree>
+    <p:extLst>
+      <p:ext uri="{BB962C8B-B14F-4D97-AF65-F5344CB8AC3E}">
+        <p14:creationId xmlns:p14="http://schemas.microsoft.com/office/powerpoint/2010/main" val="3195414241"/>
+      </p:ext>
+    </p:extLst>
+  </p:cSld>
+  <p:clrMapOvr>
+    <a:masterClrMapping/>
+  </p:clrMapOvr>
+</p:notes>
+</file>
+
+<file path=ppt/notesSlides/notesSlide6.xml><?xml version="1.0" encoding="utf-8"?>
+<p:notes xmlns:a="http://schemas.openxmlformats.org/drawingml/2006/main" xmlns:r="http://schemas.openxmlformats.org/officeDocument/2006/relationships" xmlns:p="http://schemas.openxmlformats.org/presentationml/2006/main">
+  <p:cSld>
+    <p:spTree>
+      <p:nvGrpSpPr>
+        <p:cNvPr id="1" name=""/>
+        <p:cNvGrpSpPr/>
+        <p:nvPr/>
+      </p:nvGrpSpPr>
+      <p:grpSpPr>
+        <a:xfrm>
+          <a:off x="0" y="0"/>
+          <a:ext cx="0" cy="0"/>
+          <a:chOff x="0" y="0"/>
+          <a:chExt cx="0" cy="0"/>
+        </a:xfrm>
+      </p:grpSpPr>
+      <p:sp>
+        <p:nvSpPr>
+          <p:cNvPr id="2" name="Slide Image Placeholder 1"/>
+          <p:cNvSpPr>
+            <a:spLocks noGrp="1" noRot="1" noChangeAspect="1"/>
+          </p:cNvSpPr>
+          <p:nvPr>
+            <p:ph type="sldImg"/>
+          </p:nvPr>
+        </p:nvSpPr>
+        <p:spPr/>
+      </p:sp>
+      <p:sp>
+        <p:nvSpPr>
+          <p:cNvPr id="3" name="Notes Placeholder 2"/>
+          <p:cNvSpPr>
+            <a:spLocks noGrp="1"/>
+          </p:cNvSpPr>
+          <p:nvPr>
+            <p:ph type="body" idx="1"/>
+          </p:nvPr>
+        </p:nvSpPr>
+        <p:spPr/>
+        <p:txBody>
+          <a:bodyPr/>
+          <a:lstStyle/>
+          <a:p>
+            <a:pPr marL="0" marR="0" indent="0" algn="l" defTabSz="914400" rtl="0" eaLnBrk="1" fontAlgn="auto" latinLnBrk="0" hangingPunct="1">
+              <a:lnSpc>
+                <a:spcPct val="100000"/>
+              </a:lnSpc>
+              <a:spcBef>
+                <a:spcPts val="0"/>
+              </a:spcBef>
+              <a:spcAft>
+                <a:spcPts val="0"/>
+              </a:spcAft>
+              <a:buClrTx/>
+              <a:buSzTx/>
+              <a:buFontTx/>
+              <a:buNone/>
+              <a:tabLst/>
+              <a:defRPr/>
+            </a:pPr>
+            <a:r>
+              <a:rPr lang="en-GB" dirty="0" smtClean="0">
+                <a:effectLst/>
+              </a:rPr>
+              <a:t>Focusing on the </a:t>
+            </a:r>
+            <a:r>
+              <a:rPr lang="en-GB" dirty="0" err="1" smtClean="0">
+                <a:effectLst/>
+                <a:hlinkClick r:id="rId3"/>
+              </a:rPr>
+              <a:t>Dafny</a:t>
+            </a:r>
+            <a:r>
+              <a:rPr lang="en-GB" dirty="0" smtClean="0">
+                <a:effectLst/>
+              </a:rPr>
+              <a:t> programming language and a program verifier, </a:t>
+            </a:r>
+            <a:r>
+              <a:rPr lang="en-GB" sz="1200" b="1" i="1" kern="1200" dirty="0" smtClean="0">
+                <a:solidFill>
+                  <a:schemeClr val="tx1"/>
+                </a:solidFill>
+                <a:effectLst/>
+                <a:latin typeface="+mn-lt"/>
+                <a:ea typeface="+mn-ea"/>
+                <a:cs typeface="+mn-cs"/>
+              </a:rPr>
+              <a:t>the </a:t>
+            </a:r>
+            <a:r>
+              <a:rPr lang="en-GB" sz="1200" b="1" i="1" kern="1200" dirty="0" err="1" smtClean="0">
+                <a:solidFill>
+                  <a:schemeClr val="tx1"/>
+                </a:solidFill>
+                <a:effectLst/>
+                <a:latin typeface="+mn-lt"/>
+                <a:ea typeface="+mn-ea"/>
+                <a:cs typeface="+mn-cs"/>
+              </a:rPr>
+              <a:t>tacny</a:t>
+            </a:r>
+            <a:r>
+              <a:rPr lang="en-GB" sz="1200" b="1" i="1" kern="1200" dirty="0" smtClean="0">
+                <a:solidFill>
+                  <a:schemeClr val="tx1"/>
+                </a:solidFill>
+                <a:effectLst/>
+                <a:latin typeface="+mn-lt"/>
+                <a:ea typeface="+mn-ea"/>
+                <a:cs typeface="+mn-cs"/>
+              </a:rPr>
+              <a:t> project</a:t>
+            </a:r>
+            <a:r>
+              <a:rPr lang="en-GB" dirty="0" smtClean="0">
+                <a:effectLst/>
+              </a:rPr>
+              <a:t> aims to develop a notion of tactic for </a:t>
+            </a:r>
+            <a:r>
+              <a:rPr lang="en-GB" dirty="0" err="1" smtClean="0">
+                <a:effectLst/>
+              </a:rPr>
+              <a:t>Dafny</a:t>
+            </a:r>
+            <a:r>
+              <a:rPr lang="en-GB" dirty="0" smtClean="0">
+                <a:effectLst/>
+              </a:rPr>
+              <a:t> so that common proof patterns can be reused.</a:t>
+            </a:r>
+            <a:endParaRPr lang="en-GB" dirty="0" smtClean="0"/>
+          </a:p>
+          <a:p>
+            <a:endParaRPr lang="en-GB" dirty="0"/>
+          </a:p>
+        </p:txBody>
+      </p:sp>
+      <p:sp>
+        <p:nvSpPr>
+          <p:cNvPr id="4" name="Slide Number Placeholder 3"/>
+          <p:cNvSpPr>
+            <a:spLocks noGrp="1"/>
+          </p:cNvSpPr>
+          <p:nvPr>
+            <p:ph type="sldNum" sz="quarter" idx="10"/>
+          </p:nvPr>
+        </p:nvSpPr>
+        <p:spPr/>
+        <p:txBody>
+          <a:bodyPr/>
+          <a:lstStyle/>
+          <a:p>
+            <a:fld id="{FE4F8E1B-215C-4C79-B174-B7E0EE61E1F2}" type="slidenum">
+              <a:rPr lang="en-GB" smtClean="0"/>
+              <a:t>6</a:t>
+            </a:fld>
+            <a:endParaRPr lang="en-GB"/>
+          </a:p>
+        </p:txBody>
+      </p:sp>
+    </p:spTree>
+    <p:extLst>
+      <p:ext uri="{BB962C8B-B14F-4D97-AF65-F5344CB8AC3E}">
+        <p14:creationId xmlns:p14="http://schemas.microsoft.com/office/powerpoint/2010/main" val="4226054175"/>
+      </p:ext>
+    </p:extLst>
+  </p:cSld>
+  <p:clrMapOvr>
+    <a:masterClrMapping/>
+  </p:clrMapOvr>
+</p:notes>
+</file>
+
+<file path=ppt/notesSlides/notesSlide7.xml><?xml version="1.0" encoding="utf-8"?>
+<p:notes xmlns:a="http://schemas.openxmlformats.org/drawingml/2006/main" xmlns:r="http://schemas.openxmlformats.org/officeDocument/2006/relationships" xmlns:p="http://schemas.openxmlformats.org/presentationml/2006/main">
+  <p:cSld>
+    <p:spTree>
+      <p:nvGrpSpPr>
+        <p:cNvPr id="1" name=""/>
+        <p:cNvGrpSpPr/>
+        <p:nvPr/>
+      </p:nvGrpSpPr>
+      <p:grpSpPr>
+        <a:xfrm>
+          <a:off x="0" y="0"/>
+          <a:ext cx="0" cy="0"/>
+          <a:chOff x="0" y="0"/>
+          <a:chExt cx="0" cy="0"/>
+        </a:xfrm>
+      </p:grpSpPr>
+      <p:sp>
+        <p:nvSpPr>
+          <p:cNvPr id="2" name="Slide Image Placeholder 1"/>
+          <p:cNvSpPr>
+            <a:spLocks noGrp="1" noRot="1" noChangeAspect="1"/>
+          </p:cNvSpPr>
+          <p:nvPr>
+            <p:ph type="sldImg"/>
+          </p:nvPr>
+        </p:nvSpPr>
+        <p:spPr/>
+      </p:sp>
+      <p:sp>
+        <p:nvSpPr>
+          <p:cNvPr id="3" name="Notes Placeholder 2"/>
+          <p:cNvSpPr>
+            <a:spLocks noGrp="1"/>
+          </p:cNvSpPr>
+          <p:nvPr>
+            <p:ph type="body" idx="1"/>
+          </p:nvPr>
+        </p:nvSpPr>
+        <p:spPr/>
+        <p:txBody>
+          <a:bodyPr/>
+          <a:lstStyle/>
+          <a:p>
+            <a:endParaRPr lang="en-GB" dirty="0"/>
+          </a:p>
+        </p:txBody>
+      </p:sp>
+      <p:sp>
+        <p:nvSpPr>
+          <p:cNvPr id="4" name="Slide Number Placeholder 3"/>
+          <p:cNvSpPr>
+            <a:spLocks noGrp="1"/>
+          </p:cNvSpPr>
+          <p:nvPr>
+            <p:ph type="sldNum" sz="quarter" idx="10"/>
+          </p:nvPr>
+        </p:nvSpPr>
+        <p:spPr/>
+        <p:txBody>
+          <a:bodyPr/>
+          <a:lstStyle/>
+          <a:p>
+            <a:fld id="{FE4F8E1B-215C-4C79-B174-B7E0EE61E1F2}" type="slidenum">
+              <a:rPr lang="en-GB" smtClean="0"/>
+              <a:t>9</a:t>
+            </a:fld>
+            <a:endParaRPr lang="en-GB"/>
+          </a:p>
+        </p:txBody>
+      </p:sp>
+    </p:spTree>
+    <p:extLst>
+      <p:ext uri="{BB962C8B-B14F-4D97-AF65-F5344CB8AC3E}">
+        <p14:creationId xmlns:p14="http://schemas.microsoft.com/office/powerpoint/2010/main" val="3080266841"/>
+      </p:ext>
+    </p:extLst>
+  </p:cSld>
+  <p:clrMapOvr>
+    <a:masterClrMapping/>
+  </p:clrMapOvr>
+</p:notes>
+</file>
+
+<file path=ppt/notesSlides/notesSlide8.xml><?xml version="1.0" encoding="utf-8"?>
+<p:notes xmlns:a="http://schemas.openxmlformats.org/drawingml/2006/main" xmlns:r="http://schemas.openxmlformats.org/officeDocument/2006/relationships" xmlns:p="http://schemas.openxmlformats.org/presentationml/2006/main">
+  <p:cSld>
+    <p:spTree>
+      <p:nvGrpSpPr>
+        <p:cNvPr id="1" name=""/>
+        <p:cNvGrpSpPr/>
+        <p:nvPr/>
+      </p:nvGrpSpPr>
+      <p:grpSpPr>
+        <a:xfrm>
+          <a:off x="0" y="0"/>
+          <a:ext cx="0" cy="0"/>
+          <a:chOff x="0" y="0"/>
+          <a:chExt cx="0" cy="0"/>
+        </a:xfrm>
+      </p:grpSpPr>
+      <p:sp>
+        <p:nvSpPr>
+          <p:cNvPr id="2" name="Slide Image Placeholder 1"/>
+          <p:cNvSpPr>
+            <a:spLocks noGrp="1" noRot="1" noChangeAspect="1"/>
+          </p:cNvSpPr>
+          <p:nvPr>
+            <p:ph type="sldImg"/>
+          </p:nvPr>
+        </p:nvSpPr>
+        <p:spPr/>
+      </p:sp>
+      <p:sp>
+        <p:nvSpPr>
+          <p:cNvPr id="3" name="Notes Placeholder 2"/>
+          <p:cNvSpPr>
+            <a:spLocks noGrp="1"/>
+          </p:cNvSpPr>
+          <p:nvPr>
+            <p:ph type="body" idx="1"/>
+          </p:nvPr>
+        </p:nvSpPr>
+        <p:spPr/>
+        <p:txBody>
+          <a:bodyPr/>
+          <a:lstStyle/>
+          <a:p>
+            <a:endParaRPr lang="en-GB" dirty="0"/>
+          </a:p>
+        </p:txBody>
+      </p:sp>
+      <p:sp>
+        <p:nvSpPr>
+          <p:cNvPr id="4" name="Slide Number Placeholder 3"/>
+          <p:cNvSpPr>
+            <a:spLocks noGrp="1"/>
+          </p:cNvSpPr>
+          <p:nvPr>
+            <p:ph type="sldNum" sz="quarter" idx="10"/>
+          </p:nvPr>
+        </p:nvSpPr>
+        <p:spPr/>
+        <p:txBody>
+          <a:bodyPr/>
+          <a:lstStyle/>
+          <a:p>
+            <a:fld id="{FE4F8E1B-215C-4C79-B174-B7E0EE61E1F2}" type="slidenum">
+              <a:rPr lang="en-GB" smtClean="0"/>
+              <a:t>11</a:t>
+            </a:fld>
+            <a:endParaRPr lang="en-GB"/>
+          </a:p>
+        </p:txBody>
+      </p:sp>
+    </p:spTree>
+    <p:extLst>
+      <p:ext uri="{BB962C8B-B14F-4D97-AF65-F5344CB8AC3E}">
+        <p14:creationId xmlns:p14="http://schemas.microsoft.com/office/powerpoint/2010/main" val="3784066372"/>
+      </p:ext>
+    </p:extLst>
+  </p:cSld>
+  <p:clrMapOvr>
+    <a:masterClrMapping/>
+  </p:clrMapOvr>
+</p:notes>
+</file>
+
+<file path=ppt/notesSlides/notesSlide9.xml><?xml version="1.0" encoding="utf-8"?>
+<p:notes xmlns:a="http://schemas.openxmlformats.org/drawingml/2006/main" xmlns:r="http://schemas.openxmlformats.org/officeDocument/2006/relationships" xmlns:p="http://schemas.openxmlformats.org/presentationml/2006/main">
+  <p:cSld>
+    <p:spTree>
+      <p:nvGrpSpPr>
+        <p:cNvPr id="1" name=""/>
+        <p:cNvGrpSpPr/>
+        <p:nvPr/>
+      </p:nvGrpSpPr>
+      <p:grpSpPr>
+        <a:xfrm>
+          <a:off x="0" y="0"/>
+          <a:ext cx="0" cy="0"/>
+          <a:chOff x="0" y="0"/>
+          <a:chExt cx="0" cy="0"/>
+        </a:xfrm>
+      </p:grpSpPr>
+      <p:sp>
+        <p:nvSpPr>
+          <p:cNvPr id="2" name="Slide Image Placeholder 1"/>
+          <p:cNvSpPr>
+            <a:spLocks noGrp="1" noRot="1" noChangeAspect="1"/>
+          </p:cNvSpPr>
+          <p:nvPr>
+            <p:ph type="sldImg"/>
+          </p:nvPr>
+        </p:nvSpPr>
+        <p:spPr/>
+      </p:sp>
+      <p:sp>
+        <p:nvSpPr>
+          <p:cNvPr id="3" name="Notes Placeholder 2"/>
+          <p:cNvSpPr>
+            <a:spLocks noGrp="1"/>
+          </p:cNvSpPr>
+          <p:nvPr>
+            <p:ph type="body" idx="1"/>
+          </p:nvPr>
+        </p:nvSpPr>
+        <p:spPr/>
+        <p:txBody>
+          <a:bodyPr/>
+          <a:lstStyle/>
+          <a:p>
+            <a:endParaRPr lang="en-GB" dirty="0"/>
+          </a:p>
+        </p:txBody>
+      </p:sp>
+      <p:sp>
+        <p:nvSpPr>
+          <p:cNvPr id="4" name="Slide Number Placeholder 3"/>
+          <p:cNvSpPr>
+            <a:spLocks noGrp="1"/>
+          </p:cNvSpPr>
+          <p:nvPr>
+            <p:ph type="sldNum" sz="quarter" idx="10"/>
+          </p:nvPr>
+        </p:nvSpPr>
+        <p:spPr/>
+        <p:txBody>
+          <a:bodyPr/>
+          <a:lstStyle/>
+          <a:p>
+            <a:fld id="{FE4F8E1B-215C-4C79-B174-B7E0EE61E1F2}" type="slidenum">
+              <a:rPr lang="en-GB" smtClean="0"/>
+              <a:t>13</a:t>
+            </a:fld>
+            <a:endParaRPr lang="en-GB"/>
+          </a:p>
+        </p:txBody>
+      </p:sp>
+    </p:spTree>
+    <p:extLst>
+      <p:ext uri="{BB962C8B-B14F-4D97-AF65-F5344CB8AC3E}">
+        <p14:creationId xmlns:p14="http://schemas.microsoft.com/office/powerpoint/2010/main" val="108613108"/>
       </p:ext>
     </p:extLst>
   </p:cSld>
@@ -1316,7 +2315,7 @@
           <a:p>
             <a:fld id="{2EE86867-36DD-4815-8672-F5868B45D451}" type="datetimeFigureOut">
               <a:rPr lang="en-GB" smtClean="0"/>
-              <a:t>01/12/2015</a:t>
+              <a:t>02/12/2015</a:t>
             </a:fld>
             <a:endParaRPr lang="en-GB"/>
           </a:p>
@@ -1567,7 +2566,7 @@
           <a:p>
             <a:fld id="{2EE86867-36DD-4815-8672-F5868B45D451}" type="datetimeFigureOut">
               <a:rPr lang="en-GB" smtClean="0"/>
-              <a:t>01/12/2015</a:t>
+              <a:t>02/12/2015</a:t>
             </a:fld>
             <a:endParaRPr lang="en-GB"/>
           </a:p>
@@ -1881,7 +2880,7 @@
           <a:p>
             <a:fld id="{2EE86867-36DD-4815-8672-F5868B45D451}" type="datetimeFigureOut">
               <a:rPr lang="en-GB" smtClean="0"/>
-              <a:t>01/12/2015</a:t>
+              <a:t>02/12/2015</a:t>
             </a:fld>
             <a:endParaRPr lang="en-GB"/>
           </a:p>
@@ -2214,7 +3213,7 @@
           <a:p>
             <a:fld id="{2EE86867-36DD-4815-8672-F5868B45D451}" type="datetimeFigureOut">
               <a:rPr lang="en-GB" smtClean="0"/>
-              <a:t>01/12/2015</a:t>
+              <a:t>02/12/2015</a:t>
             </a:fld>
             <a:endParaRPr lang="en-GB"/>
           </a:p>
@@ -2528,7 +3527,7 @@
           <a:p>
             <a:fld id="{2EE86867-36DD-4815-8672-F5868B45D451}" type="datetimeFigureOut">
               <a:rPr lang="en-GB" smtClean="0"/>
-              <a:t>01/12/2015</a:t>
+              <a:t>02/12/2015</a:t>
             </a:fld>
             <a:endParaRPr lang="en-GB"/>
           </a:p>
@@ -2921,7 +3920,7 @@
           <a:p>
             <a:fld id="{2EE86867-36DD-4815-8672-F5868B45D451}" type="datetimeFigureOut">
               <a:rPr lang="en-GB" smtClean="0"/>
-              <a:t>01/12/2015</a:t>
+              <a:t>02/12/2015</a:t>
             </a:fld>
             <a:endParaRPr lang="en-GB"/>
           </a:p>
@@ -3091,7 +4090,7 @@
           <a:p>
             <a:fld id="{2EE86867-36DD-4815-8672-F5868B45D451}" type="datetimeFigureOut">
               <a:rPr lang="en-GB" smtClean="0"/>
-              <a:t>01/12/2015</a:t>
+              <a:t>02/12/2015</a:t>
             </a:fld>
             <a:endParaRPr lang="en-GB"/>
           </a:p>
@@ -3271,7 +4270,7 @@
           <a:p>
             <a:fld id="{2EE86867-36DD-4815-8672-F5868B45D451}" type="datetimeFigureOut">
               <a:rPr lang="en-GB" smtClean="0"/>
-              <a:t>01/12/2015</a:t>
+              <a:t>02/12/2015</a:t>
             </a:fld>
             <a:endParaRPr lang="en-GB"/>
           </a:p>
@@ -3441,7 +4440,7 @@
           <a:p>
             <a:fld id="{2EE86867-36DD-4815-8672-F5868B45D451}" type="datetimeFigureOut">
               <a:rPr lang="en-GB" smtClean="0"/>
-              <a:t>01/12/2015</a:t>
+              <a:t>02/12/2015</a:t>
             </a:fld>
             <a:endParaRPr lang="en-GB"/>
           </a:p>
@@ -3688,7 +4687,7 @@
           <a:p>
             <a:fld id="{2EE86867-36DD-4815-8672-F5868B45D451}" type="datetimeFigureOut">
               <a:rPr lang="en-GB" smtClean="0"/>
-              <a:t>01/12/2015</a:t>
+              <a:t>02/12/2015</a:t>
             </a:fld>
             <a:endParaRPr lang="en-GB"/>
           </a:p>
@@ -3920,7 +4919,7 @@
           <a:p>
             <a:fld id="{2EE86867-36DD-4815-8672-F5868B45D451}" type="datetimeFigureOut">
               <a:rPr lang="en-GB" smtClean="0"/>
-              <a:t>01/12/2015</a:t>
+              <a:t>02/12/2015</a:t>
             </a:fld>
             <a:endParaRPr lang="en-GB"/>
           </a:p>
@@ -4294,7 +5293,7 @@
           <a:p>
             <a:fld id="{2EE86867-36DD-4815-8672-F5868B45D451}" type="datetimeFigureOut">
               <a:rPr lang="en-GB" smtClean="0"/>
-              <a:t>01/12/2015</a:t>
+              <a:t>02/12/2015</a:t>
             </a:fld>
             <a:endParaRPr lang="en-GB"/>
           </a:p>
@@ -4417,7 +5416,7 @@
           <a:p>
             <a:fld id="{2EE86867-36DD-4815-8672-F5868B45D451}" type="datetimeFigureOut">
               <a:rPr lang="en-GB" smtClean="0"/>
-              <a:t>01/12/2015</a:t>
+              <a:t>02/12/2015</a:t>
             </a:fld>
             <a:endParaRPr lang="en-GB"/>
           </a:p>
@@ -4512,7 +5511,7 @@
           <a:p>
             <a:fld id="{2EE86867-36DD-4815-8672-F5868B45D451}" type="datetimeFigureOut">
               <a:rPr lang="en-GB" smtClean="0"/>
-              <a:t>01/12/2015</a:t>
+              <a:t>02/12/2015</a:t>
             </a:fld>
             <a:endParaRPr lang="en-GB"/>
           </a:p>
@@ -4767,7 +5766,7 @@
           <a:p>
             <a:fld id="{2EE86867-36DD-4815-8672-F5868B45D451}" type="datetimeFigureOut">
               <a:rPr lang="en-GB" smtClean="0"/>
-              <a:t>01/12/2015</a:t>
+              <a:t>02/12/2015</a:t>
             </a:fld>
             <a:endParaRPr lang="en-GB"/>
           </a:p>
@@ -5072,7 +6071,7 @@
           <a:p>
             <a:fld id="{2EE86867-36DD-4815-8672-F5868B45D451}" type="datetimeFigureOut">
               <a:rPr lang="en-GB" smtClean="0"/>
-              <a:t>01/12/2015</a:t>
+              <a:t>02/12/2015</a:t>
             </a:fld>
             <a:endParaRPr lang="en-GB"/>
           </a:p>
@@ -5774,7 +6773,7 @@
           <a:p>
             <a:fld id="{2EE86867-36DD-4815-8672-F5868B45D451}" type="datetimeFigureOut">
               <a:rPr lang="en-GB" smtClean="0"/>
-              <a:t>01/12/2015</a:t>
+              <a:t>02/12/2015</a:t>
             </a:fld>
             <a:endParaRPr lang="en-GB"/>
           </a:p>
@@ -6498,6 +7497,3313 @@
   <p:clrMapOvr>
     <a:masterClrMapping/>
   </p:clrMapOvr>
+  <p:timing>
+    <p:tnLst>
+      <p:par>
+        <p:cTn id="1" dur="indefinite" restart="never" nodeType="tmRoot"/>
+      </p:par>
+    </p:tnLst>
+  </p:timing>
+</p:sld>
+</file>
+
+<file path=ppt/slides/slide10.xml><?xml version="1.0" encoding="utf-8"?>
+<p:sld xmlns:a="http://schemas.openxmlformats.org/drawingml/2006/main" xmlns:r="http://schemas.openxmlformats.org/officeDocument/2006/relationships" xmlns:p="http://schemas.openxmlformats.org/presentationml/2006/main">
+  <p:cSld>
+    <p:spTree>
+      <p:nvGrpSpPr>
+        <p:cNvPr id="1" name=""/>
+        <p:cNvGrpSpPr/>
+        <p:nvPr/>
+      </p:nvGrpSpPr>
+      <p:grpSpPr>
+        <a:xfrm>
+          <a:off x="0" y="0"/>
+          <a:ext cx="0" cy="0"/>
+          <a:chOff x="0" y="0"/>
+          <a:chExt cx="0" cy="0"/>
+        </a:xfrm>
+      </p:grpSpPr>
+      <p:sp>
+        <p:nvSpPr>
+          <p:cNvPr id="3" name="Content Placeholder 2"/>
+          <p:cNvSpPr>
+            <a:spLocks noGrp="1"/>
+          </p:cNvSpPr>
+          <p:nvPr>
+            <p:ph idx="1"/>
+          </p:nvPr>
+        </p:nvSpPr>
+        <p:spPr>
+          <a:xfrm>
+            <a:off x="677334" y="2418641"/>
+            <a:ext cx="8596668" cy="555812"/>
+          </a:xfrm>
+        </p:spPr>
+        <p:txBody>
+          <a:bodyPr>
+            <a:normAutofit/>
+          </a:bodyPr>
+          <a:lstStyle/>
+          <a:p>
+            <a:pPr marL="0" indent="0">
+              <a:buNone/>
+            </a:pPr>
+            <a:r>
+              <a:rPr lang="en-GB" sz="3000" dirty="0" smtClean="0"/>
+              <a:t>The </a:t>
+            </a:r>
+            <a:r>
+              <a:rPr lang="en-GB" sz="3000" dirty="0" err="1" smtClean="0"/>
+              <a:t>Tacny</a:t>
+            </a:r>
+            <a:r>
+              <a:rPr lang="en-GB" sz="3000" dirty="0" smtClean="0"/>
+              <a:t> tool must be familiar to </a:t>
+            </a:r>
+            <a:r>
+              <a:rPr lang="en-GB" sz="3000" dirty="0" err="1" smtClean="0"/>
+              <a:t>Dafny</a:t>
+            </a:r>
+            <a:r>
+              <a:rPr lang="en-GB" sz="3000" dirty="0" smtClean="0"/>
+              <a:t> users</a:t>
+            </a:r>
+            <a:endParaRPr lang="en-GB" sz="3000" dirty="0"/>
+          </a:p>
+        </p:txBody>
+      </p:sp>
+      <p:sp>
+        <p:nvSpPr>
+          <p:cNvPr id="4" name="Title 1"/>
+          <p:cNvSpPr>
+            <a:spLocks noGrp="1"/>
+          </p:cNvSpPr>
+          <p:nvPr>
+            <p:ph type="title"/>
+          </p:nvPr>
+        </p:nvSpPr>
+        <p:spPr/>
+        <p:txBody>
+          <a:bodyPr>
+            <a:normAutofit/>
+          </a:bodyPr>
+          <a:lstStyle/>
+          <a:p>
+            <a:r>
+              <a:rPr lang="en-GB" sz="4000" dirty="0" smtClean="0"/>
+              <a:t>The </a:t>
+            </a:r>
+            <a:r>
+              <a:rPr lang="en-GB" sz="4000" dirty="0" err="1" smtClean="0"/>
+              <a:t>Tacny</a:t>
+            </a:r>
+            <a:r>
+              <a:rPr lang="en-GB" sz="4000" dirty="0" smtClean="0"/>
+              <a:t> Project</a:t>
+            </a:r>
+            <a:r>
+              <a:rPr lang="en-GB" dirty="0" smtClean="0"/>
+              <a:t/>
+            </a:r>
+            <a:br>
+              <a:rPr lang="en-GB" dirty="0" smtClean="0"/>
+            </a:br>
+            <a:r>
+              <a:rPr lang="en-GB" sz="3300" dirty="0" smtClean="0"/>
+              <a:t>Requirements</a:t>
+            </a:r>
+            <a:endParaRPr lang="en-GB" sz="2800" b="1" dirty="0">
+              <a:solidFill>
+                <a:schemeClr val="accent4"/>
+              </a:solidFill>
+            </a:endParaRPr>
+          </a:p>
+        </p:txBody>
+      </p:sp>
+      <p:sp>
+        <p:nvSpPr>
+          <p:cNvPr id="5" name="TextBox 4"/>
+          <p:cNvSpPr txBox="1"/>
+          <p:nvPr/>
+        </p:nvSpPr>
+        <p:spPr>
+          <a:xfrm>
+            <a:off x="677334" y="1930400"/>
+            <a:ext cx="2765113" cy="477054"/>
+          </a:xfrm>
+          <a:prstGeom prst="rect">
+            <a:avLst/>
+          </a:prstGeom>
+          <a:noFill/>
+        </p:spPr>
+        <p:txBody>
+          <a:bodyPr wrap="square" rtlCol="0">
+            <a:spAutoFit/>
+          </a:bodyPr>
+          <a:lstStyle/>
+          <a:p>
+            <a:r>
+              <a:rPr lang="en-GB" sz="2500" b="1" u="sng" dirty="0">
+                <a:solidFill>
+                  <a:schemeClr val="accent4"/>
+                </a:solidFill>
+              </a:rPr>
+              <a:t>Familiar</a:t>
+            </a:r>
+            <a:endParaRPr lang="en-GB" sz="2500" dirty="0"/>
+          </a:p>
+        </p:txBody>
+      </p:sp>
+      <p:sp>
+        <p:nvSpPr>
+          <p:cNvPr id="6" name="Content Placeholder 4"/>
+          <p:cNvSpPr txBox="1">
+            <a:spLocks/>
+          </p:cNvSpPr>
+          <p:nvPr/>
+        </p:nvSpPr>
+        <p:spPr>
+          <a:xfrm>
+            <a:off x="677334" y="2487848"/>
+            <a:ext cx="8596668" cy="815693"/>
+          </a:xfrm>
+          <a:prstGeom prst="rect">
+            <a:avLst/>
+          </a:prstGeom>
+        </p:spPr>
+        <p:txBody>
+          <a:bodyPr vert="horz" lIns="91440" tIns="45720" rIns="91440" bIns="45720" rtlCol="0">
+            <a:noAutofit/>
+          </a:bodyPr>
+          <a:lstStyle>
+            <a:lvl1pPr marL="342900" indent="-342900" algn="l" defTabSz="457200" rtl="0" eaLnBrk="1" latinLnBrk="0" hangingPunct="1">
+              <a:spcBef>
+                <a:spcPts val="1000"/>
+              </a:spcBef>
+              <a:spcAft>
+                <a:spcPts val="0"/>
+              </a:spcAft>
+              <a:buClr>
+                <a:schemeClr val="accent1"/>
+              </a:buClr>
+              <a:buSzPct val="80000"/>
+              <a:buFont typeface="Wingdings 3" charset="2"/>
+              <a:buChar char=""/>
+              <a:defRPr sz="1800" kern="1200">
+                <a:solidFill>
+                  <a:schemeClr val="tx1">
+                    <a:lumMod val="75000"/>
+                    <a:lumOff val="25000"/>
+                  </a:schemeClr>
+                </a:solidFill>
+                <a:latin typeface="+mn-lt"/>
+                <a:ea typeface="+mn-ea"/>
+                <a:cs typeface="+mn-cs"/>
+              </a:defRPr>
+            </a:lvl1pPr>
+            <a:lvl2pPr marL="742950" indent="-285750" algn="l" defTabSz="457200" rtl="0" eaLnBrk="1" latinLnBrk="0" hangingPunct="1">
+              <a:spcBef>
+                <a:spcPts val="1000"/>
+              </a:spcBef>
+              <a:spcAft>
+                <a:spcPts val="0"/>
+              </a:spcAft>
+              <a:buClr>
+                <a:schemeClr val="accent1"/>
+              </a:buClr>
+              <a:buSzPct val="80000"/>
+              <a:buFont typeface="Wingdings 3" charset="2"/>
+              <a:buChar char=""/>
+              <a:defRPr sz="1600" kern="1200">
+                <a:solidFill>
+                  <a:schemeClr val="tx1">
+                    <a:lumMod val="75000"/>
+                    <a:lumOff val="25000"/>
+                  </a:schemeClr>
+                </a:solidFill>
+                <a:latin typeface="+mn-lt"/>
+                <a:ea typeface="+mn-ea"/>
+                <a:cs typeface="+mn-cs"/>
+              </a:defRPr>
+            </a:lvl2pPr>
+            <a:lvl3pPr marL="1143000" indent="-228600" algn="l" defTabSz="457200" rtl="0" eaLnBrk="1" latinLnBrk="0" hangingPunct="1">
+              <a:spcBef>
+                <a:spcPts val="1000"/>
+              </a:spcBef>
+              <a:spcAft>
+                <a:spcPts val="0"/>
+              </a:spcAft>
+              <a:buClr>
+                <a:schemeClr val="accent1"/>
+              </a:buClr>
+              <a:buSzPct val="80000"/>
+              <a:buFont typeface="Wingdings 3" charset="2"/>
+              <a:buChar char=""/>
+              <a:defRPr sz="1400" kern="1200">
+                <a:solidFill>
+                  <a:schemeClr val="tx1">
+                    <a:lumMod val="75000"/>
+                    <a:lumOff val="25000"/>
+                  </a:schemeClr>
+                </a:solidFill>
+                <a:latin typeface="+mn-lt"/>
+                <a:ea typeface="+mn-ea"/>
+                <a:cs typeface="+mn-cs"/>
+              </a:defRPr>
+            </a:lvl3pPr>
+            <a:lvl4pPr marL="1600200" indent="-228600" algn="l" defTabSz="457200" rtl="0" eaLnBrk="1" latinLnBrk="0" hangingPunct="1">
+              <a:spcBef>
+                <a:spcPts val="1000"/>
+              </a:spcBef>
+              <a:spcAft>
+                <a:spcPts val="0"/>
+              </a:spcAft>
+              <a:buClr>
+                <a:schemeClr val="accent1"/>
+              </a:buClr>
+              <a:buSzPct val="80000"/>
+              <a:buFont typeface="Wingdings 3" charset="2"/>
+              <a:buChar char=""/>
+              <a:defRPr sz="1200" kern="1200">
+                <a:solidFill>
+                  <a:schemeClr val="tx1">
+                    <a:lumMod val="75000"/>
+                    <a:lumOff val="25000"/>
+                  </a:schemeClr>
+                </a:solidFill>
+                <a:latin typeface="+mn-lt"/>
+                <a:ea typeface="+mn-ea"/>
+                <a:cs typeface="+mn-cs"/>
+              </a:defRPr>
+            </a:lvl4pPr>
+            <a:lvl5pPr marL="2057400" indent="-228600" algn="l" defTabSz="457200" rtl="0" eaLnBrk="1" latinLnBrk="0" hangingPunct="1">
+              <a:spcBef>
+                <a:spcPts val="1000"/>
+              </a:spcBef>
+              <a:spcAft>
+                <a:spcPts val="0"/>
+              </a:spcAft>
+              <a:buClr>
+                <a:schemeClr val="accent1"/>
+              </a:buClr>
+              <a:buSzPct val="80000"/>
+              <a:buFont typeface="Wingdings 3" charset="2"/>
+              <a:buChar char=""/>
+              <a:defRPr sz="1200" kern="1200">
+                <a:solidFill>
+                  <a:schemeClr val="tx1">
+                    <a:lumMod val="75000"/>
+                    <a:lumOff val="25000"/>
+                  </a:schemeClr>
+                </a:solidFill>
+                <a:latin typeface="+mn-lt"/>
+                <a:ea typeface="+mn-ea"/>
+                <a:cs typeface="+mn-cs"/>
+              </a:defRPr>
+            </a:lvl5pPr>
+            <a:lvl6pPr marL="2514600" indent="-228600" algn="l" defTabSz="457200" rtl="0" eaLnBrk="1" latinLnBrk="0" hangingPunct="1">
+              <a:spcBef>
+                <a:spcPts val="1000"/>
+              </a:spcBef>
+              <a:spcAft>
+                <a:spcPts val="0"/>
+              </a:spcAft>
+              <a:buClr>
+                <a:schemeClr val="accent1"/>
+              </a:buClr>
+              <a:buSzPct val="80000"/>
+              <a:buFont typeface="Wingdings 3" charset="2"/>
+              <a:buChar char=""/>
+              <a:defRPr sz="1200" kern="1200">
+                <a:solidFill>
+                  <a:schemeClr val="tx1">
+                    <a:lumMod val="75000"/>
+                    <a:lumOff val="25000"/>
+                  </a:schemeClr>
+                </a:solidFill>
+                <a:latin typeface="+mn-lt"/>
+                <a:ea typeface="+mn-ea"/>
+                <a:cs typeface="+mn-cs"/>
+              </a:defRPr>
+            </a:lvl6pPr>
+            <a:lvl7pPr marL="2971800" indent="-228600" algn="l" defTabSz="457200" rtl="0" eaLnBrk="1" latinLnBrk="0" hangingPunct="1">
+              <a:spcBef>
+                <a:spcPts val="1000"/>
+              </a:spcBef>
+              <a:spcAft>
+                <a:spcPts val="0"/>
+              </a:spcAft>
+              <a:buClr>
+                <a:schemeClr val="accent1"/>
+              </a:buClr>
+              <a:buSzPct val="80000"/>
+              <a:buFont typeface="Wingdings 3" charset="2"/>
+              <a:buChar char=""/>
+              <a:defRPr sz="1200" kern="1200">
+                <a:solidFill>
+                  <a:schemeClr val="tx1">
+                    <a:lumMod val="75000"/>
+                    <a:lumOff val="25000"/>
+                  </a:schemeClr>
+                </a:solidFill>
+                <a:latin typeface="+mn-lt"/>
+                <a:ea typeface="+mn-ea"/>
+                <a:cs typeface="+mn-cs"/>
+              </a:defRPr>
+            </a:lvl7pPr>
+            <a:lvl8pPr marL="3429000" indent="-228600" algn="l" defTabSz="457200" rtl="0" eaLnBrk="1" latinLnBrk="0" hangingPunct="1">
+              <a:spcBef>
+                <a:spcPts val="1000"/>
+              </a:spcBef>
+              <a:spcAft>
+                <a:spcPts val="0"/>
+              </a:spcAft>
+              <a:buClr>
+                <a:schemeClr val="accent1"/>
+              </a:buClr>
+              <a:buSzPct val="80000"/>
+              <a:buFont typeface="Wingdings 3" charset="2"/>
+              <a:buChar char=""/>
+              <a:defRPr sz="1200" kern="1200">
+                <a:solidFill>
+                  <a:schemeClr val="tx1">
+                    <a:lumMod val="75000"/>
+                    <a:lumOff val="25000"/>
+                  </a:schemeClr>
+                </a:solidFill>
+                <a:latin typeface="+mn-lt"/>
+                <a:ea typeface="+mn-ea"/>
+                <a:cs typeface="+mn-cs"/>
+              </a:defRPr>
+            </a:lvl8pPr>
+            <a:lvl9pPr marL="3886200" indent="-228600" algn="l" defTabSz="457200" rtl="0" eaLnBrk="1" latinLnBrk="0" hangingPunct="1">
+              <a:spcBef>
+                <a:spcPts val="1000"/>
+              </a:spcBef>
+              <a:spcAft>
+                <a:spcPts val="0"/>
+              </a:spcAft>
+              <a:buClr>
+                <a:schemeClr val="accent1"/>
+              </a:buClr>
+              <a:buSzPct val="80000"/>
+              <a:buFont typeface="Wingdings 3" charset="2"/>
+              <a:buChar char=""/>
+              <a:defRPr sz="1200" kern="1200">
+                <a:solidFill>
+                  <a:schemeClr val="tx1">
+                    <a:lumMod val="75000"/>
+                    <a:lumOff val="25000"/>
+                  </a:schemeClr>
+                </a:solidFill>
+                <a:latin typeface="+mn-lt"/>
+                <a:ea typeface="+mn-ea"/>
+                <a:cs typeface="+mn-cs"/>
+              </a:defRPr>
+            </a:lvl9pPr>
+          </a:lstStyle>
+          <a:p>
+            <a:r>
+              <a:rPr lang="en-GB" sz="2000" dirty="0" smtClean="0"/>
+              <a:t>The </a:t>
+            </a:r>
+            <a:r>
+              <a:rPr lang="en-GB" sz="2000" dirty="0" err="1" smtClean="0"/>
+              <a:t>Tacny</a:t>
+            </a:r>
+            <a:r>
+              <a:rPr lang="en-GB" sz="2000" dirty="0" smtClean="0"/>
+              <a:t> tool reuses existing </a:t>
+            </a:r>
+            <a:r>
+              <a:rPr lang="en-GB" sz="2000" dirty="0" err="1" smtClean="0"/>
+              <a:t>Dafny</a:t>
+            </a:r>
+            <a:r>
+              <a:rPr lang="en-GB" sz="2000" dirty="0" smtClean="0"/>
+              <a:t> syntax</a:t>
+            </a:r>
+          </a:p>
+        </p:txBody>
+      </p:sp>
+    </p:spTree>
+    <p:extLst>
+      <p:ext uri="{BB962C8B-B14F-4D97-AF65-F5344CB8AC3E}">
+        <p14:creationId xmlns:p14="http://schemas.microsoft.com/office/powerpoint/2010/main" val="2088764983"/>
+      </p:ext>
+    </p:extLst>
+  </p:cSld>
+  <p:clrMapOvr>
+    <a:masterClrMapping/>
+  </p:clrMapOvr>
+  <p:timing>
+    <p:tnLst>
+      <p:par>
+        <p:cTn id="1" dur="indefinite" restart="never" nodeType="tmRoot">
+          <p:childTnLst>
+            <p:seq concurrent="1" nextAc="seek">
+              <p:cTn id="2" dur="indefinite" nodeType="mainSeq">
+                <p:childTnLst>
+                  <p:par>
+                    <p:cTn id="3" fill="hold">
+                      <p:stCondLst>
+                        <p:cond delay="indefinite"/>
+                      </p:stCondLst>
+                      <p:childTnLst>
+                        <p:par>
+                          <p:cTn id="4" fill="hold">
+                            <p:stCondLst>
+                              <p:cond delay="0"/>
+                            </p:stCondLst>
+                            <p:childTnLst>
+                              <p:par>
+                                <p:cTn id="5" presetID="1" presetClass="entr" presetSubtype="0" fill="hold" grpId="0" nodeType="clickEffect">
+                                  <p:stCondLst>
+                                    <p:cond delay="0"/>
+                                  </p:stCondLst>
+                                  <p:childTnLst>
+                                    <p:set>
+                                      <p:cBhvr>
+                                        <p:cTn id="6" dur="1" fill="hold">
+                                          <p:stCondLst>
+                                            <p:cond delay="0"/>
+                                          </p:stCondLst>
+                                        </p:cTn>
+                                        <p:tgtEl>
+                                          <p:spTgt spid="5"/>
+                                        </p:tgtEl>
+                                        <p:attrNameLst>
+                                          <p:attrName>style.visibility</p:attrName>
+                                        </p:attrNameLst>
+                                      </p:cBhvr>
+                                      <p:to>
+                                        <p:strVal val="visible"/>
+                                      </p:to>
+                                    </p:set>
+                                  </p:childTnLst>
+                                </p:cTn>
+                              </p:par>
+                            </p:childTnLst>
+                          </p:cTn>
+                        </p:par>
+                      </p:childTnLst>
+                    </p:cTn>
+                  </p:par>
+                  <p:par>
+                    <p:cTn id="7" fill="hold">
+                      <p:stCondLst>
+                        <p:cond delay="indefinite"/>
+                      </p:stCondLst>
+                      <p:childTnLst>
+                        <p:par>
+                          <p:cTn id="8" fill="hold">
+                            <p:stCondLst>
+                              <p:cond delay="0"/>
+                            </p:stCondLst>
+                            <p:childTnLst>
+                              <p:par>
+                                <p:cTn id="9" presetID="10" presetClass="entr" presetSubtype="0" fill="hold" grpId="0" nodeType="clickEffect">
+                                  <p:stCondLst>
+                                    <p:cond delay="0"/>
+                                  </p:stCondLst>
+                                  <p:childTnLst>
+                                    <p:set>
+                                      <p:cBhvr>
+                                        <p:cTn id="10" dur="1" fill="hold">
+                                          <p:stCondLst>
+                                            <p:cond delay="0"/>
+                                          </p:stCondLst>
+                                        </p:cTn>
+                                        <p:tgtEl>
+                                          <p:spTgt spid="3">
+                                            <p:txEl>
+                                              <p:pRg st="0" end="0"/>
+                                            </p:txEl>
+                                          </p:spTgt>
+                                        </p:tgtEl>
+                                        <p:attrNameLst>
+                                          <p:attrName>style.visibility</p:attrName>
+                                        </p:attrNameLst>
+                                      </p:cBhvr>
+                                      <p:to>
+                                        <p:strVal val="visible"/>
+                                      </p:to>
+                                    </p:set>
+                                    <p:animEffect transition="in" filter="fade">
+                                      <p:cBhvr>
+                                        <p:cTn id="11" dur="500"/>
+                                        <p:tgtEl>
+                                          <p:spTgt spid="3">
+                                            <p:txEl>
+                                              <p:pRg st="0" end="0"/>
+                                            </p:txEl>
+                                          </p:spTgt>
+                                        </p:tgtEl>
+                                      </p:cBhvr>
+                                    </p:animEffect>
+                                  </p:childTnLst>
+                                </p:cTn>
+                              </p:par>
+                            </p:childTnLst>
+                          </p:cTn>
+                        </p:par>
+                      </p:childTnLst>
+                    </p:cTn>
+                  </p:par>
+                  <p:par>
+                    <p:cTn id="12" fill="hold">
+                      <p:stCondLst>
+                        <p:cond delay="indefinite"/>
+                      </p:stCondLst>
+                      <p:childTnLst>
+                        <p:par>
+                          <p:cTn id="13" fill="hold">
+                            <p:stCondLst>
+                              <p:cond delay="0"/>
+                            </p:stCondLst>
+                            <p:childTnLst>
+                              <p:par>
+                                <p:cTn id="14" presetID="2" presetClass="exit" presetSubtype="4" fill="hold" grpId="1" nodeType="clickEffect">
+                                  <p:stCondLst>
+                                    <p:cond delay="0"/>
+                                  </p:stCondLst>
+                                  <p:childTnLst>
+                                    <p:anim calcmode="lin" valueType="num">
+                                      <p:cBhvr additive="base">
+                                        <p:cTn id="15" dur="500"/>
+                                        <p:tgtEl>
+                                          <p:spTgt spid="3">
+                                            <p:txEl>
+                                              <p:pRg st="0" end="0"/>
+                                            </p:txEl>
+                                          </p:spTgt>
+                                        </p:tgtEl>
+                                        <p:attrNameLst>
+                                          <p:attrName>ppt_x</p:attrName>
+                                        </p:attrNameLst>
+                                      </p:cBhvr>
+                                      <p:tavLst>
+                                        <p:tav tm="0">
+                                          <p:val>
+                                            <p:strVal val="ppt_x"/>
+                                          </p:val>
+                                        </p:tav>
+                                        <p:tav tm="100000">
+                                          <p:val>
+                                            <p:strVal val="ppt_x"/>
+                                          </p:val>
+                                        </p:tav>
+                                      </p:tavLst>
+                                    </p:anim>
+                                    <p:anim calcmode="lin" valueType="num">
+                                      <p:cBhvr additive="base">
+                                        <p:cTn id="16" dur="500"/>
+                                        <p:tgtEl>
+                                          <p:spTgt spid="3">
+                                            <p:txEl>
+                                              <p:pRg st="0" end="0"/>
+                                            </p:txEl>
+                                          </p:spTgt>
+                                        </p:tgtEl>
+                                        <p:attrNameLst>
+                                          <p:attrName>ppt_y</p:attrName>
+                                        </p:attrNameLst>
+                                      </p:cBhvr>
+                                      <p:tavLst>
+                                        <p:tav tm="0">
+                                          <p:val>
+                                            <p:strVal val="ppt_y"/>
+                                          </p:val>
+                                        </p:tav>
+                                        <p:tav tm="100000">
+                                          <p:val>
+                                            <p:strVal val="1+ppt_h/2"/>
+                                          </p:val>
+                                        </p:tav>
+                                      </p:tavLst>
+                                    </p:anim>
+                                    <p:set>
+                                      <p:cBhvr>
+                                        <p:cTn id="17" dur="1" fill="hold">
+                                          <p:stCondLst>
+                                            <p:cond delay="499"/>
+                                          </p:stCondLst>
+                                        </p:cTn>
+                                        <p:tgtEl>
+                                          <p:spTgt spid="3">
+                                            <p:txEl>
+                                              <p:pRg st="0" end="0"/>
+                                            </p:txEl>
+                                          </p:spTgt>
+                                        </p:tgtEl>
+                                        <p:attrNameLst>
+                                          <p:attrName>style.visibility</p:attrName>
+                                        </p:attrNameLst>
+                                      </p:cBhvr>
+                                      <p:to>
+                                        <p:strVal val="hidden"/>
+                                      </p:to>
+                                    </p:set>
+                                  </p:childTnLst>
+                                </p:cTn>
+                              </p:par>
+                              <p:par>
+                                <p:cTn id="18" presetID="10" presetClass="entr" presetSubtype="0" fill="hold" grpId="0" nodeType="withEffect">
+                                  <p:stCondLst>
+                                    <p:cond delay="0"/>
+                                  </p:stCondLst>
+                                  <p:childTnLst>
+                                    <p:set>
+                                      <p:cBhvr>
+                                        <p:cTn id="19" dur="1" fill="hold">
+                                          <p:stCondLst>
+                                            <p:cond delay="0"/>
+                                          </p:stCondLst>
+                                        </p:cTn>
+                                        <p:tgtEl>
+                                          <p:spTgt spid="6"/>
+                                        </p:tgtEl>
+                                        <p:attrNameLst>
+                                          <p:attrName>style.visibility</p:attrName>
+                                        </p:attrNameLst>
+                                      </p:cBhvr>
+                                      <p:to>
+                                        <p:strVal val="visible"/>
+                                      </p:to>
+                                    </p:set>
+                                    <p:animEffect transition="in" filter="fade">
+                                      <p:cBhvr>
+                                        <p:cTn id="20" dur="500"/>
+                                        <p:tgtEl>
+                                          <p:spTgt spid="6"/>
+                                        </p:tgtEl>
+                                      </p:cBhvr>
+                                    </p:animEffect>
+                                  </p:childTnLst>
+                                </p:cTn>
+                              </p:par>
+                            </p:childTnLst>
+                          </p:cTn>
+                        </p:par>
+                      </p:childTnLst>
+                    </p:cTn>
+                  </p:par>
+                </p:childTnLst>
+              </p:cTn>
+              <p:prevCondLst>
+                <p:cond evt="onPrev" delay="0">
+                  <p:tgtEl>
+                    <p:sldTgt/>
+                  </p:tgtEl>
+                </p:cond>
+              </p:prevCondLst>
+              <p:nextCondLst>
+                <p:cond evt="onNext" delay="0">
+                  <p:tgtEl>
+                    <p:sldTgt/>
+                  </p:tgtEl>
+                </p:cond>
+              </p:nextCondLst>
+            </p:seq>
+          </p:childTnLst>
+        </p:cTn>
+      </p:par>
+    </p:tnLst>
+    <p:bldLst>
+      <p:bldP spid="3" grpId="0" build="p"/>
+      <p:bldP spid="3" grpId="1" build="p"/>
+      <p:bldP spid="5" grpId="0"/>
+      <p:bldP spid="6" grpId="0"/>
+    </p:bldLst>
+  </p:timing>
+</p:sld>
+</file>
+
+<file path=ppt/slides/slide11.xml><?xml version="1.0" encoding="utf-8"?>
+<p:sld xmlns:a="http://schemas.openxmlformats.org/drawingml/2006/main" xmlns:r="http://schemas.openxmlformats.org/officeDocument/2006/relationships" xmlns:p="http://schemas.openxmlformats.org/presentationml/2006/main">
+  <p:cSld>
+    <p:spTree>
+      <p:nvGrpSpPr>
+        <p:cNvPr id="1" name=""/>
+        <p:cNvGrpSpPr/>
+        <p:nvPr/>
+      </p:nvGrpSpPr>
+      <p:grpSpPr>
+        <a:xfrm>
+          <a:off x="0" y="0"/>
+          <a:ext cx="0" cy="0"/>
+          <a:chOff x="0" y="0"/>
+          <a:chExt cx="0" cy="0"/>
+        </a:xfrm>
+      </p:grpSpPr>
+      <p:sp>
+        <p:nvSpPr>
+          <p:cNvPr id="16" name="Content Placeholder 2"/>
+          <p:cNvSpPr>
+            <a:spLocks noGrp="1"/>
+          </p:cNvSpPr>
+          <p:nvPr>
+            <p:ph idx="1"/>
+          </p:nvPr>
+        </p:nvSpPr>
+        <p:spPr>
+          <a:xfrm>
+            <a:off x="677334" y="2392065"/>
+            <a:ext cx="8596668" cy="555812"/>
+          </a:xfrm>
+        </p:spPr>
+        <p:txBody>
+          <a:bodyPr>
+            <a:noAutofit/>
+          </a:bodyPr>
+          <a:lstStyle/>
+          <a:p>
+            <a:pPr marL="0" indent="0">
+              <a:buNone/>
+            </a:pPr>
+            <a:r>
+              <a:rPr lang="en-GB" sz="3000" dirty="0"/>
+              <a:t>Correctness: </a:t>
+            </a:r>
+            <a:r>
+              <a:rPr lang="en-GB" sz="3000" dirty="0" smtClean="0"/>
+              <a:t>neither </a:t>
+            </a:r>
+            <a:r>
+              <a:rPr lang="en-GB" sz="3000" dirty="0"/>
+              <a:t>program nor </a:t>
+            </a:r>
+            <a:r>
+              <a:rPr lang="en-GB" sz="3000" dirty="0" smtClean="0"/>
+              <a:t>specification </a:t>
+            </a:r>
+            <a:r>
+              <a:rPr lang="en-GB" sz="3000" dirty="0"/>
+              <a:t>should </a:t>
+            </a:r>
+            <a:r>
+              <a:rPr lang="en-GB" sz="3000" dirty="0" smtClean="0"/>
+              <a:t>change</a:t>
+            </a:r>
+            <a:endParaRPr lang="en-GB" sz="3000" dirty="0"/>
+          </a:p>
+        </p:txBody>
+      </p:sp>
+      <p:sp>
+        <p:nvSpPr>
+          <p:cNvPr id="17" name="Title 1"/>
+          <p:cNvSpPr>
+            <a:spLocks noGrp="1"/>
+          </p:cNvSpPr>
+          <p:nvPr>
+            <p:ph type="title"/>
+          </p:nvPr>
+        </p:nvSpPr>
+        <p:spPr>
+          <a:xfrm>
+            <a:off x="677334" y="609600"/>
+            <a:ext cx="8596668" cy="1320800"/>
+          </a:xfrm>
+        </p:spPr>
+        <p:txBody>
+          <a:bodyPr>
+            <a:normAutofit/>
+          </a:bodyPr>
+          <a:lstStyle/>
+          <a:p>
+            <a:r>
+              <a:rPr lang="en-GB" sz="4000" dirty="0" smtClean="0"/>
+              <a:t>The </a:t>
+            </a:r>
+            <a:r>
+              <a:rPr lang="en-GB" sz="4000" dirty="0" err="1" smtClean="0"/>
+              <a:t>Tacny</a:t>
+            </a:r>
+            <a:r>
+              <a:rPr lang="en-GB" sz="4000" dirty="0" smtClean="0"/>
+              <a:t> Project</a:t>
+            </a:r>
+            <a:r>
+              <a:rPr lang="en-GB" dirty="0" smtClean="0"/>
+              <a:t/>
+            </a:r>
+            <a:br>
+              <a:rPr lang="en-GB" dirty="0" smtClean="0"/>
+            </a:br>
+            <a:r>
+              <a:rPr lang="en-GB" sz="3300" dirty="0" smtClean="0"/>
+              <a:t>Requirements</a:t>
+            </a:r>
+            <a:endParaRPr lang="en-GB" sz="2800" b="1" dirty="0">
+              <a:solidFill>
+                <a:schemeClr val="accent4"/>
+              </a:solidFill>
+            </a:endParaRPr>
+          </a:p>
+        </p:txBody>
+      </p:sp>
+      <p:sp>
+        <p:nvSpPr>
+          <p:cNvPr id="18" name="TextBox 17"/>
+          <p:cNvSpPr txBox="1"/>
+          <p:nvPr/>
+        </p:nvSpPr>
+        <p:spPr>
+          <a:xfrm>
+            <a:off x="677334" y="1930400"/>
+            <a:ext cx="2765113" cy="477054"/>
+          </a:xfrm>
+          <a:prstGeom prst="rect">
+            <a:avLst/>
+          </a:prstGeom>
+          <a:noFill/>
+        </p:spPr>
+        <p:txBody>
+          <a:bodyPr wrap="square" rtlCol="0">
+            <a:spAutoFit/>
+          </a:bodyPr>
+          <a:lstStyle/>
+          <a:p>
+            <a:r>
+              <a:rPr lang="en-GB" sz="2500" b="1" u="sng" dirty="0">
+                <a:solidFill>
+                  <a:schemeClr val="accent4"/>
+                </a:solidFill>
+              </a:rPr>
+              <a:t>Correct</a:t>
+            </a:r>
+            <a:endParaRPr lang="en-GB" sz="2500" dirty="0"/>
+          </a:p>
+        </p:txBody>
+      </p:sp>
+      <p:sp>
+        <p:nvSpPr>
+          <p:cNvPr id="19" name="Content Placeholder 4"/>
+          <p:cNvSpPr txBox="1">
+            <a:spLocks/>
+          </p:cNvSpPr>
+          <p:nvPr/>
+        </p:nvSpPr>
+        <p:spPr>
+          <a:xfrm>
+            <a:off x="677334" y="2593849"/>
+            <a:ext cx="8596668" cy="815693"/>
+          </a:xfrm>
+          <a:prstGeom prst="rect">
+            <a:avLst/>
+          </a:prstGeom>
+        </p:spPr>
+        <p:txBody>
+          <a:bodyPr vert="horz" lIns="91440" tIns="45720" rIns="91440" bIns="45720" rtlCol="0">
+            <a:noAutofit/>
+          </a:bodyPr>
+          <a:lstStyle>
+            <a:lvl1pPr marL="342900" indent="-342900" algn="l" defTabSz="457200" rtl="0" eaLnBrk="1" latinLnBrk="0" hangingPunct="1">
+              <a:spcBef>
+                <a:spcPts val="1000"/>
+              </a:spcBef>
+              <a:spcAft>
+                <a:spcPts val="0"/>
+              </a:spcAft>
+              <a:buClr>
+                <a:schemeClr val="accent1"/>
+              </a:buClr>
+              <a:buSzPct val="80000"/>
+              <a:buFont typeface="Wingdings 3" charset="2"/>
+              <a:buChar char=""/>
+              <a:defRPr sz="1800" kern="1200">
+                <a:solidFill>
+                  <a:schemeClr val="tx1">
+                    <a:lumMod val="75000"/>
+                    <a:lumOff val="25000"/>
+                  </a:schemeClr>
+                </a:solidFill>
+                <a:latin typeface="+mn-lt"/>
+                <a:ea typeface="+mn-ea"/>
+                <a:cs typeface="+mn-cs"/>
+              </a:defRPr>
+            </a:lvl1pPr>
+            <a:lvl2pPr marL="742950" indent="-285750" algn="l" defTabSz="457200" rtl="0" eaLnBrk="1" latinLnBrk="0" hangingPunct="1">
+              <a:spcBef>
+                <a:spcPts val="1000"/>
+              </a:spcBef>
+              <a:spcAft>
+                <a:spcPts val="0"/>
+              </a:spcAft>
+              <a:buClr>
+                <a:schemeClr val="accent1"/>
+              </a:buClr>
+              <a:buSzPct val="80000"/>
+              <a:buFont typeface="Wingdings 3" charset="2"/>
+              <a:buChar char=""/>
+              <a:defRPr sz="1600" kern="1200">
+                <a:solidFill>
+                  <a:schemeClr val="tx1">
+                    <a:lumMod val="75000"/>
+                    <a:lumOff val="25000"/>
+                  </a:schemeClr>
+                </a:solidFill>
+                <a:latin typeface="+mn-lt"/>
+                <a:ea typeface="+mn-ea"/>
+                <a:cs typeface="+mn-cs"/>
+              </a:defRPr>
+            </a:lvl2pPr>
+            <a:lvl3pPr marL="1143000" indent="-228600" algn="l" defTabSz="457200" rtl="0" eaLnBrk="1" latinLnBrk="0" hangingPunct="1">
+              <a:spcBef>
+                <a:spcPts val="1000"/>
+              </a:spcBef>
+              <a:spcAft>
+                <a:spcPts val="0"/>
+              </a:spcAft>
+              <a:buClr>
+                <a:schemeClr val="accent1"/>
+              </a:buClr>
+              <a:buSzPct val="80000"/>
+              <a:buFont typeface="Wingdings 3" charset="2"/>
+              <a:buChar char=""/>
+              <a:defRPr sz="1400" kern="1200">
+                <a:solidFill>
+                  <a:schemeClr val="tx1">
+                    <a:lumMod val="75000"/>
+                    <a:lumOff val="25000"/>
+                  </a:schemeClr>
+                </a:solidFill>
+                <a:latin typeface="+mn-lt"/>
+                <a:ea typeface="+mn-ea"/>
+                <a:cs typeface="+mn-cs"/>
+              </a:defRPr>
+            </a:lvl3pPr>
+            <a:lvl4pPr marL="1600200" indent="-228600" algn="l" defTabSz="457200" rtl="0" eaLnBrk="1" latinLnBrk="0" hangingPunct="1">
+              <a:spcBef>
+                <a:spcPts val="1000"/>
+              </a:spcBef>
+              <a:spcAft>
+                <a:spcPts val="0"/>
+              </a:spcAft>
+              <a:buClr>
+                <a:schemeClr val="accent1"/>
+              </a:buClr>
+              <a:buSzPct val="80000"/>
+              <a:buFont typeface="Wingdings 3" charset="2"/>
+              <a:buChar char=""/>
+              <a:defRPr sz="1200" kern="1200">
+                <a:solidFill>
+                  <a:schemeClr val="tx1">
+                    <a:lumMod val="75000"/>
+                    <a:lumOff val="25000"/>
+                  </a:schemeClr>
+                </a:solidFill>
+                <a:latin typeface="+mn-lt"/>
+                <a:ea typeface="+mn-ea"/>
+                <a:cs typeface="+mn-cs"/>
+              </a:defRPr>
+            </a:lvl4pPr>
+            <a:lvl5pPr marL="2057400" indent="-228600" algn="l" defTabSz="457200" rtl="0" eaLnBrk="1" latinLnBrk="0" hangingPunct="1">
+              <a:spcBef>
+                <a:spcPts val="1000"/>
+              </a:spcBef>
+              <a:spcAft>
+                <a:spcPts val="0"/>
+              </a:spcAft>
+              <a:buClr>
+                <a:schemeClr val="accent1"/>
+              </a:buClr>
+              <a:buSzPct val="80000"/>
+              <a:buFont typeface="Wingdings 3" charset="2"/>
+              <a:buChar char=""/>
+              <a:defRPr sz="1200" kern="1200">
+                <a:solidFill>
+                  <a:schemeClr val="tx1">
+                    <a:lumMod val="75000"/>
+                    <a:lumOff val="25000"/>
+                  </a:schemeClr>
+                </a:solidFill>
+                <a:latin typeface="+mn-lt"/>
+                <a:ea typeface="+mn-ea"/>
+                <a:cs typeface="+mn-cs"/>
+              </a:defRPr>
+            </a:lvl5pPr>
+            <a:lvl6pPr marL="2514600" indent="-228600" algn="l" defTabSz="457200" rtl="0" eaLnBrk="1" latinLnBrk="0" hangingPunct="1">
+              <a:spcBef>
+                <a:spcPts val="1000"/>
+              </a:spcBef>
+              <a:spcAft>
+                <a:spcPts val="0"/>
+              </a:spcAft>
+              <a:buClr>
+                <a:schemeClr val="accent1"/>
+              </a:buClr>
+              <a:buSzPct val="80000"/>
+              <a:buFont typeface="Wingdings 3" charset="2"/>
+              <a:buChar char=""/>
+              <a:defRPr sz="1200" kern="1200">
+                <a:solidFill>
+                  <a:schemeClr val="tx1">
+                    <a:lumMod val="75000"/>
+                    <a:lumOff val="25000"/>
+                  </a:schemeClr>
+                </a:solidFill>
+                <a:latin typeface="+mn-lt"/>
+                <a:ea typeface="+mn-ea"/>
+                <a:cs typeface="+mn-cs"/>
+              </a:defRPr>
+            </a:lvl6pPr>
+            <a:lvl7pPr marL="2971800" indent="-228600" algn="l" defTabSz="457200" rtl="0" eaLnBrk="1" latinLnBrk="0" hangingPunct="1">
+              <a:spcBef>
+                <a:spcPts val="1000"/>
+              </a:spcBef>
+              <a:spcAft>
+                <a:spcPts val="0"/>
+              </a:spcAft>
+              <a:buClr>
+                <a:schemeClr val="accent1"/>
+              </a:buClr>
+              <a:buSzPct val="80000"/>
+              <a:buFont typeface="Wingdings 3" charset="2"/>
+              <a:buChar char=""/>
+              <a:defRPr sz="1200" kern="1200">
+                <a:solidFill>
+                  <a:schemeClr val="tx1">
+                    <a:lumMod val="75000"/>
+                    <a:lumOff val="25000"/>
+                  </a:schemeClr>
+                </a:solidFill>
+                <a:latin typeface="+mn-lt"/>
+                <a:ea typeface="+mn-ea"/>
+                <a:cs typeface="+mn-cs"/>
+              </a:defRPr>
+            </a:lvl7pPr>
+            <a:lvl8pPr marL="3429000" indent="-228600" algn="l" defTabSz="457200" rtl="0" eaLnBrk="1" latinLnBrk="0" hangingPunct="1">
+              <a:spcBef>
+                <a:spcPts val="1000"/>
+              </a:spcBef>
+              <a:spcAft>
+                <a:spcPts val="0"/>
+              </a:spcAft>
+              <a:buClr>
+                <a:schemeClr val="accent1"/>
+              </a:buClr>
+              <a:buSzPct val="80000"/>
+              <a:buFont typeface="Wingdings 3" charset="2"/>
+              <a:buChar char=""/>
+              <a:defRPr sz="1200" kern="1200">
+                <a:solidFill>
+                  <a:schemeClr val="tx1">
+                    <a:lumMod val="75000"/>
+                    <a:lumOff val="25000"/>
+                  </a:schemeClr>
+                </a:solidFill>
+                <a:latin typeface="+mn-lt"/>
+                <a:ea typeface="+mn-ea"/>
+                <a:cs typeface="+mn-cs"/>
+              </a:defRPr>
+            </a:lvl8pPr>
+            <a:lvl9pPr marL="3886200" indent="-228600" algn="l" defTabSz="457200" rtl="0" eaLnBrk="1" latinLnBrk="0" hangingPunct="1">
+              <a:spcBef>
+                <a:spcPts val="1000"/>
+              </a:spcBef>
+              <a:spcAft>
+                <a:spcPts val="0"/>
+              </a:spcAft>
+              <a:buClr>
+                <a:schemeClr val="accent1"/>
+              </a:buClr>
+              <a:buSzPct val="80000"/>
+              <a:buFont typeface="Wingdings 3" charset="2"/>
+              <a:buChar char=""/>
+              <a:defRPr sz="1200" kern="1200">
+                <a:solidFill>
+                  <a:schemeClr val="tx1">
+                    <a:lumMod val="75000"/>
+                    <a:lumOff val="25000"/>
+                  </a:schemeClr>
+                </a:solidFill>
+                <a:latin typeface="+mn-lt"/>
+                <a:ea typeface="+mn-ea"/>
+                <a:cs typeface="+mn-cs"/>
+              </a:defRPr>
+            </a:lvl9pPr>
+          </a:lstStyle>
+          <a:p>
+            <a:r>
+              <a:rPr lang="en-GB" sz="2000" dirty="0" smtClean="0"/>
+              <a:t>Employs a small </a:t>
+            </a:r>
+            <a:r>
+              <a:rPr lang="en-GB" sz="2000" b="1" dirty="0" smtClean="0"/>
+              <a:t>kernel</a:t>
+            </a:r>
+            <a:r>
+              <a:rPr lang="en-GB" sz="2000" dirty="0" smtClean="0"/>
+              <a:t> of trusted rules and their compositions</a:t>
+            </a:r>
+            <a:endParaRPr lang="en-GB" sz="2000" dirty="0"/>
+          </a:p>
+        </p:txBody>
+      </p:sp>
+    </p:spTree>
+    <p:extLst>
+      <p:ext uri="{BB962C8B-B14F-4D97-AF65-F5344CB8AC3E}">
+        <p14:creationId xmlns:p14="http://schemas.microsoft.com/office/powerpoint/2010/main" val="3741279002"/>
+      </p:ext>
+    </p:extLst>
+  </p:cSld>
+  <p:clrMapOvr>
+    <a:masterClrMapping/>
+  </p:clrMapOvr>
+  <p:timing>
+    <p:tnLst>
+      <p:par>
+        <p:cTn id="1" dur="indefinite" restart="never" nodeType="tmRoot">
+          <p:childTnLst>
+            <p:seq concurrent="1" nextAc="seek">
+              <p:cTn id="2" dur="indefinite" nodeType="mainSeq">
+                <p:childTnLst>
+                  <p:par>
+                    <p:cTn id="3" fill="hold">
+                      <p:stCondLst>
+                        <p:cond delay="indefinite"/>
+                      </p:stCondLst>
+                      <p:childTnLst>
+                        <p:par>
+                          <p:cTn id="4" fill="hold">
+                            <p:stCondLst>
+                              <p:cond delay="0"/>
+                            </p:stCondLst>
+                            <p:childTnLst>
+                              <p:par>
+                                <p:cTn id="5" presetID="10" presetClass="entr" presetSubtype="0" fill="hold" grpId="0" nodeType="clickEffect">
+                                  <p:stCondLst>
+                                    <p:cond delay="0"/>
+                                  </p:stCondLst>
+                                  <p:childTnLst>
+                                    <p:set>
+                                      <p:cBhvr>
+                                        <p:cTn id="6" dur="1" fill="hold">
+                                          <p:stCondLst>
+                                            <p:cond delay="0"/>
+                                          </p:stCondLst>
+                                        </p:cTn>
+                                        <p:tgtEl>
+                                          <p:spTgt spid="16">
+                                            <p:txEl>
+                                              <p:pRg st="0" end="0"/>
+                                            </p:txEl>
+                                          </p:spTgt>
+                                        </p:tgtEl>
+                                        <p:attrNameLst>
+                                          <p:attrName>style.visibility</p:attrName>
+                                        </p:attrNameLst>
+                                      </p:cBhvr>
+                                      <p:to>
+                                        <p:strVal val="visible"/>
+                                      </p:to>
+                                    </p:set>
+                                    <p:animEffect transition="in" filter="fade">
+                                      <p:cBhvr>
+                                        <p:cTn id="7" dur="500"/>
+                                        <p:tgtEl>
+                                          <p:spTgt spid="16">
+                                            <p:txEl>
+                                              <p:pRg st="0" end="0"/>
+                                            </p:txEl>
+                                          </p:spTgt>
+                                        </p:tgtEl>
+                                      </p:cBhvr>
+                                    </p:animEffect>
+                                  </p:childTnLst>
+                                </p:cTn>
+                              </p:par>
+                            </p:childTnLst>
+                          </p:cTn>
+                        </p:par>
+                      </p:childTnLst>
+                    </p:cTn>
+                  </p:par>
+                  <p:par>
+                    <p:cTn id="8" fill="hold">
+                      <p:stCondLst>
+                        <p:cond delay="indefinite"/>
+                      </p:stCondLst>
+                      <p:childTnLst>
+                        <p:par>
+                          <p:cTn id="9" fill="hold">
+                            <p:stCondLst>
+                              <p:cond delay="0"/>
+                            </p:stCondLst>
+                            <p:childTnLst>
+                              <p:par>
+                                <p:cTn id="10" presetID="2" presetClass="exit" presetSubtype="4" fill="hold" grpId="1" nodeType="clickEffect">
+                                  <p:stCondLst>
+                                    <p:cond delay="0"/>
+                                  </p:stCondLst>
+                                  <p:childTnLst>
+                                    <p:anim calcmode="lin" valueType="num">
+                                      <p:cBhvr additive="base">
+                                        <p:cTn id="11" dur="500"/>
+                                        <p:tgtEl>
+                                          <p:spTgt spid="16">
+                                            <p:txEl>
+                                              <p:pRg st="0" end="0"/>
+                                            </p:txEl>
+                                          </p:spTgt>
+                                        </p:tgtEl>
+                                        <p:attrNameLst>
+                                          <p:attrName>ppt_x</p:attrName>
+                                        </p:attrNameLst>
+                                      </p:cBhvr>
+                                      <p:tavLst>
+                                        <p:tav tm="0">
+                                          <p:val>
+                                            <p:strVal val="ppt_x"/>
+                                          </p:val>
+                                        </p:tav>
+                                        <p:tav tm="100000">
+                                          <p:val>
+                                            <p:strVal val="ppt_x"/>
+                                          </p:val>
+                                        </p:tav>
+                                      </p:tavLst>
+                                    </p:anim>
+                                    <p:anim calcmode="lin" valueType="num">
+                                      <p:cBhvr additive="base">
+                                        <p:cTn id="12" dur="500"/>
+                                        <p:tgtEl>
+                                          <p:spTgt spid="16">
+                                            <p:txEl>
+                                              <p:pRg st="0" end="0"/>
+                                            </p:txEl>
+                                          </p:spTgt>
+                                        </p:tgtEl>
+                                        <p:attrNameLst>
+                                          <p:attrName>ppt_y</p:attrName>
+                                        </p:attrNameLst>
+                                      </p:cBhvr>
+                                      <p:tavLst>
+                                        <p:tav tm="0">
+                                          <p:val>
+                                            <p:strVal val="ppt_y"/>
+                                          </p:val>
+                                        </p:tav>
+                                        <p:tav tm="100000">
+                                          <p:val>
+                                            <p:strVal val="1+ppt_h/2"/>
+                                          </p:val>
+                                        </p:tav>
+                                      </p:tavLst>
+                                    </p:anim>
+                                    <p:set>
+                                      <p:cBhvr>
+                                        <p:cTn id="13" dur="1" fill="hold">
+                                          <p:stCondLst>
+                                            <p:cond delay="499"/>
+                                          </p:stCondLst>
+                                        </p:cTn>
+                                        <p:tgtEl>
+                                          <p:spTgt spid="16">
+                                            <p:txEl>
+                                              <p:pRg st="0" end="0"/>
+                                            </p:txEl>
+                                          </p:spTgt>
+                                        </p:tgtEl>
+                                        <p:attrNameLst>
+                                          <p:attrName>style.visibility</p:attrName>
+                                        </p:attrNameLst>
+                                      </p:cBhvr>
+                                      <p:to>
+                                        <p:strVal val="hidden"/>
+                                      </p:to>
+                                    </p:set>
+                                  </p:childTnLst>
+                                </p:cTn>
+                              </p:par>
+                              <p:par>
+                                <p:cTn id="14" presetID="10" presetClass="entr" presetSubtype="0" fill="hold" grpId="0" nodeType="withEffect">
+                                  <p:stCondLst>
+                                    <p:cond delay="0"/>
+                                  </p:stCondLst>
+                                  <p:childTnLst>
+                                    <p:set>
+                                      <p:cBhvr>
+                                        <p:cTn id="15" dur="1" fill="hold">
+                                          <p:stCondLst>
+                                            <p:cond delay="0"/>
+                                          </p:stCondLst>
+                                        </p:cTn>
+                                        <p:tgtEl>
+                                          <p:spTgt spid="19"/>
+                                        </p:tgtEl>
+                                        <p:attrNameLst>
+                                          <p:attrName>style.visibility</p:attrName>
+                                        </p:attrNameLst>
+                                      </p:cBhvr>
+                                      <p:to>
+                                        <p:strVal val="visible"/>
+                                      </p:to>
+                                    </p:set>
+                                    <p:animEffect transition="in" filter="fade">
+                                      <p:cBhvr>
+                                        <p:cTn id="16" dur="500"/>
+                                        <p:tgtEl>
+                                          <p:spTgt spid="19"/>
+                                        </p:tgtEl>
+                                      </p:cBhvr>
+                                    </p:animEffect>
+                                  </p:childTnLst>
+                                </p:cTn>
+                              </p:par>
+                            </p:childTnLst>
+                          </p:cTn>
+                        </p:par>
+                      </p:childTnLst>
+                    </p:cTn>
+                  </p:par>
+                </p:childTnLst>
+              </p:cTn>
+              <p:prevCondLst>
+                <p:cond evt="onPrev" delay="0">
+                  <p:tgtEl>
+                    <p:sldTgt/>
+                  </p:tgtEl>
+                </p:cond>
+              </p:prevCondLst>
+              <p:nextCondLst>
+                <p:cond evt="onNext" delay="0">
+                  <p:tgtEl>
+                    <p:sldTgt/>
+                  </p:tgtEl>
+                </p:cond>
+              </p:nextCondLst>
+            </p:seq>
+          </p:childTnLst>
+        </p:cTn>
+      </p:par>
+    </p:tnLst>
+    <p:bldLst>
+      <p:bldP spid="16" grpId="0" build="p"/>
+      <p:bldP spid="16" grpId="1" build="p"/>
+      <p:bldP spid="19" grpId="0"/>
+    </p:bldLst>
+  </p:timing>
+</p:sld>
+</file>
+
+<file path=ppt/slides/slide12.xml><?xml version="1.0" encoding="utf-8"?>
+<p:sld xmlns:a="http://schemas.openxmlformats.org/drawingml/2006/main" xmlns:r="http://schemas.openxmlformats.org/officeDocument/2006/relationships" xmlns:p="http://schemas.openxmlformats.org/presentationml/2006/main" show="0">
+  <p:cSld>
+    <p:spTree>
+      <p:nvGrpSpPr>
+        <p:cNvPr id="1" name=""/>
+        <p:cNvGrpSpPr/>
+        <p:nvPr/>
+      </p:nvGrpSpPr>
+      <p:grpSpPr>
+        <a:xfrm>
+          <a:off x="0" y="0"/>
+          <a:ext cx="0" cy="0"/>
+          <a:chOff x="0" y="0"/>
+          <a:chExt cx="0" cy="0"/>
+        </a:xfrm>
+      </p:grpSpPr>
+      <p:sp>
+        <p:nvSpPr>
+          <p:cNvPr id="14" name="Content Placeholder 2"/>
+          <p:cNvSpPr>
+            <a:spLocks noGrp="1"/>
+          </p:cNvSpPr>
+          <p:nvPr>
+            <p:ph idx="1"/>
+          </p:nvPr>
+        </p:nvSpPr>
+        <p:spPr>
+          <a:xfrm>
+            <a:off x="677334" y="2339803"/>
+            <a:ext cx="8596668" cy="555812"/>
+          </a:xfrm>
+        </p:spPr>
+        <p:txBody>
+          <a:bodyPr>
+            <a:noAutofit/>
+          </a:bodyPr>
+          <a:lstStyle/>
+          <a:p>
+            <a:pPr marL="0" indent="0">
+              <a:buNone/>
+            </a:pPr>
+            <a:r>
+              <a:rPr lang="en-GB" sz="3000" dirty="0" smtClean="0"/>
+              <a:t>Proofs generated by </a:t>
+            </a:r>
+            <a:r>
+              <a:rPr lang="en-GB" sz="3000" dirty="0" err="1" smtClean="0"/>
+              <a:t>Tacny</a:t>
+            </a:r>
+            <a:r>
+              <a:rPr lang="en-GB" sz="3000" dirty="0" smtClean="0"/>
+              <a:t> must be checkable</a:t>
+            </a:r>
+            <a:endParaRPr lang="en-GB" sz="3000" dirty="0"/>
+          </a:p>
+        </p:txBody>
+      </p:sp>
+      <p:sp>
+        <p:nvSpPr>
+          <p:cNvPr id="15" name="Title 1"/>
+          <p:cNvSpPr>
+            <a:spLocks noGrp="1"/>
+          </p:cNvSpPr>
+          <p:nvPr>
+            <p:ph type="title"/>
+          </p:nvPr>
+        </p:nvSpPr>
+        <p:spPr>
+          <a:xfrm>
+            <a:off x="677334" y="609600"/>
+            <a:ext cx="8596668" cy="1320800"/>
+          </a:xfrm>
+        </p:spPr>
+        <p:txBody>
+          <a:bodyPr>
+            <a:normAutofit/>
+          </a:bodyPr>
+          <a:lstStyle/>
+          <a:p>
+            <a:r>
+              <a:rPr lang="en-GB" sz="4000" dirty="0" smtClean="0"/>
+              <a:t>The </a:t>
+            </a:r>
+            <a:r>
+              <a:rPr lang="en-GB" sz="4000" dirty="0" err="1" smtClean="0"/>
+              <a:t>Tacny</a:t>
+            </a:r>
+            <a:r>
+              <a:rPr lang="en-GB" sz="4000" dirty="0" smtClean="0"/>
+              <a:t> Project</a:t>
+            </a:r>
+            <a:r>
+              <a:rPr lang="en-GB" dirty="0" smtClean="0"/>
+              <a:t/>
+            </a:r>
+            <a:br>
+              <a:rPr lang="en-GB" dirty="0" smtClean="0"/>
+            </a:br>
+            <a:r>
+              <a:rPr lang="en-GB" sz="3300" dirty="0" smtClean="0"/>
+              <a:t>Requirements</a:t>
+            </a:r>
+            <a:endParaRPr lang="en-GB" sz="2800" b="1" dirty="0">
+              <a:solidFill>
+                <a:schemeClr val="accent4"/>
+              </a:solidFill>
+            </a:endParaRPr>
+          </a:p>
+        </p:txBody>
+      </p:sp>
+      <p:sp>
+        <p:nvSpPr>
+          <p:cNvPr id="16" name="TextBox 15"/>
+          <p:cNvSpPr txBox="1"/>
+          <p:nvPr/>
+        </p:nvSpPr>
+        <p:spPr>
+          <a:xfrm>
+            <a:off x="677334" y="1930400"/>
+            <a:ext cx="2765113" cy="461665"/>
+          </a:xfrm>
+          <a:prstGeom prst="rect">
+            <a:avLst/>
+          </a:prstGeom>
+          <a:noFill/>
+        </p:spPr>
+        <p:txBody>
+          <a:bodyPr wrap="square" rtlCol="0">
+            <a:spAutoFit/>
+          </a:bodyPr>
+          <a:lstStyle/>
+          <a:p>
+            <a:r>
+              <a:rPr lang="en-GB" sz="2400" b="1" u="sng" dirty="0" smtClean="0">
+                <a:solidFill>
+                  <a:schemeClr val="accent4"/>
+                </a:solidFill>
+              </a:rPr>
+              <a:t>Checkable</a:t>
+            </a:r>
+            <a:endParaRPr lang="en-GB" sz="2500" dirty="0"/>
+          </a:p>
+        </p:txBody>
+      </p:sp>
+      <p:sp>
+        <p:nvSpPr>
+          <p:cNvPr id="17" name="Content Placeholder 4"/>
+          <p:cNvSpPr txBox="1">
+            <a:spLocks/>
+          </p:cNvSpPr>
+          <p:nvPr/>
+        </p:nvSpPr>
+        <p:spPr>
+          <a:xfrm>
+            <a:off x="677334" y="2843353"/>
+            <a:ext cx="8596668" cy="815693"/>
+          </a:xfrm>
+          <a:prstGeom prst="rect">
+            <a:avLst/>
+          </a:prstGeom>
+        </p:spPr>
+        <p:txBody>
+          <a:bodyPr vert="horz" lIns="91440" tIns="45720" rIns="91440" bIns="45720" rtlCol="0">
+            <a:noAutofit/>
+          </a:bodyPr>
+          <a:lstStyle>
+            <a:lvl1pPr marL="342900" indent="-342900" algn="l" defTabSz="457200" rtl="0" eaLnBrk="1" latinLnBrk="0" hangingPunct="1">
+              <a:spcBef>
+                <a:spcPts val="1000"/>
+              </a:spcBef>
+              <a:spcAft>
+                <a:spcPts val="0"/>
+              </a:spcAft>
+              <a:buClr>
+                <a:schemeClr val="accent1"/>
+              </a:buClr>
+              <a:buSzPct val="80000"/>
+              <a:buFont typeface="Wingdings 3" charset="2"/>
+              <a:buChar char=""/>
+              <a:defRPr sz="1800" kern="1200">
+                <a:solidFill>
+                  <a:schemeClr val="tx1">
+                    <a:lumMod val="75000"/>
+                    <a:lumOff val="25000"/>
+                  </a:schemeClr>
+                </a:solidFill>
+                <a:latin typeface="+mn-lt"/>
+                <a:ea typeface="+mn-ea"/>
+                <a:cs typeface="+mn-cs"/>
+              </a:defRPr>
+            </a:lvl1pPr>
+            <a:lvl2pPr marL="742950" indent="-285750" algn="l" defTabSz="457200" rtl="0" eaLnBrk="1" latinLnBrk="0" hangingPunct="1">
+              <a:spcBef>
+                <a:spcPts val="1000"/>
+              </a:spcBef>
+              <a:spcAft>
+                <a:spcPts val="0"/>
+              </a:spcAft>
+              <a:buClr>
+                <a:schemeClr val="accent1"/>
+              </a:buClr>
+              <a:buSzPct val="80000"/>
+              <a:buFont typeface="Wingdings 3" charset="2"/>
+              <a:buChar char=""/>
+              <a:defRPr sz="1600" kern="1200">
+                <a:solidFill>
+                  <a:schemeClr val="tx1">
+                    <a:lumMod val="75000"/>
+                    <a:lumOff val="25000"/>
+                  </a:schemeClr>
+                </a:solidFill>
+                <a:latin typeface="+mn-lt"/>
+                <a:ea typeface="+mn-ea"/>
+                <a:cs typeface="+mn-cs"/>
+              </a:defRPr>
+            </a:lvl2pPr>
+            <a:lvl3pPr marL="1143000" indent="-228600" algn="l" defTabSz="457200" rtl="0" eaLnBrk="1" latinLnBrk="0" hangingPunct="1">
+              <a:spcBef>
+                <a:spcPts val="1000"/>
+              </a:spcBef>
+              <a:spcAft>
+                <a:spcPts val="0"/>
+              </a:spcAft>
+              <a:buClr>
+                <a:schemeClr val="accent1"/>
+              </a:buClr>
+              <a:buSzPct val="80000"/>
+              <a:buFont typeface="Wingdings 3" charset="2"/>
+              <a:buChar char=""/>
+              <a:defRPr sz="1400" kern="1200">
+                <a:solidFill>
+                  <a:schemeClr val="tx1">
+                    <a:lumMod val="75000"/>
+                    <a:lumOff val="25000"/>
+                  </a:schemeClr>
+                </a:solidFill>
+                <a:latin typeface="+mn-lt"/>
+                <a:ea typeface="+mn-ea"/>
+                <a:cs typeface="+mn-cs"/>
+              </a:defRPr>
+            </a:lvl3pPr>
+            <a:lvl4pPr marL="1600200" indent="-228600" algn="l" defTabSz="457200" rtl="0" eaLnBrk="1" latinLnBrk="0" hangingPunct="1">
+              <a:spcBef>
+                <a:spcPts val="1000"/>
+              </a:spcBef>
+              <a:spcAft>
+                <a:spcPts val="0"/>
+              </a:spcAft>
+              <a:buClr>
+                <a:schemeClr val="accent1"/>
+              </a:buClr>
+              <a:buSzPct val="80000"/>
+              <a:buFont typeface="Wingdings 3" charset="2"/>
+              <a:buChar char=""/>
+              <a:defRPr sz="1200" kern="1200">
+                <a:solidFill>
+                  <a:schemeClr val="tx1">
+                    <a:lumMod val="75000"/>
+                    <a:lumOff val="25000"/>
+                  </a:schemeClr>
+                </a:solidFill>
+                <a:latin typeface="+mn-lt"/>
+                <a:ea typeface="+mn-ea"/>
+                <a:cs typeface="+mn-cs"/>
+              </a:defRPr>
+            </a:lvl4pPr>
+            <a:lvl5pPr marL="2057400" indent="-228600" algn="l" defTabSz="457200" rtl="0" eaLnBrk="1" latinLnBrk="0" hangingPunct="1">
+              <a:spcBef>
+                <a:spcPts val="1000"/>
+              </a:spcBef>
+              <a:spcAft>
+                <a:spcPts val="0"/>
+              </a:spcAft>
+              <a:buClr>
+                <a:schemeClr val="accent1"/>
+              </a:buClr>
+              <a:buSzPct val="80000"/>
+              <a:buFont typeface="Wingdings 3" charset="2"/>
+              <a:buChar char=""/>
+              <a:defRPr sz="1200" kern="1200">
+                <a:solidFill>
+                  <a:schemeClr val="tx1">
+                    <a:lumMod val="75000"/>
+                    <a:lumOff val="25000"/>
+                  </a:schemeClr>
+                </a:solidFill>
+                <a:latin typeface="+mn-lt"/>
+                <a:ea typeface="+mn-ea"/>
+                <a:cs typeface="+mn-cs"/>
+              </a:defRPr>
+            </a:lvl5pPr>
+            <a:lvl6pPr marL="2514600" indent="-228600" algn="l" defTabSz="457200" rtl="0" eaLnBrk="1" latinLnBrk="0" hangingPunct="1">
+              <a:spcBef>
+                <a:spcPts val="1000"/>
+              </a:spcBef>
+              <a:spcAft>
+                <a:spcPts val="0"/>
+              </a:spcAft>
+              <a:buClr>
+                <a:schemeClr val="accent1"/>
+              </a:buClr>
+              <a:buSzPct val="80000"/>
+              <a:buFont typeface="Wingdings 3" charset="2"/>
+              <a:buChar char=""/>
+              <a:defRPr sz="1200" kern="1200">
+                <a:solidFill>
+                  <a:schemeClr val="tx1">
+                    <a:lumMod val="75000"/>
+                    <a:lumOff val="25000"/>
+                  </a:schemeClr>
+                </a:solidFill>
+                <a:latin typeface="+mn-lt"/>
+                <a:ea typeface="+mn-ea"/>
+                <a:cs typeface="+mn-cs"/>
+              </a:defRPr>
+            </a:lvl6pPr>
+            <a:lvl7pPr marL="2971800" indent="-228600" algn="l" defTabSz="457200" rtl="0" eaLnBrk="1" latinLnBrk="0" hangingPunct="1">
+              <a:spcBef>
+                <a:spcPts val="1000"/>
+              </a:spcBef>
+              <a:spcAft>
+                <a:spcPts val="0"/>
+              </a:spcAft>
+              <a:buClr>
+                <a:schemeClr val="accent1"/>
+              </a:buClr>
+              <a:buSzPct val="80000"/>
+              <a:buFont typeface="Wingdings 3" charset="2"/>
+              <a:buChar char=""/>
+              <a:defRPr sz="1200" kern="1200">
+                <a:solidFill>
+                  <a:schemeClr val="tx1">
+                    <a:lumMod val="75000"/>
+                    <a:lumOff val="25000"/>
+                  </a:schemeClr>
+                </a:solidFill>
+                <a:latin typeface="+mn-lt"/>
+                <a:ea typeface="+mn-ea"/>
+                <a:cs typeface="+mn-cs"/>
+              </a:defRPr>
+            </a:lvl7pPr>
+            <a:lvl8pPr marL="3429000" indent="-228600" algn="l" defTabSz="457200" rtl="0" eaLnBrk="1" latinLnBrk="0" hangingPunct="1">
+              <a:spcBef>
+                <a:spcPts val="1000"/>
+              </a:spcBef>
+              <a:spcAft>
+                <a:spcPts val="0"/>
+              </a:spcAft>
+              <a:buClr>
+                <a:schemeClr val="accent1"/>
+              </a:buClr>
+              <a:buSzPct val="80000"/>
+              <a:buFont typeface="Wingdings 3" charset="2"/>
+              <a:buChar char=""/>
+              <a:defRPr sz="1200" kern="1200">
+                <a:solidFill>
+                  <a:schemeClr val="tx1">
+                    <a:lumMod val="75000"/>
+                    <a:lumOff val="25000"/>
+                  </a:schemeClr>
+                </a:solidFill>
+                <a:latin typeface="+mn-lt"/>
+                <a:ea typeface="+mn-ea"/>
+                <a:cs typeface="+mn-cs"/>
+              </a:defRPr>
+            </a:lvl8pPr>
+            <a:lvl9pPr marL="3886200" indent="-228600" algn="l" defTabSz="457200" rtl="0" eaLnBrk="1" latinLnBrk="0" hangingPunct="1">
+              <a:spcBef>
+                <a:spcPts val="1000"/>
+              </a:spcBef>
+              <a:spcAft>
+                <a:spcPts val="0"/>
+              </a:spcAft>
+              <a:buClr>
+                <a:schemeClr val="accent1"/>
+              </a:buClr>
+              <a:buSzPct val="80000"/>
+              <a:buFont typeface="Wingdings 3" charset="2"/>
+              <a:buChar char=""/>
+              <a:defRPr sz="1200" kern="1200">
+                <a:solidFill>
+                  <a:schemeClr val="tx1">
+                    <a:lumMod val="75000"/>
+                    <a:lumOff val="25000"/>
+                  </a:schemeClr>
+                </a:solidFill>
+                <a:latin typeface="+mn-lt"/>
+                <a:ea typeface="+mn-ea"/>
+                <a:cs typeface="+mn-cs"/>
+              </a:defRPr>
+            </a:lvl9pPr>
+          </a:lstStyle>
+          <a:p>
+            <a:r>
+              <a:rPr lang="en-GB" sz="2000" dirty="0" err="1" smtClean="0"/>
+              <a:t>Tacny</a:t>
+            </a:r>
+            <a:r>
+              <a:rPr lang="en-GB" sz="2000" dirty="0" smtClean="0"/>
+              <a:t> generates </a:t>
+            </a:r>
+            <a:r>
+              <a:rPr lang="en-GB" sz="2000" dirty="0" err="1" smtClean="0"/>
+              <a:t>Dafny</a:t>
+            </a:r>
+            <a:r>
+              <a:rPr lang="en-GB" sz="2000" dirty="0" smtClean="0"/>
+              <a:t> proofs that are checkable by the verifier</a:t>
+            </a:r>
+            <a:endParaRPr lang="en-GB" sz="2000" dirty="0"/>
+          </a:p>
+        </p:txBody>
+      </p:sp>
+    </p:spTree>
+    <p:extLst>
+      <p:ext uri="{BB962C8B-B14F-4D97-AF65-F5344CB8AC3E}">
+        <p14:creationId xmlns:p14="http://schemas.microsoft.com/office/powerpoint/2010/main" val="3708445747"/>
+      </p:ext>
+    </p:extLst>
+  </p:cSld>
+  <p:clrMapOvr>
+    <a:masterClrMapping/>
+  </p:clrMapOvr>
+  <mc:AlternateContent xmlns:mc="http://schemas.openxmlformats.org/markup-compatibility/2006">
+    <mc:Choice xmlns:p14="http://schemas.microsoft.com/office/powerpoint/2010/main" Requires="p14">
+      <p:transition spd="slow" p14:dur="2000"/>
+    </mc:Choice>
+    <mc:Fallback>
+      <p:transition spd="slow"/>
+    </mc:Fallback>
+  </mc:AlternateContent>
+  <p:timing>
+    <p:tnLst>
+      <p:par>
+        <p:cTn id="1" dur="indefinite" restart="never" nodeType="tmRoot">
+          <p:childTnLst>
+            <p:seq concurrent="1" nextAc="seek">
+              <p:cTn id="2" dur="indefinite" nodeType="mainSeq">
+                <p:childTnLst>
+                  <p:par>
+                    <p:cTn id="3" fill="hold">
+                      <p:stCondLst>
+                        <p:cond delay="indefinite"/>
+                      </p:stCondLst>
+                      <p:childTnLst>
+                        <p:par>
+                          <p:cTn id="4" fill="hold">
+                            <p:stCondLst>
+                              <p:cond delay="0"/>
+                            </p:stCondLst>
+                            <p:childTnLst>
+                              <p:par>
+                                <p:cTn id="5" presetID="10" presetClass="entr" presetSubtype="0" fill="hold" grpId="0" nodeType="clickEffect">
+                                  <p:stCondLst>
+                                    <p:cond delay="0"/>
+                                  </p:stCondLst>
+                                  <p:childTnLst>
+                                    <p:set>
+                                      <p:cBhvr>
+                                        <p:cTn id="6" dur="1" fill="hold">
+                                          <p:stCondLst>
+                                            <p:cond delay="0"/>
+                                          </p:stCondLst>
+                                        </p:cTn>
+                                        <p:tgtEl>
+                                          <p:spTgt spid="16"/>
+                                        </p:tgtEl>
+                                        <p:attrNameLst>
+                                          <p:attrName>style.visibility</p:attrName>
+                                        </p:attrNameLst>
+                                      </p:cBhvr>
+                                      <p:to>
+                                        <p:strVal val="visible"/>
+                                      </p:to>
+                                    </p:set>
+                                    <p:animEffect transition="in" filter="fade">
+                                      <p:cBhvr>
+                                        <p:cTn id="7" dur="500"/>
+                                        <p:tgtEl>
+                                          <p:spTgt spid="16"/>
+                                        </p:tgtEl>
+                                      </p:cBhvr>
+                                    </p:animEffect>
+                                  </p:childTnLst>
+                                </p:cTn>
+                              </p:par>
+                            </p:childTnLst>
+                          </p:cTn>
+                        </p:par>
+                      </p:childTnLst>
+                    </p:cTn>
+                  </p:par>
+                  <p:par>
+                    <p:cTn id="8" fill="hold">
+                      <p:stCondLst>
+                        <p:cond delay="indefinite"/>
+                      </p:stCondLst>
+                      <p:childTnLst>
+                        <p:par>
+                          <p:cTn id="9" fill="hold">
+                            <p:stCondLst>
+                              <p:cond delay="0"/>
+                            </p:stCondLst>
+                            <p:childTnLst>
+                              <p:par>
+                                <p:cTn id="10" presetID="10" presetClass="entr" presetSubtype="0" fill="hold" grpId="0" nodeType="clickEffect">
+                                  <p:stCondLst>
+                                    <p:cond delay="0"/>
+                                  </p:stCondLst>
+                                  <p:childTnLst>
+                                    <p:set>
+                                      <p:cBhvr>
+                                        <p:cTn id="11" dur="1" fill="hold">
+                                          <p:stCondLst>
+                                            <p:cond delay="0"/>
+                                          </p:stCondLst>
+                                        </p:cTn>
+                                        <p:tgtEl>
+                                          <p:spTgt spid="14">
+                                            <p:txEl>
+                                              <p:pRg st="0" end="0"/>
+                                            </p:txEl>
+                                          </p:spTgt>
+                                        </p:tgtEl>
+                                        <p:attrNameLst>
+                                          <p:attrName>style.visibility</p:attrName>
+                                        </p:attrNameLst>
+                                      </p:cBhvr>
+                                      <p:to>
+                                        <p:strVal val="visible"/>
+                                      </p:to>
+                                    </p:set>
+                                    <p:animEffect transition="in" filter="fade">
+                                      <p:cBhvr>
+                                        <p:cTn id="12" dur="500"/>
+                                        <p:tgtEl>
+                                          <p:spTgt spid="14">
+                                            <p:txEl>
+                                              <p:pRg st="0" end="0"/>
+                                            </p:txEl>
+                                          </p:spTgt>
+                                        </p:tgtEl>
+                                      </p:cBhvr>
+                                    </p:animEffect>
+                                  </p:childTnLst>
+                                </p:cTn>
+                              </p:par>
+                            </p:childTnLst>
+                          </p:cTn>
+                        </p:par>
+                      </p:childTnLst>
+                    </p:cTn>
+                  </p:par>
+                  <p:par>
+                    <p:cTn id="13" fill="hold">
+                      <p:stCondLst>
+                        <p:cond delay="indefinite"/>
+                      </p:stCondLst>
+                      <p:childTnLst>
+                        <p:par>
+                          <p:cTn id="14" fill="hold">
+                            <p:stCondLst>
+                              <p:cond delay="0"/>
+                            </p:stCondLst>
+                            <p:childTnLst>
+                              <p:par>
+                                <p:cTn id="15" presetID="2" presetClass="exit" presetSubtype="4" fill="hold" grpId="1" nodeType="clickEffect">
+                                  <p:stCondLst>
+                                    <p:cond delay="0"/>
+                                  </p:stCondLst>
+                                  <p:childTnLst>
+                                    <p:anim calcmode="lin" valueType="num">
+                                      <p:cBhvr additive="base">
+                                        <p:cTn id="16" dur="500"/>
+                                        <p:tgtEl>
+                                          <p:spTgt spid="14">
+                                            <p:txEl>
+                                              <p:pRg st="0" end="0"/>
+                                            </p:txEl>
+                                          </p:spTgt>
+                                        </p:tgtEl>
+                                        <p:attrNameLst>
+                                          <p:attrName>ppt_x</p:attrName>
+                                        </p:attrNameLst>
+                                      </p:cBhvr>
+                                      <p:tavLst>
+                                        <p:tav tm="0">
+                                          <p:val>
+                                            <p:strVal val="ppt_x"/>
+                                          </p:val>
+                                        </p:tav>
+                                        <p:tav tm="100000">
+                                          <p:val>
+                                            <p:strVal val="ppt_x"/>
+                                          </p:val>
+                                        </p:tav>
+                                      </p:tavLst>
+                                    </p:anim>
+                                    <p:anim calcmode="lin" valueType="num">
+                                      <p:cBhvr additive="base">
+                                        <p:cTn id="17" dur="500"/>
+                                        <p:tgtEl>
+                                          <p:spTgt spid="14">
+                                            <p:txEl>
+                                              <p:pRg st="0" end="0"/>
+                                            </p:txEl>
+                                          </p:spTgt>
+                                        </p:tgtEl>
+                                        <p:attrNameLst>
+                                          <p:attrName>ppt_y</p:attrName>
+                                        </p:attrNameLst>
+                                      </p:cBhvr>
+                                      <p:tavLst>
+                                        <p:tav tm="0">
+                                          <p:val>
+                                            <p:strVal val="ppt_y"/>
+                                          </p:val>
+                                        </p:tav>
+                                        <p:tav tm="100000">
+                                          <p:val>
+                                            <p:strVal val="1+ppt_h/2"/>
+                                          </p:val>
+                                        </p:tav>
+                                      </p:tavLst>
+                                    </p:anim>
+                                    <p:set>
+                                      <p:cBhvr>
+                                        <p:cTn id="18" dur="1" fill="hold">
+                                          <p:stCondLst>
+                                            <p:cond delay="499"/>
+                                          </p:stCondLst>
+                                        </p:cTn>
+                                        <p:tgtEl>
+                                          <p:spTgt spid="14">
+                                            <p:txEl>
+                                              <p:pRg st="0" end="0"/>
+                                            </p:txEl>
+                                          </p:spTgt>
+                                        </p:tgtEl>
+                                        <p:attrNameLst>
+                                          <p:attrName>style.visibility</p:attrName>
+                                        </p:attrNameLst>
+                                      </p:cBhvr>
+                                      <p:to>
+                                        <p:strVal val="hidden"/>
+                                      </p:to>
+                                    </p:set>
+                                  </p:childTnLst>
+                                </p:cTn>
+                              </p:par>
+                              <p:par>
+                                <p:cTn id="19" presetID="10" presetClass="entr" presetSubtype="0" fill="hold" grpId="0" nodeType="withEffect">
+                                  <p:stCondLst>
+                                    <p:cond delay="0"/>
+                                  </p:stCondLst>
+                                  <p:childTnLst>
+                                    <p:set>
+                                      <p:cBhvr>
+                                        <p:cTn id="20" dur="1" fill="hold">
+                                          <p:stCondLst>
+                                            <p:cond delay="0"/>
+                                          </p:stCondLst>
+                                        </p:cTn>
+                                        <p:tgtEl>
+                                          <p:spTgt spid="17"/>
+                                        </p:tgtEl>
+                                        <p:attrNameLst>
+                                          <p:attrName>style.visibility</p:attrName>
+                                        </p:attrNameLst>
+                                      </p:cBhvr>
+                                      <p:to>
+                                        <p:strVal val="visible"/>
+                                      </p:to>
+                                    </p:set>
+                                    <p:animEffect transition="in" filter="fade">
+                                      <p:cBhvr>
+                                        <p:cTn id="21" dur="500"/>
+                                        <p:tgtEl>
+                                          <p:spTgt spid="17"/>
+                                        </p:tgtEl>
+                                      </p:cBhvr>
+                                    </p:animEffect>
+                                  </p:childTnLst>
+                                </p:cTn>
+                              </p:par>
+                            </p:childTnLst>
+                          </p:cTn>
+                        </p:par>
+                      </p:childTnLst>
+                    </p:cTn>
+                  </p:par>
+                </p:childTnLst>
+              </p:cTn>
+              <p:prevCondLst>
+                <p:cond evt="onPrev" delay="0">
+                  <p:tgtEl>
+                    <p:sldTgt/>
+                  </p:tgtEl>
+                </p:cond>
+              </p:prevCondLst>
+              <p:nextCondLst>
+                <p:cond evt="onNext" delay="0">
+                  <p:tgtEl>
+                    <p:sldTgt/>
+                  </p:tgtEl>
+                </p:cond>
+              </p:nextCondLst>
+            </p:seq>
+          </p:childTnLst>
+        </p:cTn>
+      </p:par>
+    </p:tnLst>
+    <p:bldLst>
+      <p:bldP spid="14" grpId="0" build="p"/>
+      <p:bldP spid="14" grpId="1" build="p"/>
+      <p:bldP spid="16" grpId="0"/>
+      <p:bldP spid="17" grpId="0"/>
+    </p:bldLst>
+  </p:timing>
+</p:sld>
+</file>
+
+<file path=ppt/slides/slide13.xml><?xml version="1.0" encoding="utf-8"?>
+<p:sld xmlns:a="http://schemas.openxmlformats.org/drawingml/2006/main" xmlns:r="http://schemas.openxmlformats.org/officeDocument/2006/relationships" xmlns:p="http://schemas.openxmlformats.org/presentationml/2006/main" show="0">
+  <p:cSld>
+    <p:spTree>
+      <p:nvGrpSpPr>
+        <p:cNvPr id="1" name=""/>
+        <p:cNvGrpSpPr/>
+        <p:nvPr/>
+      </p:nvGrpSpPr>
+      <p:grpSpPr>
+        <a:xfrm>
+          <a:off x="0" y="0"/>
+          <a:ext cx="0" cy="0"/>
+          <a:chOff x="0" y="0"/>
+          <a:chExt cx="0" cy="0"/>
+        </a:xfrm>
+      </p:grpSpPr>
+      <p:sp>
+        <p:nvSpPr>
+          <p:cNvPr id="10" name="Content Placeholder 2"/>
+          <p:cNvSpPr>
+            <a:spLocks noGrp="1"/>
+          </p:cNvSpPr>
+          <p:nvPr>
+            <p:ph idx="1"/>
+          </p:nvPr>
+        </p:nvSpPr>
+        <p:spPr>
+          <a:xfrm>
+            <a:off x="677334" y="2392065"/>
+            <a:ext cx="8596668" cy="555812"/>
+          </a:xfrm>
+        </p:spPr>
+        <p:txBody>
+          <a:bodyPr>
+            <a:noAutofit/>
+          </a:bodyPr>
+          <a:lstStyle/>
+          <a:p>
+            <a:pPr marL="0" indent="0">
+              <a:buNone/>
+            </a:pPr>
+            <a:r>
+              <a:rPr lang="en-GB" sz="3000" dirty="0" smtClean="0"/>
+              <a:t>Tactics should reduce annotation overhead</a:t>
+            </a:r>
+            <a:endParaRPr lang="en-GB" sz="3000" dirty="0"/>
+          </a:p>
+        </p:txBody>
+      </p:sp>
+      <p:sp>
+        <p:nvSpPr>
+          <p:cNvPr id="11" name="Title 1"/>
+          <p:cNvSpPr>
+            <a:spLocks noGrp="1"/>
+          </p:cNvSpPr>
+          <p:nvPr>
+            <p:ph type="title"/>
+          </p:nvPr>
+        </p:nvSpPr>
+        <p:spPr>
+          <a:xfrm>
+            <a:off x="677334" y="609600"/>
+            <a:ext cx="8596668" cy="1320800"/>
+          </a:xfrm>
+        </p:spPr>
+        <p:txBody>
+          <a:bodyPr>
+            <a:normAutofit/>
+          </a:bodyPr>
+          <a:lstStyle/>
+          <a:p>
+            <a:r>
+              <a:rPr lang="en-GB" sz="4000" dirty="0" smtClean="0"/>
+              <a:t>The </a:t>
+            </a:r>
+            <a:r>
+              <a:rPr lang="en-GB" sz="4000" dirty="0" err="1" smtClean="0"/>
+              <a:t>Tacny</a:t>
+            </a:r>
+            <a:r>
+              <a:rPr lang="en-GB" sz="4000" dirty="0" smtClean="0"/>
+              <a:t> Project</a:t>
+            </a:r>
+            <a:r>
+              <a:rPr lang="en-GB" dirty="0" smtClean="0"/>
+              <a:t/>
+            </a:r>
+            <a:br>
+              <a:rPr lang="en-GB" dirty="0" smtClean="0"/>
+            </a:br>
+            <a:r>
+              <a:rPr lang="en-GB" sz="3300" dirty="0" smtClean="0"/>
+              <a:t>Requirements</a:t>
+            </a:r>
+            <a:endParaRPr lang="en-GB" sz="2800" b="1" dirty="0">
+              <a:solidFill>
+                <a:schemeClr val="accent4"/>
+              </a:solidFill>
+            </a:endParaRPr>
+          </a:p>
+        </p:txBody>
+      </p:sp>
+      <p:sp>
+        <p:nvSpPr>
+          <p:cNvPr id="12" name="TextBox 11"/>
+          <p:cNvSpPr txBox="1"/>
+          <p:nvPr/>
+        </p:nvSpPr>
+        <p:spPr>
+          <a:xfrm>
+            <a:off x="677334" y="1930400"/>
+            <a:ext cx="2765113" cy="461665"/>
+          </a:xfrm>
+          <a:prstGeom prst="rect">
+            <a:avLst/>
+          </a:prstGeom>
+          <a:noFill/>
+        </p:spPr>
+        <p:txBody>
+          <a:bodyPr wrap="square" rtlCol="0">
+            <a:spAutoFit/>
+          </a:bodyPr>
+          <a:lstStyle/>
+          <a:p>
+            <a:r>
+              <a:rPr lang="en-GB" sz="2400" b="1" u="sng" dirty="0" smtClean="0">
+                <a:solidFill>
+                  <a:schemeClr val="accent4"/>
+                </a:solidFill>
+              </a:rPr>
+              <a:t>Reduce Overhead</a:t>
+            </a:r>
+            <a:endParaRPr lang="en-GB" sz="2500" dirty="0"/>
+          </a:p>
+        </p:txBody>
+      </p:sp>
+      <p:sp>
+        <p:nvSpPr>
+          <p:cNvPr id="13" name="Content Placeholder 4"/>
+          <p:cNvSpPr txBox="1">
+            <a:spLocks/>
+          </p:cNvSpPr>
+          <p:nvPr/>
+        </p:nvSpPr>
+        <p:spPr>
+          <a:xfrm>
+            <a:off x="677334" y="3001695"/>
+            <a:ext cx="8596668" cy="815693"/>
+          </a:xfrm>
+          <a:prstGeom prst="rect">
+            <a:avLst/>
+          </a:prstGeom>
+        </p:spPr>
+        <p:txBody>
+          <a:bodyPr vert="horz" lIns="91440" tIns="45720" rIns="91440" bIns="45720" rtlCol="0">
+            <a:noAutofit/>
+          </a:bodyPr>
+          <a:lstStyle>
+            <a:lvl1pPr marL="342900" indent="-342900" algn="l" defTabSz="457200" rtl="0" eaLnBrk="1" latinLnBrk="0" hangingPunct="1">
+              <a:spcBef>
+                <a:spcPts val="1000"/>
+              </a:spcBef>
+              <a:spcAft>
+                <a:spcPts val="0"/>
+              </a:spcAft>
+              <a:buClr>
+                <a:schemeClr val="accent1"/>
+              </a:buClr>
+              <a:buSzPct val="80000"/>
+              <a:buFont typeface="Wingdings 3" charset="2"/>
+              <a:buChar char=""/>
+              <a:defRPr sz="1800" kern="1200">
+                <a:solidFill>
+                  <a:schemeClr val="tx1">
+                    <a:lumMod val="75000"/>
+                    <a:lumOff val="25000"/>
+                  </a:schemeClr>
+                </a:solidFill>
+                <a:latin typeface="+mn-lt"/>
+                <a:ea typeface="+mn-ea"/>
+                <a:cs typeface="+mn-cs"/>
+              </a:defRPr>
+            </a:lvl1pPr>
+            <a:lvl2pPr marL="742950" indent="-285750" algn="l" defTabSz="457200" rtl="0" eaLnBrk="1" latinLnBrk="0" hangingPunct="1">
+              <a:spcBef>
+                <a:spcPts val="1000"/>
+              </a:spcBef>
+              <a:spcAft>
+                <a:spcPts val="0"/>
+              </a:spcAft>
+              <a:buClr>
+                <a:schemeClr val="accent1"/>
+              </a:buClr>
+              <a:buSzPct val="80000"/>
+              <a:buFont typeface="Wingdings 3" charset="2"/>
+              <a:buChar char=""/>
+              <a:defRPr sz="1600" kern="1200">
+                <a:solidFill>
+                  <a:schemeClr val="tx1">
+                    <a:lumMod val="75000"/>
+                    <a:lumOff val="25000"/>
+                  </a:schemeClr>
+                </a:solidFill>
+                <a:latin typeface="+mn-lt"/>
+                <a:ea typeface="+mn-ea"/>
+                <a:cs typeface="+mn-cs"/>
+              </a:defRPr>
+            </a:lvl2pPr>
+            <a:lvl3pPr marL="1143000" indent="-228600" algn="l" defTabSz="457200" rtl="0" eaLnBrk="1" latinLnBrk="0" hangingPunct="1">
+              <a:spcBef>
+                <a:spcPts val="1000"/>
+              </a:spcBef>
+              <a:spcAft>
+                <a:spcPts val="0"/>
+              </a:spcAft>
+              <a:buClr>
+                <a:schemeClr val="accent1"/>
+              </a:buClr>
+              <a:buSzPct val="80000"/>
+              <a:buFont typeface="Wingdings 3" charset="2"/>
+              <a:buChar char=""/>
+              <a:defRPr sz="1400" kern="1200">
+                <a:solidFill>
+                  <a:schemeClr val="tx1">
+                    <a:lumMod val="75000"/>
+                    <a:lumOff val="25000"/>
+                  </a:schemeClr>
+                </a:solidFill>
+                <a:latin typeface="+mn-lt"/>
+                <a:ea typeface="+mn-ea"/>
+                <a:cs typeface="+mn-cs"/>
+              </a:defRPr>
+            </a:lvl3pPr>
+            <a:lvl4pPr marL="1600200" indent="-228600" algn="l" defTabSz="457200" rtl="0" eaLnBrk="1" latinLnBrk="0" hangingPunct="1">
+              <a:spcBef>
+                <a:spcPts val="1000"/>
+              </a:spcBef>
+              <a:spcAft>
+                <a:spcPts val="0"/>
+              </a:spcAft>
+              <a:buClr>
+                <a:schemeClr val="accent1"/>
+              </a:buClr>
+              <a:buSzPct val="80000"/>
+              <a:buFont typeface="Wingdings 3" charset="2"/>
+              <a:buChar char=""/>
+              <a:defRPr sz="1200" kern="1200">
+                <a:solidFill>
+                  <a:schemeClr val="tx1">
+                    <a:lumMod val="75000"/>
+                    <a:lumOff val="25000"/>
+                  </a:schemeClr>
+                </a:solidFill>
+                <a:latin typeface="+mn-lt"/>
+                <a:ea typeface="+mn-ea"/>
+                <a:cs typeface="+mn-cs"/>
+              </a:defRPr>
+            </a:lvl4pPr>
+            <a:lvl5pPr marL="2057400" indent="-228600" algn="l" defTabSz="457200" rtl="0" eaLnBrk="1" latinLnBrk="0" hangingPunct="1">
+              <a:spcBef>
+                <a:spcPts val="1000"/>
+              </a:spcBef>
+              <a:spcAft>
+                <a:spcPts val="0"/>
+              </a:spcAft>
+              <a:buClr>
+                <a:schemeClr val="accent1"/>
+              </a:buClr>
+              <a:buSzPct val="80000"/>
+              <a:buFont typeface="Wingdings 3" charset="2"/>
+              <a:buChar char=""/>
+              <a:defRPr sz="1200" kern="1200">
+                <a:solidFill>
+                  <a:schemeClr val="tx1">
+                    <a:lumMod val="75000"/>
+                    <a:lumOff val="25000"/>
+                  </a:schemeClr>
+                </a:solidFill>
+                <a:latin typeface="+mn-lt"/>
+                <a:ea typeface="+mn-ea"/>
+                <a:cs typeface="+mn-cs"/>
+              </a:defRPr>
+            </a:lvl5pPr>
+            <a:lvl6pPr marL="2514600" indent="-228600" algn="l" defTabSz="457200" rtl="0" eaLnBrk="1" latinLnBrk="0" hangingPunct="1">
+              <a:spcBef>
+                <a:spcPts val="1000"/>
+              </a:spcBef>
+              <a:spcAft>
+                <a:spcPts val="0"/>
+              </a:spcAft>
+              <a:buClr>
+                <a:schemeClr val="accent1"/>
+              </a:buClr>
+              <a:buSzPct val="80000"/>
+              <a:buFont typeface="Wingdings 3" charset="2"/>
+              <a:buChar char=""/>
+              <a:defRPr sz="1200" kern="1200">
+                <a:solidFill>
+                  <a:schemeClr val="tx1">
+                    <a:lumMod val="75000"/>
+                    <a:lumOff val="25000"/>
+                  </a:schemeClr>
+                </a:solidFill>
+                <a:latin typeface="+mn-lt"/>
+                <a:ea typeface="+mn-ea"/>
+                <a:cs typeface="+mn-cs"/>
+              </a:defRPr>
+            </a:lvl6pPr>
+            <a:lvl7pPr marL="2971800" indent="-228600" algn="l" defTabSz="457200" rtl="0" eaLnBrk="1" latinLnBrk="0" hangingPunct="1">
+              <a:spcBef>
+                <a:spcPts val="1000"/>
+              </a:spcBef>
+              <a:spcAft>
+                <a:spcPts val="0"/>
+              </a:spcAft>
+              <a:buClr>
+                <a:schemeClr val="accent1"/>
+              </a:buClr>
+              <a:buSzPct val="80000"/>
+              <a:buFont typeface="Wingdings 3" charset="2"/>
+              <a:buChar char=""/>
+              <a:defRPr sz="1200" kern="1200">
+                <a:solidFill>
+                  <a:schemeClr val="tx1">
+                    <a:lumMod val="75000"/>
+                    <a:lumOff val="25000"/>
+                  </a:schemeClr>
+                </a:solidFill>
+                <a:latin typeface="+mn-lt"/>
+                <a:ea typeface="+mn-ea"/>
+                <a:cs typeface="+mn-cs"/>
+              </a:defRPr>
+            </a:lvl7pPr>
+            <a:lvl8pPr marL="3429000" indent="-228600" algn="l" defTabSz="457200" rtl="0" eaLnBrk="1" latinLnBrk="0" hangingPunct="1">
+              <a:spcBef>
+                <a:spcPts val="1000"/>
+              </a:spcBef>
+              <a:spcAft>
+                <a:spcPts val="0"/>
+              </a:spcAft>
+              <a:buClr>
+                <a:schemeClr val="accent1"/>
+              </a:buClr>
+              <a:buSzPct val="80000"/>
+              <a:buFont typeface="Wingdings 3" charset="2"/>
+              <a:buChar char=""/>
+              <a:defRPr sz="1200" kern="1200">
+                <a:solidFill>
+                  <a:schemeClr val="tx1">
+                    <a:lumMod val="75000"/>
+                    <a:lumOff val="25000"/>
+                  </a:schemeClr>
+                </a:solidFill>
+                <a:latin typeface="+mn-lt"/>
+                <a:ea typeface="+mn-ea"/>
+                <a:cs typeface="+mn-cs"/>
+              </a:defRPr>
+            </a:lvl8pPr>
+            <a:lvl9pPr marL="3886200" indent="-228600" algn="l" defTabSz="457200" rtl="0" eaLnBrk="1" latinLnBrk="0" hangingPunct="1">
+              <a:spcBef>
+                <a:spcPts val="1000"/>
+              </a:spcBef>
+              <a:spcAft>
+                <a:spcPts val="0"/>
+              </a:spcAft>
+              <a:buClr>
+                <a:schemeClr val="accent1"/>
+              </a:buClr>
+              <a:buSzPct val="80000"/>
+              <a:buFont typeface="Wingdings 3" charset="2"/>
+              <a:buChar char=""/>
+              <a:defRPr sz="1200" kern="1200">
+                <a:solidFill>
+                  <a:schemeClr val="tx1">
+                    <a:lumMod val="75000"/>
+                    <a:lumOff val="25000"/>
+                  </a:schemeClr>
+                </a:solidFill>
+                <a:latin typeface="+mn-lt"/>
+                <a:ea typeface="+mn-ea"/>
+                <a:cs typeface="+mn-cs"/>
+              </a:defRPr>
+            </a:lvl9pPr>
+          </a:lstStyle>
+          <a:p>
+            <a:r>
+              <a:rPr lang="en-GB" sz="2000" dirty="0" smtClean="0"/>
+              <a:t>A single tactic can be reused for multiple proofs</a:t>
+            </a:r>
+            <a:endParaRPr lang="en-GB" sz="2000" dirty="0"/>
+          </a:p>
+        </p:txBody>
+      </p:sp>
+    </p:spTree>
+    <p:extLst>
+      <p:ext uri="{BB962C8B-B14F-4D97-AF65-F5344CB8AC3E}">
+        <p14:creationId xmlns:p14="http://schemas.microsoft.com/office/powerpoint/2010/main" val="404043649"/>
+      </p:ext>
+    </p:extLst>
+  </p:cSld>
+  <p:clrMapOvr>
+    <a:masterClrMapping/>
+  </p:clrMapOvr>
+  <mc:AlternateContent xmlns:mc="http://schemas.openxmlformats.org/markup-compatibility/2006">
+    <mc:Choice xmlns:p14="http://schemas.microsoft.com/office/powerpoint/2010/main" Requires="p14">
+      <p:transition spd="slow" p14:dur="2000"/>
+    </mc:Choice>
+    <mc:Fallback>
+      <p:transition spd="slow"/>
+    </mc:Fallback>
+  </mc:AlternateContent>
+  <p:timing>
+    <p:tnLst>
+      <p:par>
+        <p:cTn id="1" dur="indefinite" restart="never" nodeType="tmRoot">
+          <p:childTnLst>
+            <p:seq concurrent="1" nextAc="seek">
+              <p:cTn id="2" dur="indefinite" nodeType="mainSeq">
+                <p:childTnLst>
+                  <p:par>
+                    <p:cTn id="3" fill="hold">
+                      <p:stCondLst>
+                        <p:cond delay="indefinite"/>
+                      </p:stCondLst>
+                      <p:childTnLst>
+                        <p:par>
+                          <p:cTn id="4" fill="hold">
+                            <p:stCondLst>
+                              <p:cond delay="0"/>
+                            </p:stCondLst>
+                            <p:childTnLst>
+                              <p:par>
+                                <p:cTn id="5" presetID="10" presetClass="entr" presetSubtype="0" fill="hold" grpId="0" nodeType="clickEffect">
+                                  <p:stCondLst>
+                                    <p:cond delay="0"/>
+                                  </p:stCondLst>
+                                  <p:childTnLst>
+                                    <p:set>
+                                      <p:cBhvr>
+                                        <p:cTn id="6" dur="1" fill="hold">
+                                          <p:stCondLst>
+                                            <p:cond delay="0"/>
+                                          </p:stCondLst>
+                                        </p:cTn>
+                                        <p:tgtEl>
+                                          <p:spTgt spid="10">
+                                            <p:txEl>
+                                              <p:pRg st="0" end="0"/>
+                                            </p:txEl>
+                                          </p:spTgt>
+                                        </p:tgtEl>
+                                        <p:attrNameLst>
+                                          <p:attrName>style.visibility</p:attrName>
+                                        </p:attrNameLst>
+                                      </p:cBhvr>
+                                      <p:to>
+                                        <p:strVal val="visible"/>
+                                      </p:to>
+                                    </p:set>
+                                    <p:animEffect transition="in" filter="fade">
+                                      <p:cBhvr>
+                                        <p:cTn id="7" dur="500"/>
+                                        <p:tgtEl>
+                                          <p:spTgt spid="10">
+                                            <p:txEl>
+                                              <p:pRg st="0" end="0"/>
+                                            </p:txEl>
+                                          </p:spTgt>
+                                        </p:tgtEl>
+                                      </p:cBhvr>
+                                    </p:animEffect>
+                                  </p:childTnLst>
+                                </p:cTn>
+                              </p:par>
+                            </p:childTnLst>
+                          </p:cTn>
+                        </p:par>
+                      </p:childTnLst>
+                    </p:cTn>
+                  </p:par>
+                  <p:par>
+                    <p:cTn id="8" fill="hold">
+                      <p:stCondLst>
+                        <p:cond delay="indefinite"/>
+                      </p:stCondLst>
+                      <p:childTnLst>
+                        <p:par>
+                          <p:cTn id="9" fill="hold">
+                            <p:stCondLst>
+                              <p:cond delay="0"/>
+                            </p:stCondLst>
+                            <p:childTnLst>
+                              <p:par>
+                                <p:cTn id="10" presetID="2" presetClass="exit" presetSubtype="4" fill="hold" grpId="1" nodeType="clickEffect">
+                                  <p:stCondLst>
+                                    <p:cond delay="0"/>
+                                  </p:stCondLst>
+                                  <p:childTnLst>
+                                    <p:anim calcmode="lin" valueType="num">
+                                      <p:cBhvr additive="base">
+                                        <p:cTn id="11" dur="500"/>
+                                        <p:tgtEl>
+                                          <p:spTgt spid="10">
+                                            <p:txEl>
+                                              <p:pRg st="0" end="0"/>
+                                            </p:txEl>
+                                          </p:spTgt>
+                                        </p:tgtEl>
+                                        <p:attrNameLst>
+                                          <p:attrName>ppt_x</p:attrName>
+                                        </p:attrNameLst>
+                                      </p:cBhvr>
+                                      <p:tavLst>
+                                        <p:tav tm="0">
+                                          <p:val>
+                                            <p:strVal val="ppt_x"/>
+                                          </p:val>
+                                        </p:tav>
+                                        <p:tav tm="100000">
+                                          <p:val>
+                                            <p:strVal val="ppt_x"/>
+                                          </p:val>
+                                        </p:tav>
+                                      </p:tavLst>
+                                    </p:anim>
+                                    <p:anim calcmode="lin" valueType="num">
+                                      <p:cBhvr additive="base">
+                                        <p:cTn id="12" dur="500"/>
+                                        <p:tgtEl>
+                                          <p:spTgt spid="10">
+                                            <p:txEl>
+                                              <p:pRg st="0" end="0"/>
+                                            </p:txEl>
+                                          </p:spTgt>
+                                        </p:tgtEl>
+                                        <p:attrNameLst>
+                                          <p:attrName>ppt_y</p:attrName>
+                                        </p:attrNameLst>
+                                      </p:cBhvr>
+                                      <p:tavLst>
+                                        <p:tav tm="0">
+                                          <p:val>
+                                            <p:strVal val="ppt_y"/>
+                                          </p:val>
+                                        </p:tav>
+                                        <p:tav tm="100000">
+                                          <p:val>
+                                            <p:strVal val="1+ppt_h/2"/>
+                                          </p:val>
+                                        </p:tav>
+                                      </p:tavLst>
+                                    </p:anim>
+                                    <p:set>
+                                      <p:cBhvr>
+                                        <p:cTn id="13" dur="1" fill="hold">
+                                          <p:stCondLst>
+                                            <p:cond delay="499"/>
+                                          </p:stCondLst>
+                                        </p:cTn>
+                                        <p:tgtEl>
+                                          <p:spTgt spid="10">
+                                            <p:txEl>
+                                              <p:pRg st="0" end="0"/>
+                                            </p:txEl>
+                                          </p:spTgt>
+                                        </p:tgtEl>
+                                        <p:attrNameLst>
+                                          <p:attrName>style.visibility</p:attrName>
+                                        </p:attrNameLst>
+                                      </p:cBhvr>
+                                      <p:to>
+                                        <p:strVal val="hidden"/>
+                                      </p:to>
+                                    </p:set>
+                                  </p:childTnLst>
+                                </p:cTn>
+                              </p:par>
+                              <p:par>
+                                <p:cTn id="14" presetID="10" presetClass="entr" presetSubtype="0" fill="hold" grpId="0" nodeType="withEffect">
+                                  <p:stCondLst>
+                                    <p:cond delay="0"/>
+                                  </p:stCondLst>
+                                  <p:childTnLst>
+                                    <p:set>
+                                      <p:cBhvr>
+                                        <p:cTn id="15" dur="1" fill="hold">
+                                          <p:stCondLst>
+                                            <p:cond delay="0"/>
+                                          </p:stCondLst>
+                                        </p:cTn>
+                                        <p:tgtEl>
+                                          <p:spTgt spid="13"/>
+                                        </p:tgtEl>
+                                        <p:attrNameLst>
+                                          <p:attrName>style.visibility</p:attrName>
+                                        </p:attrNameLst>
+                                      </p:cBhvr>
+                                      <p:to>
+                                        <p:strVal val="visible"/>
+                                      </p:to>
+                                    </p:set>
+                                    <p:animEffect transition="in" filter="fade">
+                                      <p:cBhvr>
+                                        <p:cTn id="16" dur="500"/>
+                                        <p:tgtEl>
+                                          <p:spTgt spid="13"/>
+                                        </p:tgtEl>
+                                      </p:cBhvr>
+                                    </p:animEffect>
+                                  </p:childTnLst>
+                                </p:cTn>
+                              </p:par>
+                            </p:childTnLst>
+                          </p:cTn>
+                        </p:par>
+                      </p:childTnLst>
+                    </p:cTn>
+                  </p:par>
+                </p:childTnLst>
+              </p:cTn>
+              <p:prevCondLst>
+                <p:cond evt="onPrev" delay="0">
+                  <p:tgtEl>
+                    <p:sldTgt/>
+                  </p:tgtEl>
+                </p:cond>
+              </p:prevCondLst>
+              <p:nextCondLst>
+                <p:cond evt="onNext" delay="0">
+                  <p:tgtEl>
+                    <p:sldTgt/>
+                  </p:tgtEl>
+                </p:cond>
+              </p:nextCondLst>
+            </p:seq>
+          </p:childTnLst>
+        </p:cTn>
+      </p:par>
+    </p:tnLst>
+    <p:bldLst>
+      <p:bldP spid="10" grpId="0" build="p"/>
+      <p:bldP spid="10" grpId="1" build="p"/>
+      <p:bldP spid="13" grpId="0"/>
+    </p:bldLst>
+  </p:timing>
+</p:sld>
+</file>
+
+<file path=ppt/slides/slide14.xml><?xml version="1.0" encoding="utf-8"?>
+<p:sld xmlns:a="http://schemas.openxmlformats.org/drawingml/2006/main" xmlns:r="http://schemas.openxmlformats.org/officeDocument/2006/relationships" xmlns:p="http://schemas.openxmlformats.org/presentationml/2006/main">
+  <p:cSld>
+    <p:spTree>
+      <p:nvGrpSpPr>
+        <p:cNvPr id="1" name=""/>
+        <p:cNvGrpSpPr/>
+        <p:nvPr/>
+      </p:nvGrpSpPr>
+      <p:grpSpPr>
+        <a:xfrm>
+          <a:off x="0" y="0"/>
+          <a:ext cx="0" cy="0"/>
+          <a:chOff x="0" y="0"/>
+          <a:chExt cx="0" cy="0"/>
+        </a:xfrm>
+      </p:grpSpPr>
+      <p:sp>
+        <p:nvSpPr>
+          <p:cNvPr id="3" name="Content Placeholder 2"/>
+          <p:cNvSpPr>
+            <a:spLocks noGrp="1"/>
+          </p:cNvSpPr>
+          <p:nvPr>
+            <p:ph idx="1"/>
+          </p:nvPr>
+        </p:nvSpPr>
+        <p:spPr/>
+        <p:txBody>
+          <a:bodyPr>
+            <a:normAutofit/>
+          </a:bodyPr>
+          <a:lstStyle/>
+          <a:p>
+            <a:pPr marL="0" indent="0">
+              <a:buNone/>
+            </a:pPr>
+            <a:r>
+              <a:rPr lang="en-GB" sz="3300" dirty="0" smtClean="0">
+                <a:solidFill>
+                  <a:schemeClr val="accent1"/>
+                </a:solidFill>
+              </a:rPr>
+              <a:t>Success</a:t>
+            </a:r>
+          </a:p>
+          <a:p>
+            <a:r>
+              <a:rPr lang="en-GB" sz="2000" dirty="0" smtClean="0"/>
+              <a:t>Successfully implemented the tool</a:t>
+            </a:r>
+          </a:p>
+          <a:p>
+            <a:r>
+              <a:rPr lang="en-GB" sz="2000" dirty="0" smtClean="0"/>
+              <a:t>Submitted a paper to the TACAS conference</a:t>
+            </a:r>
+          </a:p>
+          <a:p>
+            <a:pPr marL="0" indent="0">
+              <a:buNone/>
+            </a:pPr>
+            <a:endParaRPr lang="en-GB" sz="2000" dirty="0" smtClean="0"/>
+          </a:p>
+          <a:p>
+            <a:pPr marL="0" indent="0">
+              <a:buNone/>
+            </a:pPr>
+            <a:r>
+              <a:rPr lang="en-GB" sz="3300" dirty="0" smtClean="0">
+                <a:solidFill>
+                  <a:schemeClr val="accent1"/>
+                </a:solidFill>
+              </a:rPr>
+              <a:t>But…</a:t>
+            </a:r>
+          </a:p>
+          <a:p>
+            <a:r>
+              <a:rPr lang="en-GB" sz="2000" dirty="0" err="1" smtClean="0"/>
+              <a:t>Tacny</a:t>
+            </a:r>
+            <a:r>
+              <a:rPr lang="en-GB" sz="2000" dirty="0" smtClean="0"/>
+              <a:t> is slow</a:t>
+            </a:r>
+          </a:p>
+          <a:p>
+            <a:r>
+              <a:rPr lang="en-GB" sz="2000" dirty="0" smtClean="0"/>
+              <a:t>Requires a lot of memory to run</a:t>
+            </a:r>
+          </a:p>
+          <a:p>
+            <a:endParaRPr lang="en-GB" sz="2000" dirty="0"/>
+          </a:p>
+        </p:txBody>
+      </p:sp>
+      <p:sp>
+        <p:nvSpPr>
+          <p:cNvPr id="4" name="Title 1"/>
+          <p:cNvSpPr>
+            <a:spLocks noGrp="1"/>
+          </p:cNvSpPr>
+          <p:nvPr>
+            <p:ph type="title"/>
+          </p:nvPr>
+        </p:nvSpPr>
+        <p:spPr>
+          <a:xfrm>
+            <a:off x="677334" y="609600"/>
+            <a:ext cx="8596668" cy="1320800"/>
+          </a:xfrm>
+        </p:spPr>
+        <p:txBody>
+          <a:bodyPr>
+            <a:normAutofit/>
+          </a:bodyPr>
+          <a:lstStyle/>
+          <a:p>
+            <a:r>
+              <a:rPr lang="en-GB" sz="4000" dirty="0" smtClean="0"/>
+              <a:t>The </a:t>
+            </a:r>
+            <a:r>
+              <a:rPr lang="en-GB" sz="4000" dirty="0" err="1" smtClean="0"/>
+              <a:t>Tacny</a:t>
+            </a:r>
+            <a:r>
+              <a:rPr lang="en-GB" sz="4000" dirty="0" smtClean="0"/>
+              <a:t> Project</a:t>
+            </a:r>
+            <a:r>
+              <a:rPr lang="en-GB" dirty="0" smtClean="0"/>
+              <a:t/>
+            </a:r>
+            <a:br>
+              <a:rPr lang="en-GB" dirty="0" smtClean="0"/>
+            </a:br>
+            <a:r>
+              <a:rPr lang="en-GB" sz="3300" dirty="0" smtClean="0"/>
+              <a:t>Outcome</a:t>
+            </a:r>
+            <a:endParaRPr lang="en-GB" sz="2800" b="1" dirty="0">
+              <a:solidFill>
+                <a:schemeClr val="accent4"/>
+              </a:solidFill>
+            </a:endParaRPr>
+          </a:p>
+        </p:txBody>
+      </p:sp>
+    </p:spTree>
+    <p:extLst>
+      <p:ext uri="{BB962C8B-B14F-4D97-AF65-F5344CB8AC3E}">
+        <p14:creationId xmlns:p14="http://schemas.microsoft.com/office/powerpoint/2010/main" val="1101124334"/>
+      </p:ext>
+    </p:extLst>
+  </p:cSld>
+  <p:clrMapOvr>
+    <a:masterClrMapping/>
+  </p:clrMapOvr>
+  <p:timing>
+    <p:tnLst>
+      <p:par>
+        <p:cTn id="1" dur="indefinite" restart="never" nodeType="tmRoot">
+          <p:childTnLst>
+            <p:seq concurrent="1" nextAc="seek">
+              <p:cTn id="2" dur="indefinite" nodeType="mainSeq">
+                <p:childTnLst>
+                  <p:par>
+                    <p:cTn id="3" fill="hold">
+                      <p:stCondLst>
+                        <p:cond delay="indefinite"/>
+                      </p:stCondLst>
+                      <p:childTnLst>
+                        <p:par>
+                          <p:cTn id="4" fill="hold">
+                            <p:stCondLst>
+                              <p:cond delay="0"/>
+                            </p:stCondLst>
+                            <p:childTnLst>
+                              <p:par>
+                                <p:cTn id="5" presetID="1" presetClass="entr" presetSubtype="0" fill="hold" nodeType="clickEffect">
+                                  <p:stCondLst>
+                                    <p:cond delay="0"/>
+                                  </p:stCondLst>
+                                  <p:childTnLst>
+                                    <p:set>
+                                      <p:cBhvr>
+                                        <p:cTn id="6" dur="1" fill="hold">
+                                          <p:stCondLst>
+                                            <p:cond delay="0"/>
+                                          </p:stCondLst>
+                                        </p:cTn>
+                                        <p:tgtEl>
+                                          <p:spTgt spid="3">
+                                            <p:txEl>
+                                              <p:pRg st="0" end="0"/>
+                                            </p:txEl>
+                                          </p:spTgt>
+                                        </p:tgtEl>
+                                        <p:attrNameLst>
+                                          <p:attrName>style.visibility</p:attrName>
+                                        </p:attrNameLst>
+                                      </p:cBhvr>
+                                      <p:to>
+                                        <p:strVal val="visible"/>
+                                      </p:to>
+                                    </p:set>
+                                  </p:childTnLst>
+                                </p:cTn>
+                              </p:par>
+                            </p:childTnLst>
+                          </p:cTn>
+                        </p:par>
+                      </p:childTnLst>
+                    </p:cTn>
+                  </p:par>
+                  <p:par>
+                    <p:cTn id="7" fill="hold">
+                      <p:stCondLst>
+                        <p:cond delay="indefinite"/>
+                      </p:stCondLst>
+                      <p:childTnLst>
+                        <p:par>
+                          <p:cTn id="8" fill="hold">
+                            <p:stCondLst>
+                              <p:cond delay="0"/>
+                            </p:stCondLst>
+                            <p:childTnLst>
+                              <p:par>
+                                <p:cTn id="9" presetID="1" presetClass="entr" presetSubtype="0" fill="hold" nodeType="clickEffect">
+                                  <p:stCondLst>
+                                    <p:cond delay="0"/>
+                                  </p:stCondLst>
+                                  <p:childTnLst>
+                                    <p:set>
+                                      <p:cBhvr>
+                                        <p:cTn id="10" dur="1" fill="hold">
+                                          <p:stCondLst>
+                                            <p:cond delay="0"/>
+                                          </p:stCondLst>
+                                        </p:cTn>
+                                        <p:tgtEl>
+                                          <p:spTgt spid="3">
+                                            <p:txEl>
+                                              <p:pRg st="1" end="1"/>
+                                            </p:txEl>
+                                          </p:spTgt>
+                                        </p:tgtEl>
+                                        <p:attrNameLst>
+                                          <p:attrName>style.visibility</p:attrName>
+                                        </p:attrNameLst>
+                                      </p:cBhvr>
+                                      <p:to>
+                                        <p:strVal val="visible"/>
+                                      </p:to>
+                                    </p:set>
+                                  </p:childTnLst>
+                                </p:cTn>
+                              </p:par>
+                              <p:par>
+                                <p:cTn id="11" presetID="1" presetClass="entr" presetSubtype="0" fill="hold" nodeType="withEffect">
+                                  <p:stCondLst>
+                                    <p:cond delay="0"/>
+                                  </p:stCondLst>
+                                  <p:childTnLst>
+                                    <p:set>
+                                      <p:cBhvr>
+                                        <p:cTn id="12" dur="1" fill="hold">
+                                          <p:stCondLst>
+                                            <p:cond delay="0"/>
+                                          </p:stCondLst>
+                                        </p:cTn>
+                                        <p:tgtEl>
+                                          <p:spTgt spid="3">
+                                            <p:txEl>
+                                              <p:pRg st="2" end="2"/>
+                                            </p:txEl>
+                                          </p:spTgt>
+                                        </p:tgtEl>
+                                        <p:attrNameLst>
+                                          <p:attrName>style.visibility</p:attrName>
+                                        </p:attrNameLst>
+                                      </p:cBhvr>
+                                      <p:to>
+                                        <p:strVal val="visible"/>
+                                      </p:to>
+                                    </p:set>
+                                  </p:childTnLst>
+                                </p:cTn>
+                              </p:par>
+                            </p:childTnLst>
+                          </p:cTn>
+                        </p:par>
+                      </p:childTnLst>
+                    </p:cTn>
+                  </p:par>
+                  <p:par>
+                    <p:cTn id="13" fill="hold">
+                      <p:stCondLst>
+                        <p:cond delay="indefinite"/>
+                      </p:stCondLst>
+                      <p:childTnLst>
+                        <p:par>
+                          <p:cTn id="14" fill="hold">
+                            <p:stCondLst>
+                              <p:cond delay="0"/>
+                            </p:stCondLst>
+                            <p:childTnLst>
+                              <p:par>
+                                <p:cTn id="15" presetID="1" presetClass="entr" presetSubtype="0" fill="hold" nodeType="clickEffect">
+                                  <p:stCondLst>
+                                    <p:cond delay="0"/>
+                                  </p:stCondLst>
+                                  <p:childTnLst>
+                                    <p:set>
+                                      <p:cBhvr>
+                                        <p:cTn id="16" dur="1" fill="hold">
+                                          <p:stCondLst>
+                                            <p:cond delay="0"/>
+                                          </p:stCondLst>
+                                        </p:cTn>
+                                        <p:tgtEl>
+                                          <p:spTgt spid="3">
+                                            <p:txEl>
+                                              <p:pRg st="4" end="4"/>
+                                            </p:txEl>
+                                          </p:spTgt>
+                                        </p:tgtEl>
+                                        <p:attrNameLst>
+                                          <p:attrName>style.visibility</p:attrName>
+                                        </p:attrNameLst>
+                                      </p:cBhvr>
+                                      <p:to>
+                                        <p:strVal val="visible"/>
+                                      </p:to>
+                                    </p:set>
+                                  </p:childTnLst>
+                                </p:cTn>
+                              </p:par>
+                            </p:childTnLst>
+                          </p:cTn>
+                        </p:par>
+                      </p:childTnLst>
+                    </p:cTn>
+                  </p:par>
+                  <p:par>
+                    <p:cTn id="17" fill="hold">
+                      <p:stCondLst>
+                        <p:cond delay="indefinite"/>
+                      </p:stCondLst>
+                      <p:childTnLst>
+                        <p:par>
+                          <p:cTn id="18" fill="hold">
+                            <p:stCondLst>
+                              <p:cond delay="0"/>
+                            </p:stCondLst>
+                            <p:childTnLst>
+                              <p:par>
+                                <p:cTn id="19" presetID="1" presetClass="entr" presetSubtype="0" fill="hold" nodeType="clickEffect">
+                                  <p:stCondLst>
+                                    <p:cond delay="0"/>
+                                  </p:stCondLst>
+                                  <p:childTnLst>
+                                    <p:set>
+                                      <p:cBhvr>
+                                        <p:cTn id="20" dur="1" fill="hold">
+                                          <p:stCondLst>
+                                            <p:cond delay="0"/>
+                                          </p:stCondLst>
+                                        </p:cTn>
+                                        <p:tgtEl>
+                                          <p:spTgt spid="3">
+                                            <p:txEl>
+                                              <p:pRg st="5" end="5"/>
+                                            </p:txEl>
+                                          </p:spTgt>
+                                        </p:tgtEl>
+                                        <p:attrNameLst>
+                                          <p:attrName>style.visibility</p:attrName>
+                                        </p:attrNameLst>
+                                      </p:cBhvr>
+                                      <p:to>
+                                        <p:strVal val="visible"/>
+                                      </p:to>
+                                    </p:set>
+                                  </p:childTnLst>
+                                </p:cTn>
+                              </p:par>
+                              <p:par>
+                                <p:cTn id="21" presetID="1" presetClass="entr" presetSubtype="0" fill="hold" nodeType="withEffect">
+                                  <p:stCondLst>
+                                    <p:cond delay="0"/>
+                                  </p:stCondLst>
+                                  <p:childTnLst>
+                                    <p:set>
+                                      <p:cBhvr>
+                                        <p:cTn id="22" dur="1" fill="hold">
+                                          <p:stCondLst>
+                                            <p:cond delay="0"/>
+                                          </p:stCondLst>
+                                        </p:cTn>
+                                        <p:tgtEl>
+                                          <p:spTgt spid="3">
+                                            <p:txEl>
+                                              <p:pRg st="6" end="6"/>
+                                            </p:txEl>
+                                          </p:spTgt>
+                                        </p:tgtEl>
+                                        <p:attrNameLst>
+                                          <p:attrName>style.visibility</p:attrName>
+                                        </p:attrNameLst>
+                                      </p:cBhvr>
+                                      <p:to>
+                                        <p:strVal val="visible"/>
+                                      </p:to>
+                                    </p:set>
+                                  </p:childTnLst>
+                                </p:cTn>
+                              </p:par>
+                            </p:childTnLst>
+                          </p:cTn>
+                        </p:par>
+                      </p:childTnLst>
+                    </p:cTn>
+                  </p:par>
+                </p:childTnLst>
+              </p:cTn>
+              <p:prevCondLst>
+                <p:cond evt="onPrev" delay="0">
+                  <p:tgtEl>
+                    <p:sldTgt/>
+                  </p:tgtEl>
+                </p:cond>
+              </p:prevCondLst>
+              <p:nextCondLst>
+                <p:cond evt="onNext" delay="0">
+                  <p:tgtEl>
+                    <p:sldTgt/>
+                  </p:tgtEl>
+                </p:cond>
+              </p:nextCondLst>
+            </p:seq>
+          </p:childTnLst>
+        </p:cTn>
+      </p:par>
+    </p:tnLst>
+  </p:timing>
+</p:sld>
+</file>
+
+<file path=ppt/slides/slide15.xml><?xml version="1.0" encoding="utf-8"?>
+<p:sld xmlns:a="http://schemas.openxmlformats.org/drawingml/2006/main" xmlns:r="http://schemas.openxmlformats.org/officeDocument/2006/relationships" xmlns:p="http://schemas.openxmlformats.org/presentationml/2006/main">
+  <p:cSld>
+    <p:spTree>
+      <p:nvGrpSpPr>
+        <p:cNvPr id="1" name=""/>
+        <p:cNvGrpSpPr/>
+        <p:nvPr/>
+      </p:nvGrpSpPr>
+      <p:grpSpPr>
+        <a:xfrm>
+          <a:off x="0" y="0"/>
+          <a:ext cx="0" cy="0"/>
+          <a:chOff x="0" y="0"/>
+          <a:chExt cx="0" cy="0"/>
+        </a:xfrm>
+      </p:grpSpPr>
+      <p:sp>
+        <p:nvSpPr>
+          <p:cNvPr id="6" name="TextBox 5"/>
+          <p:cNvSpPr txBox="1"/>
+          <p:nvPr/>
+        </p:nvSpPr>
+        <p:spPr>
+          <a:xfrm>
+            <a:off x="2671483" y="2707341"/>
+            <a:ext cx="5460149" cy="1323439"/>
+          </a:xfrm>
+          <a:prstGeom prst="rect">
+            <a:avLst/>
+          </a:prstGeom>
+          <a:noFill/>
+        </p:spPr>
+        <p:txBody>
+          <a:bodyPr wrap="none" rtlCol="0">
+            <a:spAutoFit/>
+          </a:bodyPr>
+          <a:lstStyle/>
+          <a:p>
+            <a:r>
+              <a:rPr lang="en-GB" sz="4000" u="sng" dirty="0" smtClean="0">
+                <a:solidFill>
+                  <a:schemeClr val="accent4"/>
+                </a:solidFill>
+              </a:rPr>
+              <a:t>Thank you for listening</a:t>
+            </a:r>
+          </a:p>
+          <a:p>
+            <a:pPr algn="ctr"/>
+            <a:r>
+              <a:rPr lang="en-GB" sz="4000" smtClean="0">
+                <a:solidFill>
+                  <a:schemeClr val="accent1"/>
+                </a:solidFill>
+              </a:rPr>
+              <a:t>Questions</a:t>
+            </a:r>
+            <a:r>
+              <a:rPr lang="en-GB" sz="4000" dirty="0" smtClean="0">
+                <a:solidFill>
+                  <a:schemeClr val="accent1"/>
+                </a:solidFill>
+              </a:rPr>
+              <a:t>?</a:t>
+            </a:r>
+            <a:endParaRPr lang="en-GB" sz="4000" dirty="0">
+              <a:solidFill>
+                <a:schemeClr val="accent1"/>
+              </a:solidFill>
+            </a:endParaRPr>
+          </a:p>
+        </p:txBody>
+      </p:sp>
+    </p:spTree>
+    <p:extLst>
+      <p:ext uri="{BB962C8B-B14F-4D97-AF65-F5344CB8AC3E}">
+        <p14:creationId xmlns:p14="http://schemas.microsoft.com/office/powerpoint/2010/main" val="3134027201"/>
+      </p:ext>
+    </p:extLst>
+  </p:cSld>
+  <p:clrMapOvr>
+    <a:masterClrMapping/>
+  </p:clrMapOvr>
+  <p:timing>
+    <p:tnLst>
+      <p:par>
+        <p:cTn id="1" dur="indefinite" restart="never" nodeType="tmRoot"/>
+      </p:par>
+    </p:tnLst>
+  </p:timing>
 </p:sld>
 </file>
 
@@ -6535,160 +10841,67 @@
           <a:p>
             <a:r>
               <a:rPr lang="en-GB" dirty="0" smtClean="0"/>
-              <a:t>The </a:t>
-            </a:r>
-            <a:r>
-              <a:rPr lang="en-GB" dirty="0" err="1" smtClean="0"/>
-              <a:t>Tacny</a:t>
-            </a:r>
-            <a:r>
-              <a:rPr lang="en-GB" dirty="0" smtClean="0"/>
-              <a:t> Project</a:t>
+              <a:t>Program Verification</a:t>
             </a:r>
             <a:endParaRPr lang="en-GB" dirty="0"/>
           </a:p>
         </p:txBody>
       </p:sp>
-      <p:sp>
-        <p:nvSpPr>
-          <p:cNvPr id="3" name="Content Placeholder 2"/>
-          <p:cNvSpPr>
-            <a:spLocks noGrp="1"/>
-          </p:cNvSpPr>
-          <p:nvPr>
-            <p:ph idx="1"/>
-          </p:nvPr>
-        </p:nvSpPr>
-        <p:spPr/>
-        <p:txBody>
-          <a:bodyPr>
-            <a:normAutofit lnSpcReduction="10000"/>
-          </a:bodyPr>
-          <a:lstStyle/>
-          <a:p>
-            <a:r>
-              <a:rPr lang="en-GB" dirty="0" smtClean="0"/>
-              <a:t>Targeted at </a:t>
-            </a:r>
-            <a:r>
-              <a:rPr lang="en-GB" dirty="0" err="1" smtClean="0"/>
-              <a:t>Dafny</a:t>
-            </a:r>
-            <a:r>
-              <a:rPr lang="en-GB" dirty="0" smtClean="0"/>
-              <a:t> programming language and program verifier</a:t>
-            </a:r>
-          </a:p>
-          <a:p>
-            <a:r>
-              <a:rPr lang="en-GB" dirty="0" smtClean="0"/>
-              <a:t>Abstract proof patterns by encoding them with </a:t>
-            </a:r>
-            <a:r>
-              <a:rPr lang="en-GB" i="1" dirty="0" smtClean="0"/>
-              <a:t>tactics</a:t>
-            </a:r>
-          </a:p>
-          <a:p>
-            <a:r>
-              <a:rPr lang="en-GB" dirty="0" smtClean="0"/>
-              <a:t>Advantages of </a:t>
-            </a:r>
-            <a:r>
-              <a:rPr lang="en-GB" i="1" dirty="0" err="1" smtClean="0"/>
-              <a:t>tacny</a:t>
-            </a:r>
-            <a:r>
-              <a:rPr lang="en-GB" dirty="0" smtClean="0"/>
-              <a:t> are:</a:t>
-            </a:r>
-          </a:p>
-          <a:p>
-            <a:pPr lvl="1"/>
-            <a:r>
-              <a:rPr lang="en-GB" b="1" u="sng" dirty="0" smtClean="0"/>
-              <a:t>Reuse</a:t>
-            </a:r>
-            <a:r>
-              <a:rPr lang="en-GB" dirty="0" smtClean="0"/>
-              <a:t> verification patterns, meaning reduced development time</a:t>
-            </a:r>
-          </a:p>
-          <a:p>
-            <a:pPr lvl="1"/>
-            <a:r>
-              <a:rPr lang="en-GB" dirty="0" smtClean="0"/>
-              <a:t>Increase code </a:t>
-            </a:r>
-            <a:r>
-              <a:rPr lang="en-GB" b="1" u="sng" dirty="0" smtClean="0"/>
-              <a:t>readability</a:t>
-            </a:r>
-            <a:r>
-              <a:rPr lang="en-GB" b="1" dirty="0" smtClean="0"/>
-              <a:t> </a:t>
-            </a:r>
-            <a:r>
-              <a:rPr lang="en-GB" dirty="0" smtClean="0"/>
-              <a:t>by hiding low-level proof guidance in the tactics</a:t>
-            </a:r>
-          </a:p>
-          <a:p>
-            <a:pPr lvl="1"/>
-            <a:r>
-              <a:rPr lang="en-GB" dirty="0" smtClean="0"/>
-              <a:t>Potentially, </a:t>
-            </a:r>
-            <a:r>
-              <a:rPr lang="en-GB" b="1" u="sng" dirty="0" smtClean="0"/>
-              <a:t>simplify </a:t>
-            </a:r>
-            <a:r>
-              <a:rPr lang="en-GB" dirty="0" smtClean="0"/>
-              <a:t>the program verification process, thus reducing project costs</a:t>
-            </a:r>
-          </a:p>
-          <a:p>
-            <a:endParaRPr lang="en-GB" dirty="0" smtClean="0"/>
-          </a:p>
-          <a:p>
-            <a:r>
-              <a:rPr lang="en-GB" dirty="0" smtClean="0"/>
-              <a:t>Hired as Research Assistant at Heriot-Watt University </a:t>
-            </a:r>
-          </a:p>
-          <a:p>
-            <a:r>
-              <a:rPr lang="en-GB" dirty="0" smtClean="0"/>
-              <a:t>Over the summer designed and Implemented the </a:t>
-            </a:r>
-            <a:r>
-              <a:rPr lang="en-GB" i="1" dirty="0" err="1" smtClean="0"/>
-              <a:t>Tacny</a:t>
-            </a:r>
-            <a:r>
-              <a:rPr lang="en-GB" dirty="0" smtClean="0"/>
-              <a:t> tool prototype</a:t>
-            </a:r>
-          </a:p>
-          <a:p>
-            <a:r>
-              <a:rPr lang="en-GB" dirty="0" smtClean="0"/>
-              <a:t>Continuing to develop the tool</a:t>
-            </a:r>
-          </a:p>
-        </p:txBody>
-      </p:sp>
+      <p:pic>
+        <p:nvPicPr>
+          <p:cNvPr id="5" name="Picture 4"/>
+          <p:cNvPicPr>
+            <a:picLocks noChangeAspect="1"/>
+          </p:cNvPicPr>
+          <p:nvPr/>
+        </p:nvPicPr>
+        <p:blipFill>
+          <a:blip r:embed="rId3">
+            <a:extLst>
+              <a:ext uri="{28A0092B-C50C-407E-A947-70E740481C1C}">
+                <a14:useLocalDpi xmlns:a14="http://schemas.microsoft.com/office/drawing/2010/main" val="0"/>
+              </a:ext>
+            </a:extLst>
+          </a:blip>
+          <a:stretch>
+            <a:fillRect/>
+          </a:stretch>
+        </p:blipFill>
+        <p:spPr>
+          <a:xfrm>
+            <a:off x="677334" y="1615887"/>
+            <a:ext cx="5813114" cy="5209567"/>
+          </a:xfrm>
+          <a:prstGeom prst="rect">
+            <a:avLst/>
+          </a:prstGeom>
+        </p:spPr>
+      </p:pic>
     </p:spTree>
     <p:extLst>
       <p:ext uri="{BB962C8B-B14F-4D97-AF65-F5344CB8AC3E}">
-        <p14:creationId xmlns:p14="http://schemas.microsoft.com/office/powerpoint/2010/main" val="2979030294"/>
+        <p14:creationId xmlns:p14="http://schemas.microsoft.com/office/powerpoint/2010/main" val="3151094911"/>
       </p:ext>
     </p:extLst>
   </p:cSld>
   <p:clrMapOvr>
     <a:masterClrMapping/>
   </p:clrMapOvr>
+  <mc:AlternateContent xmlns:mc="http://schemas.openxmlformats.org/markup-compatibility/2006">
+    <mc:Choice xmlns:p14="http://schemas.microsoft.com/office/powerpoint/2010/main" Requires="p14">
+      <p:transition spd="slow" p14:dur="2000"/>
+    </mc:Choice>
+    <mc:Fallback>
+      <p:transition spd="slow"/>
+    </mc:Fallback>
+  </mc:AlternateContent>
+  <p:timing>
+    <p:tnLst>
+      <p:par>
+        <p:cTn id="1" dur="indefinite" restart="never" nodeType="tmRoot"/>
+      </p:par>
+    </p:tnLst>
+  </p:timing>
 </p:sld>
 </file>
 
@@ -6719,108 +10932,192 @@
             <p:ph type="title"/>
           </p:nvPr>
         </p:nvSpPr>
-        <p:spPr/>
+        <p:spPr>
+          <a:xfrm>
+            <a:off x="677334" y="609600"/>
+            <a:ext cx="8596668" cy="681318"/>
+          </a:xfrm>
+        </p:spPr>
         <p:txBody>
           <a:bodyPr/>
           <a:lstStyle/>
           <a:p>
             <a:r>
               <a:rPr lang="en-GB" dirty="0" smtClean="0"/>
-              <a:t>The </a:t>
-            </a:r>
-            <a:r>
-              <a:rPr lang="en-GB" dirty="0" err="1" smtClean="0"/>
-              <a:t>Tacny</a:t>
-            </a:r>
-            <a:r>
-              <a:rPr lang="en-GB" dirty="0" smtClean="0"/>
-              <a:t> Project</a:t>
-            </a:r>
-            <a:br>
-              <a:rPr lang="en-GB" dirty="0" smtClean="0"/>
-            </a:br>
-            <a:r>
-              <a:rPr lang="en-GB" sz="3000" dirty="0" smtClean="0"/>
-              <a:t>Requirements</a:t>
-            </a:r>
-            <a:endParaRPr lang="en-GB" sz="3000" dirty="0"/>
-          </a:p>
-        </p:txBody>
-      </p:sp>
-      <p:sp>
-        <p:nvSpPr>
-          <p:cNvPr id="3" name="Content Placeholder 2"/>
-          <p:cNvSpPr>
-            <a:spLocks noGrp="1"/>
-          </p:cNvSpPr>
-          <p:nvPr>
-            <p:ph idx="1"/>
-          </p:nvPr>
-        </p:nvSpPr>
-        <p:spPr/>
-        <p:txBody>
-          <a:bodyPr/>
+              <a:t>Program Verification</a:t>
+            </a:r>
+            <a:endParaRPr lang="en-GB" dirty="0"/>
+          </a:p>
+        </p:txBody>
+      </p:sp>
+      <p:sp>
+        <p:nvSpPr>
+          <p:cNvPr id="3" name="TextBox 2"/>
+          <p:cNvSpPr txBox="1"/>
+          <p:nvPr/>
+        </p:nvSpPr>
+        <p:spPr>
+          <a:xfrm>
+            <a:off x="677334" y="1559859"/>
+            <a:ext cx="8251513" cy="477054"/>
+          </a:xfrm>
+          <a:prstGeom prst="rect">
+            <a:avLst/>
+          </a:prstGeom>
+          <a:noFill/>
+        </p:spPr>
+        <p:txBody>
+          <a:bodyPr wrap="square" rtlCol="0">
+            <a:spAutoFit/>
+          </a:bodyPr>
           <a:lstStyle/>
           <a:p>
             <a:r>
-              <a:rPr lang="en-GB" dirty="0" smtClean="0"/>
-              <a:t>Work in </a:t>
-            </a:r>
-            <a:r>
-              <a:rPr lang="en-GB" dirty="0" err="1" smtClean="0"/>
-              <a:t>Dafny</a:t>
-            </a:r>
-            <a:r>
-              <a:rPr lang="en-GB" dirty="0" smtClean="0"/>
-              <a:t> program text and reuse of </a:t>
-            </a:r>
-            <a:r>
-              <a:rPr lang="en-GB" dirty="0" err="1" smtClean="0"/>
-              <a:t>Dafny</a:t>
-            </a:r>
-            <a:r>
-              <a:rPr lang="en-GB" dirty="0" smtClean="0"/>
-              <a:t> constructs</a:t>
-            </a:r>
-          </a:p>
-          <a:p>
-            <a:r>
-              <a:rPr lang="en-GB" dirty="0" smtClean="0"/>
-              <a:t>Correctness: The tool must not change neither the program nor it’s specification</a:t>
-            </a:r>
-          </a:p>
-          <a:p>
-            <a:r>
-              <a:rPr lang="en-GB" dirty="0" smtClean="0"/>
-              <a:t>Generated </a:t>
-            </a:r>
-            <a:r>
-              <a:rPr lang="en-GB" dirty="0" err="1" smtClean="0"/>
-              <a:t>Dafny</a:t>
-            </a:r>
-            <a:r>
-              <a:rPr lang="en-GB" dirty="0" smtClean="0"/>
-              <a:t> code must be checkable </a:t>
-            </a:r>
-          </a:p>
-          <a:p>
-            <a:r>
-              <a:rPr lang="en-GB" dirty="0" smtClean="0"/>
-              <a:t>Tactics should reduce annotation overhead</a:t>
-            </a:r>
-          </a:p>
-        </p:txBody>
-      </p:sp>
+              <a:rPr lang="en-GB" sz="2500" b="1" dirty="0" smtClean="0">
+                <a:solidFill>
+                  <a:schemeClr val="accent4"/>
+                </a:solidFill>
+              </a:rPr>
+              <a:t>Economic Motives</a:t>
+            </a:r>
+            <a:endParaRPr lang="en-GB" sz="2500" b="1" dirty="0">
+              <a:solidFill>
+                <a:schemeClr val="accent4"/>
+              </a:solidFill>
+            </a:endParaRPr>
+          </a:p>
+        </p:txBody>
+      </p:sp>
+      <p:pic>
+        <p:nvPicPr>
+          <p:cNvPr id="8" name="Picture 7"/>
+          <p:cNvPicPr>
+            <a:picLocks noChangeAspect="1"/>
+          </p:cNvPicPr>
+          <p:nvPr/>
+        </p:nvPicPr>
+        <p:blipFill rotWithShape="1">
+          <a:blip r:embed="rId3">
+            <a:extLst>
+              <a:ext uri="{28A0092B-C50C-407E-A947-70E740481C1C}">
+                <a14:useLocalDpi xmlns:a14="http://schemas.microsoft.com/office/drawing/2010/main" val="0"/>
+              </a:ext>
+            </a:extLst>
+          </a:blip>
+          <a:srcRect b="9542"/>
+          <a:stretch/>
+        </p:blipFill>
+        <p:spPr>
+          <a:xfrm>
+            <a:off x="677334" y="2305854"/>
+            <a:ext cx="7750175" cy="3980609"/>
+          </a:xfrm>
+          <a:prstGeom prst="rect">
+            <a:avLst/>
+          </a:prstGeom>
+        </p:spPr>
+      </p:pic>
     </p:spTree>
     <p:extLst>
       <p:ext uri="{BB962C8B-B14F-4D97-AF65-F5344CB8AC3E}">
-        <p14:creationId xmlns:p14="http://schemas.microsoft.com/office/powerpoint/2010/main" val="711329246"/>
+        <p14:creationId xmlns:p14="http://schemas.microsoft.com/office/powerpoint/2010/main" val="438538320"/>
       </p:ext>
     </p:extLst>
   </p:cSld>
   <p:clrMapOvr>
     <a:masterClrMapping/>
   </p:clrMapOvr>
+  <mc:AlternateContent xmlns:mc="http://schemas.openxmlformats.org/markup-compatibility/2006">
+    <mc:Choice xmlns:p14="http://schemas.microsoft.com/office/powerpoint/2010/main" Requires="p14">
+      <p:transition spd="slow" p14:dur="2000"/>
+    </mc:Choice>
+    <mc:Fallback>
+      <p:transition spd="slow"/>
+    </mc:Fallback>
+  </mc:AlternateContent>
+  <p:timing>
+    <p:tnLst>
+      <p:par>
+        <p:cTn id="1" dur="indefinite" restart="never" nodeType="tmRoot">
+          <p:childTnLst>
+            <p:seq concurrent="1" nextAc="seek">
+              <p:cTn id="2" dur="indefinite" nodeType="mainSeq">
+                <p:childTnLst>
+                  <p:par>
+                    <p:cTn id="3" fill="hold">
+                      <p:stCondLst>
+                        <p:cond delay="indefinite"/>
+                      </p:stCondLst>
+                      <p:childTnLst>
+                        <p:par>
+                          <p:cTn id="4" fill="hold">
+                            <p:stCondLst>
+                              <p:cond delay="0"/>
+                            </p:stCondLst>
+                            <p:childTnLst>
+                              <p:par>
+                                <p:cTn id="5" presetID="10" presetClass="entr" presetSubtype="0" fill="hold" nodeType="clickEffect">
+                                  <p:stCondLst>
+                                    <p:cond delay="0"/>
+                                  </p:stCondLst>
+                                  <p:childTnLst>
+                                    <p:set>
+                                      <p:cBhvr>
+                                        <p:cTn id="6" dur="1" fill="hold">
+                                          <p:stCondLst>
+                                            <p:cond delay="0"/>
+                                          </p:stCondLst>
+                                        </p:cTn>
+                                        <p:tgtEl>
+                                          <p:spTgt spid="8"/>
+                                        </p:tgtEl>
+                                        <p:attrNameLst>
+                                          <p:attrName>style.visibility</p:attrName>
+                                        </p:attrNameLst>
+                                      </p:cBhvr>
+                                      <p:to>
+                                        <p:strVal val="visible"/>
+                                      </p:to>
+                                    </p:set>
+                                    <p:animEffect transition="in" filter="fade">
+                                      <p:cBhvr>
+                                        <p:cTn id="7" dur="500"/>
+                                        <p:tgtEl>
+                                          <p:spTgt spid="8"/>
+                                        </p:tgtEl>
+                                      </p:cBhvr>
+                                    </p:animEffect>
+                                  </p:childTnLst>
+                                </p:cTn>
+                              </p:par>
+                            </p:childTnLst>
+                          </p:cTn>
+                        </p:par>
+                      </p:childTnLst>
+                    </p:cTn>
+                  </p:par>
+                </p:childTnLst>
+              </p:cTn>
+              <p:prevCondLst>
+                <p:cond evt="onPrev" delay="0">
+                  <p:tgtEl>
+                    <p:sldTgt/>
+                  </p:tgtEl>
+                </p:cond>
+              </p:prevCondLst>
+              <p:nextCondLst>
+                <p:cond evt="onNext" delay="0">
+                  <p:tgtEl>
+                    <p:sldTgt/>
+                  </p:tgtEl>
+                </p:cond>
+              </p:nextCondLst>
+            </p:seq>
+          </p:childTnLst>
+        </p:cTn>
+      </p:par>
+    </p:tnLst>
+  </p:timing>
 </p:sld>
 </file>
 
@@ -6851,29 +11148,19 @@
             <p:ph type="title"/>
           </p:nvPr>
         </p:nvSpPr>
-        <p:spPr/>
+        <p:spPr>
+          <a:xfrm>
+            <a:off x="677334" y="609600"/>
+            <a:ext cx="8596668" cy="681318"/>
+          </a:xfrm>
+        </p:spPr>
         <p:txBody>
           <a:bodyPr/>
           <a:lstStyle/>
           <a:p>
             <a:r>
-              <a:rPr lang="en-GB" dirty="0"/>
-              <a:t>The </a:t>
-            </a:r>
-            <a:r>
-              <a:rPr lang="en-GB" dirty="0" err="1"/>
-              <a:t>Tacny</a:t>
-            </a:r>
-            <a:r>
-              <a:rPr lang="en-GB" dirty="0"/>
-              <a:t> Project</a:t>
-            </a:r>
-            <a:br>
-              <a:rPr lang="en-GB" dirty="0"/>
-            </a:br>
-            <a:r>
-              <a:rPr lang="en-GB" sz="3000" dirty="0" smtClean="0"/>
-              <a:t>Requirements</a:t>
+              <a:rPr lang="en-GB" dirty="0" smtClean="0"/>
+              <a:t>Program Verification</a:t>
             </a:r>
             <a:endParaRPr lang="en-GB" dirty="0"/>
           </a:p>
@@ -6881,33 +11168,1751 @@
       </p:sp>
       <p:sp>
         <p:nvSpPr>
-          <p:cNvPr id="3" name="Content Placeholder 2"/>
-          <p:cNvSpPr>
-            <a:spLocks noGrp="1"/>
-          </p:cNvSpPr>
-          <p:nvPr>
-            <p:ph idx="1"/>
-          </p:nvPr>
-        </p:nvSpPr>
-        <p:spPr/>
-        <p:txBody>
-          <a:bodyPr/>
+          <p:cNvPr id="3" name="TextBox 2"/>
+          <p:cNvSpPr txBox="1"/>
+          <p:nvPr/>
+        </p:nvSpPr>
+        <p:spPr>
+          <a:xfrm>
+            <a:off x="677334" y="1559859"/>
+            <a:ext cx="8251513" cy="477054"/>
+          </a:xfrm>
+          <a:prstGeom prst="rect">
+            <a:avLst/>
+          </a:prstGeom>
+          <a:noFill/>
+        </p:spPr>
+        <p:txBody>
+          <a:bodyPr wrap="square" rtlCol="0">
+            <a:spAutoFit/>
+          </a:bodyPr>
           <a:lstStyle/>
           <a:p>
-            <a:endParaRPr lang="en-GB"/>
+            <a:r>
+              <a:rPr lang="en-GB" sz="2500" b="1" dirty="0" smtClean="0">
+                <a:solidFill>
+                  <a:schemeClr val="accent4"/>
+                </a:solidFill>
+              </a:rPr>
+              <a:t>Safety Motive</a:t>
+            </a:r>
+            <a:endParaRPr lang="en-GB" sz="2500" b="1" dirty="0">
+              <a:solidFill>
+                <a:schemeClr val="accent4"/>
+              </a:solidFill>
+            </a:endParaRPr>
+          </a:p>
+        </p:txBody>
+      </p:sp>
+      <p:sp>
+        <p:nvSpPr>
+          <p:cNvPr id="4" name="TextBox 3"/>
+          <p:cNvSpPr txBox="1"/>
+          <p:nvPr/>
+        </p:nvSpPr>
+        <p:spPr>
+          <a:xfrm>
+            <a:off x="677334" y="2438400"/>
+            <a:ext cx="8466666" cy="2246769"/>
+          </a:xfrm>
+          <a:prstGeom prst="rect">
+            <a:avLst/>
+          </a:prstGeom>
+          <a:noFill/>
+        </p:spPr>
+        <p:txBody>
+          <a:bodyPr wrap="square" rtlCol="0">
+            <a:spAutoFit/>
+          </a:bodyPr>
+          <a:lstStyle/>
+          <a:p>
+            <a:pPr marL="342900" indent="-342900" algn="just">
+              <a:buFont typeface="Arial" panose="020B0604020202020204" pitchFamily="34" charset="0"/>
+              <a:buChar char="•"/>
+            </a:pPr>
+            <a:r>
+              <a:rPr lang="en-GB" sz="2000" b="1" dirty="0" err="1" smtClean="0"/>
+              <a:t>Therac</a:t>
+            </a:r>
+            <a:r>
+              <a:rPr lang="en-GB" sz="2000" b="1" dirty="0" smtClean="0"/>
+              <a:t> 25 </a:t>
+            </a:r>
+            <a:r>
+              <a:rPr lang="en-GB" sz="2000" dirty="0" smtClean="0"/>
+              <a:t>Computer-controlled radiation therapy machine. Due to a software bug patients were given a massive overdose of radiation.</a:t>
+            </a:r>
+          </a:p>
+          <a:p>
+            <a:pPr marL="342900" indent="-342900" algn="just">
+              <a:buFont typeface="Arial" panose="020B0604020202020204" pitchFamily="34" charset="0"/>
+              <a:buChar char="•"/>
+            </a:pPr>
+            <a:endParaRPr lang="en-GB" sz="2000" dirty="0"/>
+          </a:p>
+          <a:p>
+            <a:pPr marL="342900" indent="-342900" algn="just">
+              <a:buFont typeface="Arial" panose="020B0604020202020204" pitchFamily="34" charset="0"/>
+              <a:buChar char="•"/>
+            </a:pPr>
+            <a:endParaRPr lang="en-GB" sz="2000" dirty="0" smtClean="0"/>
+          </a:p>
+          <a:p>
+            <a:pPr marL="342900" indent="-342900" algn="just">
+              <a:buFont typeface="Arial" panose="020B0604020202020204" pitchFamily="34" charset="0"/>
+              <a:buChar char="•"/>
+            </a:pPr>
+            <a:r>
+              <a:rPr lang="en-GB" sz="2000" b="1" dirty="0" smtClean="0"/>
+              <a:t>Ariane 5 Flight 501</a:t>
+            </a:r>
+            <a:r>
+              <a:rPr lang="en-GB" sz="2000" dirty="0" smtClean="0"/>
+              <a:t> An overflow condition crashed both primary and backup computers, causing the $8 billion rocket to initiate the self-destruct sequence.	</a:t>
+            </a:r>
+            <a:endParaRPr lang="en-GB" sz="2000" b="1" dirty="0" smtClean="0"/>
           </a:p>
         </p:txBody>
       </p:sp>
     </p:spTree>
     <p:extLst>
       <p:ext uri="{BB962C8B-B14F-4D97-AF65-F5344CB8AC3E}">
-        <p14:creationId xmlns:p14="http://schemas.microsoft.com/office/powerpoint/2010/main" val="3741279002"/>
+        <p14:creationId xmlns:p14="http://schemas.microsoft.com/office/powerpoint/2010/main" val="512187234"/>
       </p:ext>
     </p:extLst>
   </p:cSld>
   <p:clrMapOvr>
     <a:masterClrMapping/>
   </p:clrMapOvr>
+  <mc:AlternateContent xmlns:mc="http://schemas.openxmlformats.org/markup-compatibility/2006">
+    <mc:Choice xmlns:p14="http://schemas.microsoft.com/office/powerpoint/2010/main" Requires="p14">
+      <p:transition spd="slow" p14:dur="2000"/>
+    </mc:Choice>
+    <mc:Fallback>
+      <p:transition spd="slow"/>
+    </mc:Fallback>
+  </mc:AlternateContent>
+  <p:timing>
+    <p:tnLst>
+      <p:par>
+        <p:cTn id="1" dur="indefinite" restart="never" nodeType="tmRoot">
+          <p:childTnLst>
+            <p:seq concurrent="1" nextAc="seek">
+              <p:cTn id="2" dur="indefinite" nodeType="mainSeq">
+                <p:childTnLst>
+                  <p:par>
+                    <p:cTn id="3" fill="hold">
+                      <p:stCondLst>
+                        <p:cond delay="indefinite"/>
+                      </p:stCondLst>
+                      <p:childTnLst>
+                        <p:par>
+                          <p:cTn id="4" fill="hold">
+                            <p:stCondLst>
+                              <p:cond delay="0"/>
+                            </p:stCondLst>
+                            <p:childTnLst>
+                              <p:par>
+                                <p:cTn id="5" presetID="1" presetClass="entr" presetSubtype="0" fill="hold" nodeType="clickEffect">
+                                  <p:stCondLst>
+                                    <p:cond delay="0"/>
+                                  </p:stCondLst>
+                                  <p:childTnLst>
+                                    <p:set>
+                                      <p:cBhvr>
+                                        <p:cTn id="6" dur="1" fill="hold">
+                                          <p:stCondLst>
+                                            <p:cond delay="0"/>
+                                          </p:stCondLst>
+                                        </p:cTn>
+                                        <p:tgtEl>
+                                          <p:spTgt spid="4">
+                                            <p:txEl>
+                                              <p:pRg st="0" end="0"/>
+                                            </p:txEl>
+                                          </p:spTgt>
+                                        </p:tgtEl>
+                                        <p:attrNameLst>
+                                          <p:attrName>style.visibility</p:attrName>
+                                        </p:attrNameLst>
+                                      </p:cBhvr>
+                                      <p:to>
+                                        <p:strVal val="visible"/>
+                                      </p:to>
+                                    </p:set>
+                                  </p:childTnLst>
+                                </p:cTn>
+                              </p:par>
+                            </p:childTnLst>
+                          </p:cTn>
+                        </p:par>
+                      </p:childTnLst>
+                    </p:cTn>
+                  </p:par>
+                  <p:par>
+                    <p:cTn id="7" fill="hold">
+                      <p:stCondLst>
+                        <p:cond delay="indefinite"/>
+                      </p:stCondLst>
+                      <p:childTnLst>
+                        <p:par>
+                          <p:cTn id="8" fill="hold">
+                            <p:stCondLst>
+                              <p:cond delay="0"/>
+                            </p:stCondLst>
+                            <p:childTnLst>
+                              <p:par>
+                                <p:cTn id="9" presetID="1" presetClass="entr" presetSubtype="0" fill="hold" nodeType="clickEffect">
+                                  <p:stCondLst>
+                                    <p:cond delay="0"/>
+                                  </p:stCondLst>
+                                  <p:childTnLst>
+                                    <p:set>
+                                      <p:cBhvr>
+                                        <p:cTn id="10" dur="1" fill="hold">
+                                          <p:stCondLst>
+                                            <p:cond delay="0"/>
+                                          </p:stCondLst>
+                                        </p:cTn>
+                                        <p:tgtEl>
+                                          <p:spTgt spid="4">
+                                            <p:txEl>
+                                              <p:pRg st="3" end="3"/>
+                                            </p:txEl>
+                                          </p:spTgt>
+                                        </p:tgtEl>
+                                        <p:attrNameLst>
+                                          <p:attrName>style.visibility</p:attrName>
+                                        </p:attrNameLst>
+                                      </p:cBhvr>
+                                      <p:to>
+                                        <p:strVal val="visible"/>
+                                      </p:to>
+                                    </p:set>
+                                  </p:childTnLst>
+                                </p:cTn>
+                              </p:par>
+                            </p:childTnLst>
+                          </p:cTn>
+                        </p:par>
+                      </p:childTnLst>
+                    </p:cTn>
+                  </p:par>
+                </p:childTnLst>
+              </p:cTn>
+              <p:prevCondLst>
+                <p:cond evt="onPrev" delay="0">
+                  <p:tgtEl>
+                    <p:sldTgt/>
+                  </p:tgtEl>
+                </p:cond>
+              </p:prevCondLst>
+              <p:nextCondLst>
+                <p:cond evt="onNext" delay="0">
+                  <p:tgtEl>
+                    <p:sldTgt/>
+                  </p:tgtEl>
+                </p:cond>
+              </p:nextCondLst>
+            </p:seq>
+          </p:childTnLst>
+        </p:cTn>
+      </p:par>
+    </p:tnLst>
+  </p:timing>
+</p:sld>
+</file>
+
+<file path=ppt/slides/slide5.xml><?xml version="1.0" encoding="utf-8"?>
+<p:sld xmlns:a="http://schemas.openxmlformats.org/drawingml/2006/main" xmlns:r="http://schemas.openxmlformats.org/officeDocument/2006/relationships" xmlns:p="http://schemas.openxmlformats.org/presentationml/2006/main" show="0">
+  <p:cSld>
+    <p:spTree>
+      <p:nvGrpSpPr>
+        <p:cNvPr id="1" name=""/>
+        <p:cNvGrpSpPr/>
+        <p:nvPr/>
+      </p:nvGrpSpPr>
+      <p:grpSpPr>
+        <a:xfrm>
+          <a:off x="0" y="0"/>
+          <a:ext cx="0" cy="0"/>
+          <a:chOff x="0" y="0"/>
+          <a:chExt cx="0" cy="0"/>
+        </a:xfrm>
+      </p:grpSpPr>
+      <p:pic>
+        <p:nvPicPr>
+          <p:cNvPr id="5" name="Picture 4"/>
+          <p:cNvPicPr>
+            <a:picLocks noChangeAspect="1"/>
+          </p:cNvPicPr>
+          <p:nvPr/>
+        </p:nvPicPr>
+        <p:blipFill>
+          <a:blip r:embed="rId3" cstate="print">
+            <a:extLst>
+              <a:ext uri="{28A0092B-C50C-407E-A947-70E740481C1C}">
+                <a14:useLocalDpi xmlns:a14="http://schemas.microsoft.com/office/drawing/2010/main" val="0"/>
+              </a:ext>
+            </a:extLst>
+          </a:blip>
+          <a:stretch>
+            <a:fillRect/>
+          </a:stretch>
+        </p:blipFill>
+        <p:spPr>
+          <a:xfrm>
+            <a:off x="2632518" y="1403353"/>
+            <a:ext cx="4686300" cy="5443537"/>
+          </a:xfrm>
+          <a:prstGeom prst="rect">
+            <a:avLst/>
+          </a:prstGeom>
+        </p:spPr>
+      </p:pic>
+      <p:sp>
+        <p:nvSpPr>
+          <p:cNvPr id="4" name="Title 1"/>
+          <p:cNvSpPr>
+            <a:spLocks noGrp="1"/>
+          </p:cNvSpPr>
+          <p:nvPr>
+            <p:ph type="title"/>
+          </p:nvPr>
+        </p:nvSpPr>
+        <p:spPr/>
+        <p:txBody>
+          <a:bodyPr>
+            <a:normAutofit/>
+          </a:bodyPr>
+          <a:lstStyle/>
+          <a:p>
+            <a:r>
+              <a:rPr lang="en-GB" sz="4000" dirty="0" smtClean="0"/>
+              <a:t>The </a:t>
+            </a:r>
+            <a:r>
+              <a:rPr lang="en-GB" sz="4000" dirty="0" err="1" smtClean="0"/>
+              <a:t>Tacny</a:t>
+            </a:r>
+            <a:r>
+              <a:rPr lang="en-GB" sz="4000" dirty="0" smtClean="0"/>
+              <a:t> </a:t>
+            </a:r>
+            <a:r>
+              <a:rPr lang="en-GB" sz="4000" dirty="0" smtClean="0"/>
+              <a:t>Project</a:t>
+            </a:r>
+            <a:endParaRPr lang="en-GB" sz="4000" dirty="0"/>
+          </a:p>
+        </p:txBody>
+      </p:sp>
+    </p:spTree>
+    <p:extLst>
+      <p:ext uri="{BB962C8B-B14F-4D97-AF65-F5344CB8AC3E}">
+        <p14:creationId xmlns:p14="http://schemas.microsoft.com/office/powerpoint/2010/main" val="1092468794"/>
+      </p:ext>
+    </p:extLst>
+  </p:cSld>
+  <p:clrMapOvr>
+    <a:masterClrMapping/>
+  </p:clrMapOvr>
+  <mc:AlternateContent xmlns:mc="http://schemas.openxmlformats.org/markup-compatibility/2006">
+    <mc:Choice xmlns:p14="http://schemas.microsoft.com/office/powerpoint/2010/main" Requires="p14">
+      <p:transition spd="slow" p14:dur="2000"/>
+    </mc:Choice>
+    <mc:Fallback>
+      <p:transition spd="slow"/>
+    </mc:Fallback>
+  </mc:AlternateContent>
+  <p:timing>
+    <p:tnLst>
+      <p:par>
+        <p:cTn id="1" dur="indefinite" restart="never" nodeType="tmRoot">
+          <p:childTnLst>
+            <p:seq concurrent="1" nextAc="seek">
+              <p:cTn id="2" dur="indefinite" nodeType="mainSeq">
+                <p:childTnLst>
+                  <p:par>
+                    <p:cTn id="3" fill="hold">
+                      <p:stCondLst>
+                        <p:cond delay="indefinite"/>
+                      </p:stCondLst>
+                      <p:childTnLst>
+                        <p:par>
+                          <p:cTn id="4" fill="hold">
+                            <p:stCondLst>
+                              <p:cond delay="0"/>
+                            </p:stCondLst>
+                            <p:childTnLst>
+                              <p:par>
+                                <p:cTn id="5" presetID="1" presetClass="exit" presetSubtype="0" fill="hold" nodeType="clickEffect">
+                                  <p:stCondLst>
+                                    <p:cond delay="0"/>
+                                  </p:stCondLst>
+                                  <p:childTnLst>
+                                    <p:set>
+                                      <p:cBhvr>
+                                        <p:cTn id="6" dur="1" fill="hold">
+                                          <p:stCondLst>
+                                            <p:cond delay="0"/>
+                                          </p:stCondLst>
+                                        </p:cTn>
+                                        <p:tgtEl>
+                                          <p:spTgt spid="5"/>
+                                        </p:tgtEl>
+                                        <p:attrNameLst>
+                                          <p:attrName>style.visibility</p:attrName>
+                                        </p:attrNameLst>
+                                      </p:cBhvr>
+                                      <p:to>
+                                        <p:strVal val="hidden"/>
+                                      </p:to>
+                                    </p:set>
+                                  </p:childTnLst>
+                                </p:cTn>
+                              </p:par>
+                            </p:childTnLst>
+                          </p:cTn>
+                        </p:par>
+                      </p:childTnLst>
+                    </p:cTn>
+                  </p:par>
+                </p:childTnLst>
+              </p:cTn>
+              <p:prevCondLst>
+                <p:cond evt="onPrev" delay="0">
+                  <p:tgtEl>
+                    <p:sldTgt/>
+                  </p:tgtEl>
+                </p:cond>
+              </p:prevCondLst>
+              <p:nextCondLst>
+                <p:cond evt="onNext" delay="0">
+                  <p:tgtEl>
+                    <p:sldTgt/>
+                  </p:tgtEl>
+                </p:cond>
+              </p:nextCondLst>
+            </p:seq>
+          </p:childTnLst>
+        </p:cTn>
+      </p:par>
+    </p:tnLst>
+  </p:timing>
+</p:sld>
+</file>
+
+<file path=ppt/slides/slide6.xml><?xml version="1.0" encoding="utf-8"?>
+<p:sld xmlns:a="http://schemas.openxmlformats.org/drawingml/2006/main" xmlns:r="http://schemas.openxmlformats.org/officeDocument/2006/relationships" xmlns:p="http://schemas.openxmlformats.org/presentationml/2006/main">
+  <p:cSld>
+    <p:spTree>
+      <p:nvGrpSpPr>
+        <p:cNvPr id="1" name=""/>
+        <p:cNvGrpSpPr/>
+        <p:nvPr/>
+      </p:nvGrpSpPr>
+      <p:grpSpPr>
+        <a:xfrm>
+          <a:off x="0" y="0"/>
+          <a:ext cx="0" cy="0"/>
+          <a:chOff x="0" y="0"/>
+          <a:chExt cx="0" cy="0"/>
+        </a:xfrm>
+      </p:grpSpPr>
+      <p:sp>
+        <p:nvSpPr>
+          <p:cNvPr id="2" name="Title 1"/>
+          <p:cNvSpPr>
+            <a:spLocks noGrp="1"/>
+          </p:cNvSpPr>
+          <p:nvPr>
+            <p:ph type="title"/>
+          </p:nvPr>
+        </p:nvSpPr>
+        <p:spPr/>
+        <p:txBody>
+          <a:bodyPr/>
+          <a:lstStyle/>
+          <a:p>
+            <a:r>
+              <a:rPr lang="en-GB" dirty="0" smtClean="0"/>
+              <a:t>The </a:t>
+            </a:r>
+            <a:r>
+              <a:rPr lang="en-GB" dirty="0" err="1" smtClean="0"/>
+              <a:t>Tacny</a:t>
+            </a:r>
+            <a:r>
+              <a:rPr lang="en-GB" dirty="0" smtClean="0"/>
+              <a:t> Project</a:t>
+            </a:r>
+            <a:endParaRPr lang="en-GB" dirty="0"/>
+          </a:p>
+        </p:txBody>
+      </p:sp>
+      <p:sp>
+        <p:nvSpPr>
+          <p:cNvPr id="3" name="Content Placeholder 2"/>
+          <p:cNvSpPr>
+            <a:spLocks noGrp="1"/>
+          </p:cNvSpPr>
+          <p:nvPr>
+            <p:ph idx="1"/>
+          </p:nvPr>
+        </p:nvSpPr>
+        <p:spPr>
+          <a:xfrm>
+            <a:off x="677334" y="1930400"/>
+            <a:ext cx="8596668" cy="3880773"/>
+          </a:xfrm>
+        </p:spPr>
+        <p:txBody>
+          <a:bodyPr>
+            <a:normAutofit/>
+          </a:bodyPr>
+          <a:lstStyle/>
+          <a:p>
+            <a:r>
+              <a:rPr lang="en-GB" sz="2000" b="1" dirty="0" smtClean="0"/>
+              <a:t>The project:</a:t>
+            </a:r>
+          </a:p>
+          <a:p>
+            <a:pPr lvl="1"/>
+            <a:r>
+              <a:rPr lang="en-GB" sz="1800" dirty="0" smtClean="0"/>
+              <a:t>Show that it is </a:t>
+            </a:r>
+            <a:r>
+              <a:rPr lang="en-GB" sz="1800" dirty="0" smtClean="0"/>
+              <a:t>possible to abstract proof guidance by encoding them in </a:t>
+            </a:r>
+            <a:r>
+              <a:rPr lang="en-GB" sz="1800" i="1" dirty="0" smtClean="0"/>
+              <a:t>tactics</a:t>
+            </a:r>
+          </a:p>
+          <a:p>
+            <a:pPr lvl="1"/>
+            <a:r>
+              <a:rPr lang="en-GB" sz="1800" dirty="0" smtClean="0"/>
+              <a:t>Targeted at </a:t>
+            </a:r>
+            <a:r>
+              <a:rPr lang="en-GB" sz="1800" i="1" dirty="0" err="1" smtClean="0"/>
+              <a:t>Dafny</a:t>
+            </a:r>
+            <a:endParaRPr lang="en-GB" sz="1800" i="1" dirty="0" smtClean="0"/>
+          </a:p>
+          <a:p>
+            <a:r>
+              <a:rPr lang="en-GB" sz="2000" b="1" dirty="0" smtClean="0"/>
+              <a:t>Me</a:t>
+            </a:r>
+            <a:r>
+              <a:rPr lang="en-GB" sz="2000" dirty="0" smtClean="0"/>
+              <a:t>:</a:t>
+            </a:r>
+            <a:endParaRPr lang="en-GB" sz="2000" dirty="0" smtClean="0"/>
+          </a:p>
+          <a:p>
+            <a:pPr lvl="1"/>
+            <a:r>
+              <a:rPr lang="en-GB" sz="1800" dirty="0" smtClean="0"/>
+              <a:t>Hired as Research Assistant at Heriot-Watt University </a:t>
+            </a:r>
+          </a:p>
+          <a:p>
+            <a:pPr lvl="1"/>
+            <a:r>
+              <a:rPr lang="en-GB" sz="1800" dirty="0" smtClean="0"/>
+              <a:t>D</a:t>
+            </a:r>
+            <a:r>
+              <a:rPr lang="en-GB" sz="1800" dirty="0" smtClean="0"/>
+              <a:t>esign </a:t>
+            </a:r>
+            <a:r>
+              <a:rPr lang="en-GB" sz="1800" dirty="0" smtClean="0"/>
+              <a:t>and </a:t>
+            </a:r>
+            <a:r>
+              <a:rPr lang="en-GB" sz="1800" dirty="0" smtClean="0"/>
+              <a:t>implement </a:t>
+            </a:r>
+            <a:r>
+              <a:rPr lang="en-GB" sz="1800" dirty="0" smtClean="0"/>
+              <a:t>the </a:t>
+            </a:r>
+            <a:r>
+              <a:rPr lang="en-GB" sz="1800" i="1" dirty="0" err="1" smtClean="0"/>
+              <a:t>Tacny</a:t>
+            </a:r>
+            <a:r>
+              <a:rPr lang="en-GB" sz="1800" dirty="0" smtClean="0"/>
+              <a:t> tool </a:t>
+            </a:r>
+            <a:r>
+              <a:rPr lang="en-GB" sz="1800" dirty="0" smtClean="0"/>
+              <a:t>prototype</a:t>
+            </a:r>
+            <a:endParaRPr lang="en-GB" sz="1800" dirty="0" smtClean="0"/>
+          </a:p>
+        </p:txBody>
+      </p:sp>
+    </p:spTree>
+    <p:extLst>
+      <p:ext uri="{BB962C8B-B14F-4D97-AF65-F5344CB8AC3E}">
+        <p14:creationId xmlns:p14="http://schemas.microsoft.com/office/powerpoint/2010/main" val="2979030294"/>
+      </p:ext>
+    </p:extLst>
+  </p:cSld>
+  <p:clrMapOvr>
+    <a:masterClrMapping/>
+  </p:clrMapOvr>
+  <p:timing>
+    <p:tnLst>
+      <p:par>
+        <p:cTn id="1" dur="indefinite" restart="never" nodeType="tmRoot">
+          <p:childTnLst>
+            <p:seq concurrent="1" nextAc="seek">
+              <p:cTn id="2" dur="indefinite" nodeType="mainSeq">
+                <p:childTnLst>
+                  <p:par>
+                    <p:cTn id="3" fill="hold">
+                      <p:stCondLst>
+                        <p:cond delay="indefinite"/>
+                      </p:stCondLst>
+                      <p:childTnLst>
+                        <p:par>
+                          <p:cTn id="4" fill="hold">
+                            <p:stCondLst>
+                              <p:cond delay="0"/>
+                            </p:stCondLst>
+                            <p:childTnLst>
+                              <p:par>
+                                <p:cTn id="5" presetID="10" presetClass="entr" presetSubtype="0" fill="hold" nodeType="clickEffect">
+                                  <p:stCondLst>
+                                    <p:cond delay="0"/>
+                                  </p:stCondLst>
+                                  <p:childTnLst>
+                                    <p:set>
+                                      <p:cBhvr>
+                                        <p:cTn id="6" dur="1" fill="hold">
+                                          <p:stCondLst>
+                                            <p:cond delay="0"/>
+                                          </p:stCondLst>
+                                        </p:cTn>
+                                        <p:tgtEl>
+                                          <p:spTgt spid="3">
+                                            <p:txEl>
+                                              <p:pRg st="0" end="0"/>
+                                            </p:txEl>
+                                          </p:spTgt>
+                                        </p:tgtEl>
+                                        <p:attrNameLst>
+                                          <p:attrName>style.visibility</p:attrName>
+                                        </p:attrNameLst>
+                                      </p:cBhvr>
+                                      <p:to>
+                                        <p:strVal val="visible"/>
+                                      </p:to>
+                                    </p:set>
+                                    <p:animEffect transition="in" filter="fade">
+                                      <p:cBhvr>
+                                        <p:cTn id="7" dur="500"/>
+                                        <p:tgtEl>
+                                          <p:spTgt spid="3">
+                                            <p:txEl>
+                                              <p:pRg st="0" end="0"/>
+                                            </p:txEl>
+                                          </p:spTgt>
+                                        </p:tgtEl>
+                                      </p:cBhvr>
+                                    </p:animEffect>
+                                  </p:childTnLst>
+                                </p:cTn>
+                              </p:par>
+                              <p:par>
+                                <p:cTn id="8" presetID="10" presetClass="entr" presetSubtype="0" fill="hold" nodeType="withEffect">
+                                  <p:stCondLst>
+                                    <p:cond delay="0"/>
+                                  </p:stCondLst>
+                                  <p:childTnLst>
+                                    <p:set>
+                                      <p:cBhvr>
+                                        <p:cTn id="9" dur="1" fill="hold">
+                                          <p:stCondLst>
+                                            <p:cond delay="0"/>
+                                          </p:stCondLst>
+                                        </p:cTn>
+                                        <p:tgtEl>
+                                          <p:spTgt spid="3">
+                                            <p:txEl>
+                                              <p:pRg st="1" end="1"/>
+                                            </p:txEl>
+                                          </p:spTgt>
+                                        </p:tgtEl>
+                                        <p:attrNameLst>
+                                          <p:attrName>style.visibility</p:attrName>
+                                        </p:attrNameLst>
+                                      </p:cBhvr>
+                                      <p:to>
+                                        <p:strVal val="visible"/>
+                                      </p:to>
+                                    </p:set>
+                                    <p:animEffect transition="in" filter="fade">
+                                      <p:cBhvr>
+                                        <p:cTn id="10" dur="500"/>
+                                        <p:tgtEl>
+                                          <p:spTgt spid="3">
+                                            <p:txEl>
+                                              <p:pRg st="1" end="1"/>
+                                            </p:txEl>
+                                          </p:spTgt>
+                                        </p:tgtEl>
+                                      </p:cBhvr>
+                                    </p:animEffect>
+                                  </p:childTnLst>
+                                </p:cTn>
+                              </p:par>
+                              <p:par>
+                                <p:cTn id="11" presetID="10" presetClass="entr" presetSubtype="0" fill="hold" nodeType="withEffect">
+                                  <p:stCondLst>
+                                    <p:cond delay="0"/>
+                                  </p:stCondLst>
+                                  <p:childTnLst>
+                                    <p:set>
+                                      <p:cBhvr>
+                                        <p:cTn id="12" dur="1" fill="hold">
+                                          <p:stCondLst>
+                                            <p:cond delay="0"/>
+                                          </p:stCondLst>
+                                        </p:cTn>
+                                        <p:tgtEl>
+                                          <p:spTgt spid="3">
+                                            <p:txEl>
+                                              <p:pRg st="2" end="2"/>
+                                            </p:txEl>
+                                          </p:spTgt>
+                                        </p:tgtEl>
+                                        <p:attrNameLst>
+                                          <p:attrName>style.visibility</p:attrName>
+                                        </p:attrNameLst>
+                                      </p:cBhvr>
+                                      <p:to>
+                                        <p:strVal val="visible"/>
+                                      </p:to>
+                                    </p:set>
+                                    <p:animEffect transition="in" filter="fade">
+                                      <p:cBhvr>
+                                        <p:cTn id="13" dur="500"/>
+                                        <p:tgtEl>
+                                          <p:spTgt spid="3">
+                                            <p:txEl>
+                                              <p:pRg st="2" end="2"/>
+                                            </p:txEl>
+                                          </p:spTgt>
+                                        </p:tgtEl>
+                                      </p:cBhvr>
+                                    </p:animEffect>
+                                  </p:childTnLst>
+                                </p:cTn>
+                              </p:par>
+                            </p:childTnLst>
+                          </p:cTn>
+                        </p:par>
+                      </p:childTnLst>
+                    </p:cTn>
+                  </p:par>
+                  <p:par>
+                    <p:cTn id="14" fill="hold">
+                      <p:stCondLst>
+                        <p:cond delay="indefinite"/>
+                      </p:stCondLst>
+                      <p:childTnLst>
+                        <p:par>
+                          <p:cTn id="15" fill="hold">
+                            <p:stCondLst>
+                              <p:cond delay="0"/>
+                            </p:stCondLst>
+                            <p:childTnLst>
+                              <p:par>
+                                <p:cTn id="16" presetID="10" presetClass="entr" presetSubtype="0" fill="hold" nodeType="clickEffect">
+                                  <p:stCondLst>
+                                    <p:cond delay="0"/>
+                                  </p:stCondLst>
+                                  <p:childTnLst>
+                                    <p:set>
+                                      <p:cBhvr>
+                                        <p:cTn id="17" dur="1" fill="hold">
+                                          <p:stCondLst>
+                                            <p:cond delay="0"/>
+                                          </p:stCondLst>
+                                        </p:cTn>
+                                        <p:tgtEl>
+                                          <p:spTgt spid="3">
+                                            <p:txEl>
+                                              <p:pRg st="3" end="3"/>
+                                            </p:txEl>
+                                          </p:spTgt>
+                                        </p:tgtEl>
+                                        <p:attrNameLst>
+                                          <p:attrName>style.visibility</p:attrName>
+                                        </p:attrNameLst>
+                                      </p:cBhvr>
+                                      <p:to>
+                                        <p:strVal val="visible"/>
+                                      </p:to>
+                                    </p:set>
+                                    <p:animEffect transition="in" filter="fade">
+                                      <p:cBhvr>
+                                        <p:cTn id="18" dur="500"/>
+                                        <p:tgtEl>
+                                          <p:spTgt spid="3">
+                                            <p:txEl>
+                                              <p:pRg st="3" end="3"/>
+                                            </p:txEl>
+                                          </p:spTgt>
+                                        </p:tgtEl>
+                                      </p:cBhvr>
+                                    </p:animEffect>
+                                  </p:childTnLst>
+                                </p:cTn>
+                              </p:par>
+                              <p:par>
+                                <p:cTn id="19" presetID="10" presetClass="entr" presetSubtype="0" fill="hold" nodeType="withEffect">
+                                  <p:stCondLst>
+                                    <p:cond delay="0"/>
+                                  </p:stCondLst>
+                                  <p:childTnLst>
+                                    <p:set>
+                                      <p:cBhvr>
+                                        <p:cTn id="20" dur="1" fill="hold">
+                                          <p:stCondLst>
+                                            <p:cond delay="0"/>
+                                          </p:stCondLst>
+                                        </p:cTn>
+                                        <p:tgtEl>
+                                          <p:spTgt spid="3">
+                                            <p:txEl>
+                                              <p:pRg st="4" end="4"/>
+                                            </p:txEl>
+                                          </p:spTgt>
+                                        </p:tgtEl>
+                                        <p:attrNameLst>
+                                          <p:attrName>style.visibility</p:attrName>
+                                        </p:attrNameLst>
+                                      </p:cBhvr>
+                                      <p:to>
+                                        <p:strVal val="visible"/>
+                                      </p:to>
+                                    </p:set>
+                                    <p:animEffect transition="in" filter="fade">
+                                      <p:cBhvr>
+                                        <p:cTn id="21" dur="500"/>
+                                        <p:tgtEl>
+                                          <p:spTgt spid="3">
+                                            <p:txEl>
+                                              <p:pRg st="4" end="4"/>
+                                            </p:txEl>
+                                          </p:spTgt>
+                                        </p:tgtEl>
+                                      </p:cBhvr>
+                                    </p:animEffect>
+                                  </p:childTnLst>
+                                </p:cTn>
+                              </p:par>
+                              <p:par>
+                                <p:cTn id="22" presetID="10" presetClass="entr" presetSubtype="0" fill="hold" nodeType="withEffect">
+                                  <p:stCondLst>
+                                    <p:cond delay="0"/>
+                                  </p:stCondLst>
+                                  <p:childTnLst>
+                                    <p:set>
+                                      <p:cBhvr>
+                                        <p:cTn id="23" dur="1" fill="hold">
+                                          <p:stCondLst>
+                                            <p:cond delay="0"/>
+                                          </p:stCondLst>
+                                        </p:cTn>
+                                        <p:tgtEl>
+                                          <p:spTgt spid="3">
+                                            <p:txEl>
+                                              <p:pRg st="5" end="5"/>
+                                            </p:txEl>
+                                          </p:spTgt>
+                                        </p:tgtEl>
+                                        <p:attrNameLst>
+                                          <p:attrName>style.visibility</p:attrName>
+                                        </p:attrNameLst>
+                                      </p:cBhvr>
+                                      <p:to>
+                                        <p:strVal val="visible"/>
+                                      </p:to>
+                                    </p:set>
+                                    <p:animEffect transition="in" filter="fade">
+                                      <p:cBhvr>
+                                        <p:cTn id="24" dur="500"/>
+                                        <p:tgtEl>
+                                          <p:spTgt spid="3">
+                                            <p:txEl>
+                                              <p:pRg st="5" end="5"/>
+                                            </p:txEl>
+                                          </p:spTgt>
+                                        </p:tgtEl>
+                                      </p:cBhvr>
+                                    </p:animEffect>
+                                  </p:childTnLst>
+                                </p:cTn>
+                              </p:par>
+                            </p:childTnLst>
+                          </p:cTn>
+                        </p:par>
+                      </p:childTnLst>
+                    </p:cTn>
+                  </p:par>
+                </p:childTnLst>
+              </p:cTn>
+              <p:prevCondLst>
+                <p:cond evt="onPrev" delay="0">
+                  <p:tgtEl>
+                    <p:sldTgt/>
+                  </p:tgtEl>
+                </p:cond>
+              </p:prevCondLst>
+              <p:nextCondLst>
+                <p:cond evt="onNext" delay="0">
+                  <p:tgtEl>
+                    <p:sldTgt/>
+                  </p:tgtEl>
+                </p:cond>
+              </p:nextCondLst>
+            </p:seq>
+          </p:childTnLst>
+        </p:cTn>
+      </p:par>
+    </p:tnLst>
+  </p:timing>
+</p:sld>
+</file>
+
+<file path=ppt/slides/slide7.xml><?xml version="1.0" encoding="utf-8"?>
+<p:sld xmlns:a="http://schemas.openxmlformats.org/drawingml/2006/main" xmlns:r="http://schemas.openxmlformats.org/officeDocument/2006/relationships" xmlns:p="http://schemas.openxmlformats.org/presentationml/2006/main">
+  <p:cSld>
+    <p:spTree>
+      <p:nvGrpSpPr>
+        <p:cNvPr id="1" name=""/>
+        <p:cNvGrpSpPr/>
+        <p:nvPr/>
+      </p:nvGrpSpPr>
+      <p:grpSpPr>
+        <a:xfrm>
+          <a:off x="0" y="0"/>
+          <a:ext cx="0" cy="0"/>
+          <a:chOff x="0" y="0"/>
+          <a:chExt cx="0" cy="0"/>
+        </a:xfrm>
+      </p:grpSpPr>
+      <p:sp>
+        <p:nvSpPr>
+          <p:cNvPr id="2" name="Title 1"/>
+          <p:cNvSpPr>
+            <a:spLocks noGrp="1"/>
+          </p:cNvSpPr>
+          <p:nvPr>
+            <p:ph type="title"/>
+          </p:nvPr>
+        </p:nvSpPr>
+        <p:spPr/>
+        <p:txBody>
+          <a:bodyPr/>
+          <a:lstStyle/>
+          <a:p>
+            <a:r>
+              <a:rPr lang="en-GB" dirty="0" err="1"/>
+              <a:t>Dafny</a:t>
+            </a:r>
+            <a:endParaRPr lang="en-GB" dirty="0"/>
+          </a:p>
+        </p:txBody>
+      </p:sp>
+      <p:sp>
+        <p:nvSpPr>
+          <p:cNvPr id="3" name="Content Placeholder 2"/>
+          <p:cNvSpPr>
+            <a:spLocks noGrp="1"/>
+          </p:cNvSpPr>
+          <p:nvPr>
+            <p:ph idx="1"/>
+          </p:nvPr>
+        </p:nvSpPr>
+        <p:spPr/>
+        <p:txBody>
+          <a:bodyPr/>
+          <a:lstStyle/>
+          <a:p>
+            <a:r>
+              <a:rPr lang="en-GB" dirty="0" smtClean="0"/>
+              <a:t>Programming </a:t>
+            </a:r>
+            <a:r>
+              <a:rPr lang="en-GB" b="1" dirty="0" smtClean="0"/>
+              <a:t>language </a:t>
+            </a:r>
+            <a:r>
+              <a:rPr lang="en-GB" dirty="0" smtClean="0"/>
+              <a:t>and program </a:t>
+            </a:r>
+            <a:r>
+              <a:rPr lang="en-GB" b="1" dirty="0" smtClean="0"/>
+              <a:t>verifier</a:t>
+            </a:r>
+          </a:p>
+          <a:p>
+            <a:r>
+              <a:rPr lang="en-GB" dirty="0" smtClean="0"/>
+              <a:t>Specify program properties with contracts (pre/post conditions)</a:t>
+            </a:r>
+          </a:p>
+          <a:p>
+            <a:r>
+              <a:rPr lang="en-GB" dirty="0" smtClean="0"/>
+              <a:t>Guide the proof with specialised annotation</a:t>
+            </a:r>
+          </a:p>
+          <a:p>
+            <a:endParaRPr lang="en-GB" b="1" u="sng" dirty="0"/>
+          </a:p>
+        </p:txBody>
+      </p:sp>
+    </p:spTree>
+    <p:extLst>
+      <p:ext uri="{BB962C8B-B14F-4D97-AF65-F5344CB8AC3E}">
+        <p14:creationId xmlns:p14="http://schemas.microsoft.com/office/powerpoint/2010/main" val="471083610"/>
+      </p:ext>
+    </p:extLst>
+  </p:cSld>
+  <p:clrMapOvr>
+    <a:masterClrMapping/>
+  </p:clrMapOvr>
+  <mc:AlternateContent xmlns:mc="http://schemas.openxmlformats.org/markup-compatibility/2006">
+    <mc:Choice xmlns:p14="http://schemas.microsoft.com/office/powerpoint/2010/main" Requires="p14">
+      <p:transition spd="slow" p14:dur="2000"/>
+    </mc:Choice>
+    <mc:Fallback>
+      <p:transition spd="slow"/>
+    </mc:Fallback>
+  </mc:AlternateContent>
+  <p:timing>
+    <p:tnLst>
+      <p:par>
+        <p:cTn id="1" dur="indefinite" restart="never" nodeType="tmRoot"/>
+      </p:par>
+    </p:tnLst>
+  </p:timing>
+</p:sld>
+</file>
+
+<file path=ppt/slides/slide8.xml><?xml version="1.0" encoding="utf-8"?>
+<p:sld xmlns:a="http://schemas.openxmlformats.org/drawingml/2006/main" xmlns:r="http://schemas.openxmlformats.org/officeDocument/2006/relationships" xmlns:p="http://schemas.openxmlformats.org/presentationml/2006/main">
+  <p:cSld>
+    <p:spTree>
+      <p:nvGrpSpPr>
+        <p:cNvPr id="1" name=""/>
+        <p:cNvGrpSpPr/>
+        <p:nvPr/>
+      </p:nvGrpSpPr>
+      <p:grpSpPr>
+        <a:xfrm>
+          <a:off x="0" y="0"/>
+          <a:ext cx="0" cy="0"/>
+          <a:chOff x="0" y="0"/>
+          <a:chExt cx="0" cy="0"/>
+        </a:xfrm>
+      </p:grpSpPr>
+      <p:pic>
+        <p:nvPicPr>
+          <p:cNvPr id="11" name="Picture 10"/>
+          <p:cNvPicPr>
+            <a:picLocks noChangeAspect="1"/>
+          </p:cNvPicPr>
+          <p:nvPr/>
+        </p:nvPicPr>
+        <p:blipFill>
+          <a:blip r:embed="rId2">
+            <a:extLst>
+              <a:ext uri="{28A0092B-C50C-407E-A947-70E740481C1C}">
+                <a14:useLocalDpi xmlns:a14="http://schemas.microsoft.com/office/drawing/2010/main" val="0"/>
+              </a:ext>
+            </a:extLst>
+          </a:blip>
+          <a:stretch>
+            <a:fillRect/>
+          </a:stretch>
+        </p:blipFill>
+        <p:spPr>
+          <a:xfrm>
+            <a:off x="3689475" y="2355849"/>
+            <a:ext cx="4838700" cy="2990850"/>
+          </a:xfrm>
+          <a:prstGeom prst="rect">
+            <a:avLst/>
+          </a:prstGeom>
+        </p:spPr>
+      </p:pic>
+      <p:sp>
+        <p:nvSpPr>
+          <p:cNvPr id="3" name="Content Placeholder 2"/>
+          <p:cNvSpPr>
+            <a:spLocks noGrp="1"/>
+          </p:cNvSpPr>
+          <p:nvPr>
+            <p:ph idx="1"/>
+          </p:nvPr>
+        </p:nvSpPr>
+        <p:spPr>
+          <a:xfrm>
+            <a:off x="660246" y="1930400"/>
+            <a:ext cx="8596668" cy="425449"/>
+          </a:xfrm>
+        </p:spPr>
+        <p:txBody>
+          <a:bodyPr>
+            <a:normAutofit/>
+          </a:bodyPr>
+          <a:lstStyle/>
+          <a:p>
+            <a:pPr marL="0" indent="0">
+              <a:buNone/>
+            </a:pPr>
+            <a:r>
+              <a:rPr lang="en-GB" sz="2000" b="1" dirty="0" smtClean="0">
+                <a:solidFill>
+                  <a:schemeClr val="accent4"/>
+                </a:solidFill>
+              </a:rPr>
+              <a:t>Program proofs follow a very similar pattern</a:t>
+            </a:r>
+            <a:endParaRPr lang="en-GB" sz="2000" b="1" dirty="0">
+              <a:solidFill>
+                <a:schemeClr val="accent4"/>
+              </a:solidFill>
+            </a:endParaRPr>
+          </a:p>
+        </p:txBody>
+      </p:sp>
+      <p:sp>
+        <p:nvSpPr>
+          <p:cNvPr id="5" name="Title 1"/>
+          <p:cNvSpPr>
+            <a:spLocks noGrp="1"/>
+          </p:cNvSpPr>
+          <p:nvPr>
+            <p:ph type="title"/>
+          </p:nvPr>
+        </p:nvSpPr>
+        <p:spPr/>
+        <p:txBody>
+          <a:bodyPr/>
+          <a:lstStyle/>
+          <a:p>
+            <a:r>
+              <a:rPr lang="en-GB" sz="4000" dirty="0" err="1" smtClean="0"/>
+              <a:t>Dafny</a:t>
+            </a:r>
+            <a:r>
+              <a:rPr lang="en-GB" dirty="0"/>
+              <a:t/>
+            </a:r>
+            <a:br>
+              <a:rPr lang="en-GB" dirty="0"/>
+            </a:br>
+            <a:r>
+              <a:rPr lang="en-GB" sz="3300" dirty="0" smtClean="0"/>
+              <a:t>Observation</a:t>
+            </a:r>
+            <a:endParaRPr lang="en-GB" sz="3300" dirty="0"/>
+          </a:p>
+        </p:txBody>
+      </p:sp>
+      <p:sp>
+        <p:nvSpPr>
+          <p:cNvPr id="8" name="TextBox 7"/>
+          <p:cNvSpPr txBox="1"/>
+          <p:nvPr/>
+        </p:nvSpPr>
+        <p:spPr>
+          <a:xfrm>
+            <a:off x="229099" y="4977367"/>
+            <a:ext cx="7337954" cy="400110"/>
+          </a:xfrm>
+          <a:prstGeom prst="rect">
+            <a:avLst/>
+          </a:prstGeom>
+          <a:noFill/>
+        </p:spPr>
+        <p:txBody>
+          <a:bodyPr wrap="square" rtlCol="0">
+            <a:spAutoFit/>
+          </a:bodyPr>
+          <a:lstStyle/>
+          <a:p>
+            <a:pPr algn="r"/>
+            <a:r>
+              <a:rPr lang="en-GB" sz="2000" b="1" dirty="0" smtClean="0">
+                <a:solidFill>
+                  <a:schemeClr val="accent4"/>
+                </a:solidFill>
+              </a:rPr>
+              <a:t>But each proof has to be guided manually</a:t>
+            </a:r>
+            <a:endParaRPr lang="en-GB" sz="2000" b="1" dirty="0">
+              <a:solidFill>
+                <a:schemeClr val="accent4"/>
+              </a:solidFill>
+            </a:endParaRPr>
+          </a:p>
+        </p:txBody>
+      </p:sp>
+    </p:spTree>
+    <p:extLst>
+      <p:ext uri="{BB962C8B-B14F-4D97-AF65-F5344CB8AC3E}">
+        <p14:creationId xmlns:p14="http://schemas.microsoft.com/office/powerpoint/2010/main" val="3517143508"/>
+      </p:ext>
+    </p:extLst>
+  </p:cSld>
+  <p:clrMapOvr>
+    <a:masterClrMapping/>
+  </p:clrMapOvr>
+  <mc:AlternateContent xmlns:mc="http://schemas.openxmlformats.org/markup-compatibility/2006">
+    <mc:Choice xmlns:p14="http://schemas.microsoft.com/office/powerpoint/2010/main" Requires="p14">
+      <p:transition spd="slow" p14:dur="2000"/>
+    </mc:Choice>
+    <mc:Fallback>
+      <p:transition spd="slow"/>
+    </mc:Fallback>
+  </mc:AlternateContent>
+  <p:timing>
+    <p:tnLst>
+      <p:par>
+        <p:cTn id="1" dur="indefinite" restart="never" nodeType="tmRoot"/>
+      </p:par>
+    </p:tnLst>
+  </p:timing>
+</p:sld>
+</file>
+
+<file path=ppt/slides/slide9.xml><?xml version="1.0" encoding="utf-8"?>
+<p:sld xmlns:a="http://schemas.openxmlformats.org/drawingml/2006/main" xmlns:r="http://schemas.openxmlformats.org/officeDocument/2006/relationships" xmlns:p="http://schemas.openxmlformats.org/presentationml/2006/main">
+  <p:cSld>
+    <p:spTree>
+      <p:nvGrpSpPr>
+        <p:cNvPr id="1" name=""/>
+        <p:cNvGrpSpPr/>
+        <p:nvPr/>
+      </p:nvGrpSpPr>
+      <p:grpSpPr>
+        <a:xfrm>
+          <a:off x="0" y="0"/>
+          <a:ext cx="0" cy="0"/>
+          <a:chOff x="0" y="0"/>
+          <a:chExt cx="0" cy="0"/>
+        </a:xfrm>
+      </p:grpSpPr>
+      <p:sp>
+        <p:nvSpPr>
+          <p:cNvPr id="3" name="Content Placeholder 2"/>
+          <p:cNvSpPr>
+            <a:spLocks noGrp="1"/>
+          </p:cNvSpPr>
+          <p:nvPr>
+            <p:ph idx="1"/>
+          </p:nvPr>
+        </p:nvSpPr>
+        <p:spPr>
+          <a:xfrm>
+            <a:off x="677334" y="1911353"/>
+            <a:ext cx="8596668" cy="3485399"/>
+          </a:xfrm>
+        </p:spPr>
+        <p:txBody>
+          <a:bodyPr>
+            <a:normAutofit/>
+          </a:bodyPr>
+          <a:lstStyle/>
+          <a:p>
+            <a:r>
+              <a:rPr lang="en-GB" sz="2000" dirty="0" smtClean="0"/>
+              <a:t>What the tool does:</a:t>
+            </a:r>
+          </a:p>
+          <a:p>
+            <a:pPr lvl="1"/>
+            <a:r>
+              <a:rPr lang="en-GB" sz="1800" dirty="0" smtClean="0"/>
+              <a:t>Introduces a set of atom statements to write </a:t>
+            </a:r>
+            <a:r>
+              <a:rPr lang="en-GB" sz="1800" b="1" u="sng" dirty="0" smtClean="0"/>
+              <a:t>generic proof guidance</a:t>
+            </a:r>
+            <a:endParaRPr lang="en-GB" sz="1800" b="1" u="sng" dirty="0"/>
+          </a:p>
+          <a:p>
+            <a:pPr lvl="1"/>
+            <a:r>
+              <a:rPr lang="en-GB" sz="1800" dirty="0" smtClean="0"/>
+              <a:t>Reduces development time by allowing to </a:t>
+            </a:r>
+            <a:r>
+              <a:rPr lang="en-GB" sz="1800" b="1" u="sng" dirty="0" smtClean="0"/>
+              <a:t>reuse </a:t>
+            </a:r>
+            <a:r>
+              <a:rPr lang="en-GB" sz="1800" dirty="0" smtClean="0"/>
+              <a:t>verification patterns</a:t>
+            </a:r>
+            <a:endParaRPr lang="en-GB" sz="1800" dirty="0"/>
+          </a:p>
+          <a:p>
+            <a:pPr lvl="1"/>
+            <a:r>
+              <a:rPr lang="en-GB" sz="1800" dirty="0" smtClean="0"/>
+              <a:t>Improves code </a:t>
+            </a:r>
+            <a:r>
+              <a:rPr lang="en-GB" sz="1800" b="1" u="sng" dirty="0"/>
+              <a:t>readability</a:t>
+            </a:r>
+            <a:r>
+              <a:rPr lang="en-GB" sz="1800" b="1" dirty="0"/>
+              <a:t> </a:t>
+            </a:r>
+            <a:endParaRPr lang="en-GB" sz="1800" dirty="0"/>
+          </a:p>
+          <a:p>
+            <a:pPr lvl="1"/>
+            <a:r>
+              <a:rPr lang="en-GB" sz="1800" u="sng" dirty="0" smtClean="0"/>
+              <a:t>S</a:t>
+            </a:r>
+            <a:r>
+              <a:rPr lang="en-GB" sz="1800" b="1" u="sng" dirty="0" smtClean="0"/>
+              <a:t>implifies</a:t>
+            </a:r>
+            <a:r>
+              <a:rPr lang="en-GB" sz="1800" b="1" dirty="0" smtClean="0"/>
+              <a:t> </a:t>
+            </a:r>
+            <a:r>
+              <a:rPr lang="en-GB" sz="1800" dirty="0" smtClean="0"/>
+              <a:t>the </a:t>
+            </a:r>
+            <a:r>
+              <a:rPr lang="en-GB" sz="1800" dirty="0"/>
+              <a:t>program verification </a:t>
+            </a:r>
+            <a:r>
+              <a:rPr lang="en-GB" sz="1800" dirty="0" smtClean="0"/>
+              <a:t>process</a:t>
+            </a:r>
+            <a:r>
+              <a:rPr lang="en-GB" sz="1800" dirty="0"/>
+              <a:t>.</a:t>
+            </a:r>
+          </a:p>
+        </p:txBody>
+      </p:sp>
+      <p:sp>
+        <p:nvSpPr>
+          <p:cNvPr id="4" name="Title 1"/>
+          <p:cNvSpPr>
+            <a:spLocks noGrp="1"/>
+          </p:cNvSpPr>
+          <p:nvPr>
+            <p:ph type="title"/>
+          </p:nvPr>
+        </p:nvSpPr>
+        <p:spPr/>
+        <p:txBody>
+          <a:bodyPr>
+            <a:normAutofit/>
+          </a:bodyPr>
+          <a:lstStyle/>
+          <a:p>
+            <a:r>
+              <a:rPr lang="en-GB" sz="4000" dirty="0" smtClean="0"/>
+              <a:t>The </a:t>
+            </a:r>
+            <a:r>
+              <a:rPr lang="en-GB" sz="4000" dirty="0" err="1" smtClean="0"/>
+              <a:t>Tacny</a:t>
+            </a:r>
+            <a:r>
+              <a:rPr lang="en-GB" sz="4000" dirty="0" smtClean="0"/>
+              <a:t> </a:t>
+            </a:r>
+            <a:r>
+              <a:rPr lang="en-GB" sz="4000" dirty="0" smtClean="0"/>
+              <a:t>Project</a:t>
+            </a:r>
+            <a:endParaRPr lang="en-GB" sz="4000" dirty="0"/>
+          </a:p>
+        </p:txBody>
+      </p:sp>
+    </p:spTree>
+    <p:extLst>
+      <p:ext uri="{BB962C8B-B14F-4D97-AF65-F5344CB8AC3E}">
+        <p14:creationId xmlns:p14="http://schemas.microsoft.com/office/powerpoint/2010/main" val="2132379848"/>
+      </p:ext>
+    </p:extLst>
+  </p:cSld>
+  <p:clrMapOvr>
+    <a:masterClrMapping/>
+  </p:clrMapOvr>
+  <p:timing>
+    <p:tnLst>
+      <p:par>
+        <p:cTn id="1" dur="indefinite" restart="never" nodeType="tmRoot">
+          <p:childTnLst>
+            <p:seq concurrent="1" nextAc="seek">
+              <p:cTn id="2" dur="indefinite" nodeType="mainSeq">
+                <p:childTnLst>
+                  <p:par>
+                    <p:cTn id="3" fill="hold">
+                      <p:stCondLst>
+                        <p:cond delay="indefinite"/>
+                        <p:cond evt="onBegin" delay="0">
+                          <p:tn val="2"/>
+                        </p:cond>
+                      </p:stCondLst>
+                      <p:childTnLst>
+                        <p:par>
+                          <p:cTn id="4" fill="hold">
+                            <p:stCondLst>
+                              <p:cond delay="0"/>
+                            </p:stCondLst>
+                            <p:childTnLst>
+                              <p:par>
+                                <p:cTn id="5" presetID="10" presetClass="entr" presetSubtype="0" fill="hold" grpId="0" nodeType="withEffect">
+                                  <p:stCondLst>
+                                    <p:cond delay="0"/>
+                                  </p:stCondLst>
+                                  <p:childTnLst>
+                                    <p:set>
+                                      <p:cBhvr>
+                                        <p:cTn id="6" dur="1" fill="hold">
+                                          <p:stCondLst>
+                                            <p:cond delay="0"/>
+                                          </p:stCondLst>
+                                        </p:cTn>
+                                        <p:tgtEl>
+                                          <p:spTgt spid="3">
+                                            <p:txEl>
+                                              <p:pRg st="0" end="0"/>
+                                            </p:txEl>
+                                          </p:spTgt>
+                                        </p:tgtEl>
+                                        <p:attrNameLst>
+                                          <p:attrName>style.visibility</p:attrName>
+                                        </p:attrNameLst>
+                                      </p:cBhvr>
+                                      <p:to>
+                                        <p:strVal val="visible"/>
+                                      </p:to>
+                                    </p:set>
+                                    <p:animEffect transition="in" filter="fade">
+                                      <p:cBhvr>
+                                        <p:cTn id="7" dur="500"/>
+                                        <p:tgtEl>
+                                          <p:spTgt spid="3">
+                                            <p:txEl>
+                                              <p:pRg st="0" end="0"/>
+                                            </p:txEl>
+                                          </p:spTgt>
+                                        </p:tgtEl>
+                                      </p:cBhvr>
+                                    </p:animEffect>
+                                  </p:childTnLst>
+                                </p:cTn>
+                              </p:par>
+                            </p:childTnLst>
+                          </p:cTn>
+                        </p:par>
+                      </p:childTnLst>
+                    </p:cTn>
+                  </p:par>
+                  <p:par>
+                    <p:cTn id="8" fill="hold">
+                      <p:stCondLst>
+                        <p:cond delay="indefinite"/>
+                      </p:stCondLst>
+                      <p:childTnLst>
+                        <p:par>
+                          <p:cTn id="9" fill="hold">
+                            <p:stCondLst>
+                              <p:cond delay="0"/>
+                            </p:stCondLst>
+                            <p:childTnLst>
+                              <p:par>
+                                <p:cTn id="10" presetID="10" presetClass="entr" presetSubtype="0" fill="hold" grpId="0" nodeType="clickEffect">
+                                  <p:stCondLst>
+                                    <p:cond delay="0"/>
+                                  </p:stCondLst>
+                                  <p:childTnLst>
+                                    <p:set>
+                                      <p:cBhvr>
+                                        <p:cTn id="11" dur="1" fill="hold">
+                                          <p:stCondLst>
+                                            <p:cond delay="0"/>
+                                          </p:stCondLst>
+                                        </p:cTn>
+                                        <p:tgtEl>
+                                          <p:spTgt spid="3">
+                                            <p:txEl>
+                                              <p:pRg st="1" end="1"/>
+                                            </p:txEl>
+                                          </p:spTgt>
+                                        </p:tgtEl>
+                                        <p:attrNameLst>
+                                          <p:attrName>style.visibility</p:attrName>
+                                        </p:attrNameLst>
+                                      </p:cBhvr>
+                                      <p:to>
+                                        <p:strVal val="visible"/>
+                                      </p:to>
+                                    </p:set>
+                                    <p:animEffect transition="in" filter="fade">
+                                      <p:cBhvr>
+                                        <p:cTn id="12" dur="500"/>
+                                        <p:tgtEl>
+                                          <p:spTgt spid="3">
+                                            <p:txEl>
+                                              <p:pRg st="1" end="1"/>
+                                            </p:txEl>
+                                          </p:spTgt>
+                                        </p:tgtEl>
+                                      </p:cBhvr>
+                                    </p:animEffect>
+                                  </p:childTnLst>
+                                </p:cTn>
+                              </p:par>
+                            </p:childTnLst>
+                          </p:cTn>
+                        </p:par>
+                      </p:childTnLst>
+                    </p:cTn>
+                  </p:par>
+                  <p:par>
+                    <p:cTn id="13" fill="hold">
+                      <p:stCondLst>
+                        <p:cond delay="indefinite"/>
+                      </p:stCondLst>
+                      <p:childTnLst>
+                        <p:par>
+                          <p:cTn id="14" fill="hold">
+                            <p:stCondLst>
+                              <p:cond delay="0"/>
+                            </p:stCondLst>
+                            <p:childTnLst>
+                              <p:par>
+                                <p:cTn id="15" presetID="10" presetClass="entr" presetSubtype="0" fill="hold" grpId="0" nodeType="clickEffect">
+                                  <p:stCondLst>
+                                    <p:cond delay="0"/>
+                                  </p:stCondLst>
+                                  <p:childTnLst>
+                                    <p:set>
+                                      <p:cBhvr>
+                                        <p:cTn id="16" dur="1" fill="hold">
+                                          <p:stCondLst>
+                                            <p:cond delay="0"/>
+                                          </p:stCondLst>
+                                        </p:cTn>
+                                        <p:tgtEl>
+                                          <p:spTgt spid="3">
+                                            <p:txEl>
+                                              <p:pRg st="2" end="2"/>
+                                            </p:txEl>
+                                          </p:spTgt>
+                                        </p:tgtEl>
+                                        <p:attrNameLst>
+                                          <p:attrName>style.visibility</p:attrName>
+                                        </p:attrNameLst>
+                                      </p:cBhvr>
+                                      <p:to>
+                                        <p:strVal val="visible"/>
+                                      </p:to>
+                                    </p:set>
+                                    <p:animEffect transition="in" filter="fade">
+                                      <p:cBhvr>
+                                        <p:cTn id="17" dur="500"/>
+                                        <p:tgtEl>
+                                          <p:spTgt spid="3">
+                                            <p:txEl>
+                                              <p:pRg st="2" end="2"/>
+                                            </p:txEl>
+                                          </p:spTgt>
+                                        </p:tgtEl>
+                                      </p:cBhvr>
+                                    </p:animEffect>
+                                  </p:childTnLst>
+                                </p:cTn>
+                              </p:par>
+                            </p:childTnLst>
+                          </p:cTn>
+                        </p:par>
+                      </p:childTnLst>
+                    </p:cTn>
+                  </p:par>
+                  <p:par>
+                    <p:cTn id="18" fill="hold">
+                      <p:stCondLst>
+                        <p:cond delay="indefinite"/>
+                      </p:stCondLst>
+                      <p:childTnLst>
+                        <p:par>
+                          <p:cTn id="19" fill="hold">
+                            <p:stCondLst>
+                              <p:cond delay="0"/>
+                            </p:stCondLst>
+                            <p:childTnLst>
+                              <p:par>
+                                <p:cTn id="20" presetID="10" presetClass="entr" presetSubtype="0" fill="hold" grpId="0" nodeType="clickEffect">
+                                  <p:stCondLst>
+                                    <p:cond delay="0"/>
+                                  </p:stCondLst>
+                                  <p:childTnLst>
+                                    <p:set>
+                                      <p:cBhvr>
+                                        <p:cTn id="21" dur="1" fill="hold">
+                                          <p:stCondLst>
+                                            <p:cond delay="0"/>
+                                          </p:stCondLst>
+                                        </p:cTn>
+                                        <p:tgtEl>
+                                          <p:spTgt spid="3">
+                                            <p:txEl>
+                                              <p:pRg st="3" end="3"/>
+                                            </p:txEl>
+                                          </p:spTgt>
+                                        </p:tgtEl>
+                                        <p:attrNameLst>
+                                          <p:attrName>style.visibility</p:attrName>
+                                        </p:attrNameLst>
+                                      </p:cBhvr>
+                                      <p:to>
+                                        <p:strVal val="visible"/>
+                                      </p:to>
+                                    </p:set>
+                                    <p:animEffect transition="in" filter="fade">
+                                      <p:cBhvr>
+                                        <p:cTn id="22" dur="500"/>
+                                        <p:tgtEl>
+                                          <p:spTgt spid="3">
+                                            <p:txEl>
+                                              <p:pRg st="3" end="3"/>
+                                            </p:txEl>
+                                          </p:spTgt>
+                                        </p:tgtEl>
+                                      </p:cBhvr>
+                                    </p:animEffect>
+                                  </p:childTnLst>
+                                </p:cTn>
+                              </p:par>
+                            </p:childTnLst>
+                          </p:cTn>
+                        </p:par>
+                      </p:childTnLst>
+                    </p:cTn>
+                  </p:par>
+                  <p:par>
+                    <p:cTn id="23" fill="hold">
+                      <p:stCondLst>
+                        <p:cond delay="indefinite"/>
+                      </p:stCondLst>
+                      <p:childTnLst>
+                        <p:par>
+                          <p:cTn id="24" fill="hold">
+                            <p:stCondLst>
+                              <p:cond delay="0"/>
+                            </p:stCondLst>
+                            <p:childTnLst>
+                              <p:par>
+                                <p:cTn id="25" presetID="10" presetClass="entr" presetSubtype="0" fill="hold" grpId="0" nodeType="clickEffect">
+                                  <p:stCondLst>
+                                    <p:cond delay="0"/>
+                                  </p:stCondLst>
+                                  <p:childTnLst>
+                                    <p:set>
+                                      <p:cBhvr>
+                                        <p:cTn id="26" dur="1" fill="hold">
+                                          <p:stCondLst>
+                                            <p:cond delay="0"/>
+                                          </p:stCondLst>
+                                        </p:cTn>
+                                        <p:tgtEl>
+                                          <p:spTgt spid="3">
+                                            <p:txEl>
+                                              <p:pRg st="4" end="4"/>
+                                            </p:txEl>
+                                          </p:spTgt>
+                                        </p:tgtEl>
+                                        <p:attrNameLst>
+                                          <p:attrName>style.visibility</p:attrName>
+                                        </p:attrNameLst>
+                                      </p:cBhvr>
+                                      <p:to>
+                                        <p:strVal val="visible"/>
+                                      </p:to>
+                                    </p:set>
+                                    <p:animEffect transition="in" filter="fade">
+                                      <p:cBhvr>
+                                        <p:cTn id="27" dur="500"/>
+                                        <p:tgtEl>
+                                          <p:spTgt spid="3">
+                                            <p:txEl>
+                                              <p:pRg st="4" end="4"/>
+                                            </p:txEl>
+                                          </p:spTgt>
+                                        </p:tgtEl>
+                                      </p:cBhvr>
+                                    </p:animEffect>
+                                  </p:childTnLst>
+                                </p:cTn>
+                              </p:par>
+                            </p:childTnLst>
+                          </p:cTn>
+                        </p:par>
+                      </p:childTnLst>
+                    </p:cTn>
+                  </p:par>
+                </p:childTnLst>
+              </p:cTn>
+              <p:prevCondLst>
+                <p:cond evt="onPrev" delay="0">
+                  <p:tgtEl>
+                    <p:sldTgt/>
+                  </p:tgtEl>
+                </p:cond>
+              </p:prevCondLst>
+              <p:nextCondLst>
+                <p:cond evt="onNext" delay="0">
+                  <p:tgtEl>
+                    <p:sldTgt/>
+                  </p:tgtEl>
+                </p:cond>
+              </p:nextCondLst>
+            </p:seq>
+          </p:childTnLst>
+        </p:cTn>
+      </p:par>
+    </p:tnLst>
+    <p:bldLst>
+      <p:bldP spid="3" grpId="0" uiExpand="1" build="p"/>
+    </p:bldLst>
+  </p:timing>
 </p:sld>
 </file>
 
